--- a/projectProgressStatus/설계/UI/문제/UI_문제_박상우_이아영_2.0.0.pptx
+++ b/projectProgressStatus/설계/UI/문제/UI_문제_박상우_이아영_2.0.0.pptx
@@ -5,20 +5,21 @@
     <p:sldMasterId id="2147483648" r:id="rId1"/>
   </p:sldMasterIdLst>
   <p:notesMasterIdLst>
-    <p:notesMasterId r:id="rId13"/>
+    <p:notesMasterId r:id="rId14"/>
   </p:notesMasterIdLst>
   <p:sldIdLst>
     <p:sldId id="260" r:id="rId2"/>
-    <p:sldId id="271" r:id="rId3"/>
-    <p:sldId id="256" r:id="rId4"/>
-    <p:sldId id="263" r:id="rId5"/>
-    <p:sldId id="267" r:id="rId6"/>
-    <p:sldId id="259" r:id="rId7"/>
-    <p:sldId id="264" r:id="rId8"/>
-    <p:sldId id="266" r:id="rId9"/>
-    <p:sldId id="268" r:id="rId10"/>
-    <p:sldId id="269" r:id="rId11"/>
-    <p:sldId id="270" r:id="rId12"/>
+    <p:sldId id="272" r:id="rId3"/>
+    <p:sldId id="271" r:id="rId4"/>
+    <p:sldId id="256" r:id="rId5"/>
+    <p:sldId id="263" r:id="rId6"/>
+    <p:sldId id="267" r:id="rId7"/>
+    <p:sldId id="259" r:id="rId8"/>
+    <p:sldId id="264" r:id="rId9"/>
+    <p:sldId id="266" r:id="rId10"/>
+    <p:sldId id="268" r:id="rId11"/>
+    <p:sldId id="269" r:id="rId12"/>
+    <p:sldId id="270" r:id="rId13"/>
   </p:sldIdLst>
   <p:sldSz cx="12192000" cy="6858000"/>
   <p:notesSz cx="6858000" cy="9144000"/>
@@ -171,6 +172,29 @@
       </p:ext>
     </p:extLst>
   </p:cm>
+  <p:cm authorId="1" dt="2020-12-22T23:10:13.493" idx="2">
+    <p:pos x="10" y="10"/>
+    <p:text/>
+    <p:extLst>
+      <p:ext uri="{C676402C-5697-4E1C-873F-D02D1690AC5C}">
+        <p15:threadingInfo xmlns:p15="http://schemas.microsoft.com/office/powerpoint/2012/main" timeZoneBias="-540"/>
+      </p:ext>
+    </p:extLst>
+  </p:cm>
+</p:cmLst>
+</file>
+
+<file path=ppt/comments/comment3.xml><?xml version="1.0" encoding="utf-8"?>
+<p:cmLst xmlns:a="http://schemas.openxmlformats.org/drawingml/2006/main" xmlns:r="http://schemas.openxmlformats.org/officeDocument/2006/relationships" xmlns:p="http://schemas.openxmlformats.org/presentationml/2006/main">
+  <p:cm authorId="1" dt="2020-12-10T19:29:08.671" idx="1">
+    <p:pos x="6701" y="1568"/>
+    <p:text>작성한 사용자만 보이도록</p:text>
+    <p:extLst>
+      <p:ext uri="{C676402C-5697-4E1C-873F-D02D1690AC5C}">
+        <p15:threadingInfo xmlns:p15="http://schemas.microsoft.com/office/powerpoint/2012/main" timeZoneBias="-540"/>
+      </p:ext>
+    </p:extLst>
+  </p:cm>
 </p:cmLst>
 </file>
 
@@ -588,7 +612,7 @@
           <a:p>
             <a:fld id="{BD743505-1ABE-479D-A606-A27A7EF57BDD}" type="slidenum">
               <a:rPr lang="ko-KR" altLang="en-US" smtClean="0"/>
-              <a:t>6</a:t>
+              <a:t>7</a:t>
             </a:fld>
             <a:endParaRPr lang="ko-KR" altLang="en-US"/>
           </a:p>
@@ -672,7 +696,7 @@
           <a:p>
             <a:fld id="{BD743505-1ABE-479D-A606-A27A7EF57BDD}" type="slidenum">
               <a:rPr lang="ko-KR" altLang="en-US" smtClean="0"/>
-              <a:t>9</a:t>
+              <a:t>10</a:t>
             </a:fld>
             <a:endParaRPr lang="ko-KR" altLang="en-US"/>
           </a:p>
@@ -4809,6 +4833,110 @@
       </p:grpSpPr>
       <p:sp>
         <p:nvSpPr>
+          <p:cNvPr id="26" name="타원 25">
+            <a:extLst>
+              <a:ext uri="{FF2B5EF4-FFF2-40B4-BE49-F238E27FC236}">
+                <a16:creationId xmlns:a16="http://schemas.microsoft.com/office/drawing/2014/main" id="{8D5718B6-B2CF-4AF7-BA96-41DCDE7E3115}"/>
+              </a:ext>
+            </a:extLst>
+          </p:cNvPr>
+          <p:cNvSpPr/>
+          <p:nvPr/>
+        </p:nvSpPr>
+        <p:spPr>
+          <a:xfrm>
+            <a:off x="2551829" y="4637899"/>
+            <a:ext cx="380070" cy="369332"/>
+          </a:xfrm>
+          <a:prstGeom prst="ellipse">
+            <a:avLst/>
+          </a:prstGeom>
+          <a:solidFill>
+            <a:schemeClr val="accent2">
+              <a:lumMod val="40000"/>
+              <a:lumOff val="60000"/>
+            </a:schemeClr>
+          </a:solidFill>
+        </p:spPr>
+        <p:style>
+          <a:lnRef idx="2">
+            <a:schemeClr val="accent1">
+              <a:shade val="50000"/>
+            </a:schemeClr>
+          </a:lnRef>
+          <a:fillRef idx="1">
+            <a:schemeClr val="accent1"/>
+          </a:fillRef>
+          <a:effectRef idx="0">
+            <a:schemeClr val="accent1"/>
+          </a:effectRef>
+          <a:fontRef idx="minor">
+            <a:schemeClr val="lt1"/>
+          </a:fontRef>
+        </p:style>
+        <p:txBody>
+          <a:bodyPr rtlCol="0" anchor="ctr"/>
+          <a:lstStyle/>
+          <a:p>
+            <a:pPr algn="ctr"/>
+            <a:endParaRPr lang="ko-KR" altLang="en-US" dirty="0"/>
+          </a:p>
+        </p:txBody>
+      </p:sp>
+      <p:sp>
+        <p:nvSpPr>
+          <p:cNvPr id="2" name="타원 1">
+            <a:extLst>
+              <a:ext uri="{FF2B5EF4-FFF2-40B4-BE49-F238E27FC236}">
+                <a16:creationId xmlns:a16="http://schemas.microsoft.com/office/drawing/2014/main" id="{B21B9AE6-9B1B-48AD-A2DD-8561BC99A5A9}"/>
+              </a:ext>
+            </a:extLst>
+          </p:cNvPr>
+          <p:cNvSpPr/>
+          <p:nvPr/>
+        </p:nvSpPr>
+        <p:spPr>
+          <a:xfrm>
+            <a:off x="2530278" y="3549447"/>
+            <a:ext cx="380070" cy="369332"/>
+          </a:xfrm>
+          <a:prstGeom prst="ellipse">
+            <a:avLst/>
+          </a:prstGeom>
+          <a:solidFill>
+            <a:schemeClr val="accent1">
+              <a:lumMod val="20000"/>
+              <a:lumOff val="80000"/>
+            </a:schemeClr>
+          </a:solidFill>
+        </p:spPr>
+        <p:style>
+          <a:lnRef idx="2">
+            <a:schemeClr val="accent1">
+              <a:shade val="50000"/>
+            </a:schemeClr>
+          </a:lnRef>
+          <a:fillRef idx="1">
+            <a:schemeClr val="accent1"/>
+          </a:fillRef>
+          <a:effectRef idx="0">
+            <a:schemeClr val="accent1"/>
+          </a:effectRef>
+          <a:fontRef idx="minor">
+            <a:schemeClr val="lt1"/>
+          </a:fontRef>
+        </p:style>
+        <p:txBody>
+          <a:bodyPr rtlCol="0" anchor="ctr"/>
+          <a:lstStyle/>
+          <a:p>
+            <a:pPr algn="ctr"/>
+            <a:endParaRPr lang="ko-KR" altLang="en-US" dirty="0"/>
+          </a:p>
+        </p:txBody>
+      </p:sp>
+      <p:sp>
+        <p:nvSpPr>
           <p:cNvPr id="4" name="직사각형 3">
             <a:extLst>
               <a:ext uri="{FF2B5EF4-FFF2-40B4-BE49-F238E27FC236}">
@@ -4955,7 +5083,7 @@
         </p:nvSpPr>
         <p:spPr>
           <a:xfrm>
-            <a:off x="401729" y="389178"/>
+            <a:off x="426242" y="405849"/>
             <a:ext cx="1664474" cy="646331"/>
           </a:xfrm>
           <a:prstGeom prst="rect">
@@ -4976,14 +5104,14 @@
           <a:p>
             <a:r>
               <a:rPr lang="ko-KR" altLang="en-US" dirty="0"/>
-              <a:t>문제수정</a:t>
+              <a:t>문제수정 </a:t>
             </a:r>
             <a:endParaRPr lang="en-US" altLang="ko-KR" dirty="0"/>
           </a:p>
           <a:p>
             <a:r>
               <a:rPr lang="ko-KR" altLang="en-US" dirty="0"/>
-              <a:t>주관식</a:t>
+              <a:t>객관식</a:t>
             </a:r>
           </a:p>
         </p:txBody>
@@ -5003,7 +5131,7 @@
           <p:nvPr>
             <p:extLst>
               <p:ext uri="{D42A27DB-BD31-4B8C-83A1-F6EECF244321}">
-                <p14:modId xmlns:p14="http://schemas.microsoft.com/office/powerpoint/2010/main" val="588090472"/>
+                <p14:modId xmlns:p14="http://schemas.microsoft.com/office/powerpoint/2010/main" val="790466213"/>
               </p:ext>
             </p:extLst>
           </p:nvPr>
@@ -5266,12 +5394,334 @@
           </a:p>
         </p:txBody>
       </p:sp>
+      <p:sp>
+        <p:nvSpPr>
+          <p:cNvPr id="16" name="TextBox 15">
+            <a:extLst>
+              <a:ext uri="{FF2B5EF4-FFF2-40B4-BE49-F238E27FC236}">
+                <a16:creationId xmlns:a16="http://schemas.microsoft.com/office/drawing/2014/main" id="{F27DCD53-2164-4873-9B2E-B637B2543DCB}"/>
+              </a:ext>
+            </a:extLst>
+          </p:cNvPr>
+          <p:cNvSpPr txBox="1"/>
+          <p:nvPr/>
+        </p:nvSpPr>
+        <p:spPr>
+          <a:xfrm>
+            <a:off x="2409838" y="2269132"/>
+            <a:ext cx="4927887" cy="3328155"/>
+          </a:xfrm>
+          <a:prstGeom prst="rect">
+            <a:avLst/>
+          </a:prstGeom>
+          <a:noFill/>
+        </p:spPr>
+        <p:txBody>
+          <a:bodyPr wrap="none" rtlCol="0">
+            <a:spAutoFit/>
+          </a:bodyPr>
+          <a:lstStyle/>
+          <a:p>
+            <a:pPr>
+              <a:lnSpc>
+                <a:spcPct val="200000"/>
+              </a:lnSpc>
+            </a:pPr>
+            <a:r>
+              <a:rPr lang="en-US" altLang="ko-KR" dirty="0"/>
+              <a:t>2. ______</a:t>
+            </a:r>
+            <a:r>
+              <a:rPr lang="ko-KR" altLang="en-US" dirty="0"/>
+              <a:t>기존 문제 질문 </a:t>
+            </a:r>
+            <a:r>
+              <a:rPr lang="en-US" altLang="ko-KR" dirty="0"/>
+              <a:t>Text__________________</a:t>
+            </a:r>
+          </a:p>
+          <a:p>
+            <a:pPr>
+              <a:lnSpc>
+                <a:spcPct val="200000"/>
+              </a:lnSpc>
+            </a:pPr>
+            <a:r>
+              <a:rPr lang="en-US" altLang="ko-KR" dirty="0"/>
+              <a:t>  1)</a:t>
+            </a:r>
+          </a:p>
+          <a:p>
+            <a:pPr>
+              <a:lnSpc>
+                <a:spcPct val="200000"/>
+              </a:lnSpc>
+            </a:pPr>
+            <a:r>
+              <a:rPr lang="en-US" altLang="ko-KR" dirty="0"/>
+              <a:t>  2)</a:t>
+            </a:r>
+          </a:p>
+          <a:p>
+            <a:pPr>
+              <a:lnSpc>
+                <a:spcPct val="200000"/>
+              </a:lnSpc>
+            </a:pPr>
+            <a:r>
+              <a:rPr lang="en-US" altLang="ko-KR" dirty="0"/>
+              <a:t>  3)</a:t>
+            </a:r>
+          </a:p>
+          <a:p>
+            <a:pPr>
+              <a:lnSpc>
+                <a:spcPct val="200000"/>
+              </a:lnSpc>
+            </a:pPr>
+            <a:r>
+              <a:rPr lang="en-US" altLang="ko-KR" dirty="0"/>
+              <a:t>  4)</a:t>
+            </a:r>
+          </a:p>
+          <a:p>
+            <a:pPr>
+              <a:lnSpc>
+                <a:spcPct val="200000"/>
+              </a:lnSpc>
+            </a:pPr>
+            <a:r>
+              <a:rPr lang="en-US" altLang="ko-KR" dirty="0"/>
+              <a:t>  5)</a:t>
+            </a:r>
+            <a:endParaRPr lang="ko-KR" altLang="en-US" dirty="0"/>
+          </a:p>
+        </p:txBody>
+      </p:sp>
+      <p:sp>
+        <p:nvSpPr>
+          <p:cNvPr id="18" name="이등변 삼각형 17">
+            <a:extLst>
+              <a:ext uri="{FF2B5EF4-FFF2-40B4-BE49-F238E27FC236}">
+                <a16:creationId xmlns:a16="http://schemas.microsoft.com/office/drawing/2014/main" id="{162AE67C-0C64-481B-A6F8-6A951EB4BA99}"/>
+              </a:ext>
+            </a:extLst>
+          </p:cNvPr>
+          <p:cNvSpPr/>
+          <p:nvPr/>
+        </p:nvSpPr>
+        <p:spPr>
+          <a:xfrm rot="16200000">
+            <a:off x="5514440" y="6225910"/>
+            <a:ext cx="235664" cy="254494"/>
+          </a:xfrm>
+          <a:prstGeom prst="triangle">
+            <a:avLst/>
+          </a:prstGeom>
+        </p:spPr>
+        <p:style>
+          <a:lnRef idx="2">
+            <a:schemeClr val="accent1">
+              <a:shade val="50000"/>
+            </a:schemeClr>
+          </a:lnRef>
+          <a:fillRef idx="1">
+            <a:schemeClr val="accent1"/>
+          </a:fillRef>
+          <a:effectRef idx="0">
+            <a:schemeClr val="accent1"/>
+          </a:effectRef>
+          <a:fontRef idx="minor">
+            <a:schemeClr val="lt1"/>
+          </a:fontRef>
+        </p:style>
+        <p:txBody>
+          <a:bodyPr rtlCol="0" anchor="ctr"/>
+          <a:lstStyle/>
+          <a:p>
+            <a:pPr algn="ctr"/>
+            <a:endParaRPr lang="ko-KR" altLang="en-US"/>
+          </a:p>
+        </p:txBody>
+      </p:sp>
+      <p:sp>
+        <p:nvSpPr>
+          <p:cNvPr id="19" name="이등변 삼각형 18">
+            <a:extLst>
+              <a:ext uri="{FF2B5EF4-FFF2-40B4-BE49-F238E27FC236}">
+                <a16:creationId xmlns:a16="http://schemas.microsoft.com/office/drawing/2014/main" id="{9AF0238B-BFDC-4410-BE30-C2643940A0FD}"/>
+              </a:ext>
+            </a:extLst>
+          </p:cNvPr>
+          <p:cNvSpPr/>
+          <p:nvPr/>
+        </p:nvSpPr>
+        <p:spPr>
+          <a:xfrm rot="5400000">
+            <a:off x="6072192" y="6225910"/>
+            <a:ext cx="235664" cy="254494"/>
+          </a:xfrm>
+          <a:prstGeom prst="triangle">
+            <a:avLst/>
+          </a:prstGeom>
+        </p:spPr>
+        <p:style>
+          <a:lnRef idx="2">
+            <a:schemeClr val="accent1">
+              <a:shade val="50000"/>
+            </a:schemeClr>
+          </a:lnRef>
+          <a:fillRef idx="1">
+            <a:schemeClr val="accent1"/>
+          </a:fillRef>
+          <a:effectRef idx="0">
+            <a:schemeClr val="accent1"/>
+          </a:effectRef>
+          <a:fontRef idx="minor">
+            <a:schemeClr val="lt1"/>
+          </a:fontRef>
+        </p:style>
+        <p:txBody>
+          <a:bodyPr rtlCol="0" anchor="ctr"/>
+          <a:lstStyle/>
+          <a:p>
+            <a:pPr algn="ctr"/>
+            <a:endParaRPr lang="ko-KR" altLang="en-US"/>
+          </a:p>
+        </p:txBody>
+      </p:sp>
+      <p:sp>
+        <p:nvSpPr>
+          <p:cNvPr id="20" name="TextBox 19">
+            <a:extLst>
+              <a:ext uri="{FF2B5EF4-FFF2-40B4-BE49-F238E27FC236}">
+                <a16:creationId xmlns:a16="http://schemas.microsoft.com/office/drawing/2014/main" id="{65EEDE74-DECD-4921-9D9C-6863D18A47E6}"/>
+              </a:ext>
+            </a:extLst>
+          </p:cNvPr>
+          <p:cNvSpPr txBox="1"/>
+          <p:nvPr/>
+        </p:nvSpPr>
+        <p:spPr>
+          <a:xfrm>
+            <a:off x="2530278" y="1979630"/>
+            <a:ext cx="877163" cy="369332"/>
+          </a:xfrm>
+          <a:prstGeom prst="rect">
+            <a:avLst/>
+          </a:prstGeom>
+          <a:solidFill>
+            <a:srgbClr val="CFD5EA"/>
+          </a:solidFill>
+          <a:ln>
+            <a:solidFill>
+              <a:schemeClr val="tx1"/>
+            </a:solidFill>
+          </a:ln>
+        </p:spPr>
+        <p:txBody>
+          <a:bodyPr wrap="none" rtlCol="0">
+            <a:spAutoFit/>
+          </a:bodyPr>
+          <a:lstStyle/>
+          <a:p>
+            <a:r>
+              <a:rPr lang="ko-KR" altLang="en-US" dirty="0"/>
+              <a:t>객관식</a:t>
+            </a:r>
+          </a:p>
+        </p:txBody>
+      </p:sp>
+      <p:sp>
+        <p:nvSpPr>
+          <p:cNvPr id="21" name="TextBox 20">
+            <a:extLst>
+              <a:ext uri="{FF2B5EF4-FFF2-40B4-BE49-F238E27FC236}">
+                <a16:creationId xmlns:a16="http://schemas.microsoft.com/office/drawing/2014/main" id="{2A53BF96-49DE-44CF-8797-2877BEEBE2D5}"/>
+              </a:ext>
+            </a:extLst>
+          </p:cNvPr>
+          <p:cNvSpPr txBox="1"/>
+          <p:nvPr/>
+        </p:nvSpPr>
+        <p:spPr>
+          <a:xfrm>
+            <a:off x="3527881" y="1975866"/>
+            <a:ext cx="877163" cy="369332"/>
+          </a:xfrm>
+          <a:prstGeom prst="rect">
+            <a:avLst/>
+          </a:prstGeom>
+          <a:noFill/>
+          <a:ln>
+            <a:solidFill>
+              <a:schemeClr val="tx1"/>
+            </a:solidFill>
+          </a:ln>
+        </p:spPr>
+        <p:txBody>
+          <a:bodyPr wrap="none" rtlCol="0">
+            <a:spAutoFit/>
+          </a:bodyPr>
+          <a:lstStyle/>
+          <a:p>
+            <a:r>
+              <a:rPr lang="ko-KR" altLang="en-US" dirty="0"/>
+              <a:t>주관식</a:t>
+            </a:r>
+          </a:p>
+        </p:txBody>
+      </p:sp>
+      <p:sp>
+        <p:nvSpPr>
+          <p:cNvPr id="22" name="TextBox 21">
+            <a:extLst>
+              <a:ext uri="{FF2B5EF4-FFF2-40B4-BE49-F238E27FC236}">
+                <a16:creationId xmlns:a16="http://schemas.microsoft.com/office/drawing/2014/main" id="{C9E2C1A6-8AAE-48AD-82D6-66C45B885FF1}"/>
+              </a:ext>
+            </a:extLst>
+          </p:cNvPr>
+          <p:cNvSpPr txBox="1"/>
+          <p:nvPr/>
+        </p:nvSpPr>
+        <p:spPr>
+          <a:xfrm>
+            <a:off x="7144342" y="1963944"/>
+            <a:ext cx="1107996" cy="369332"/>
+          </a:xfrm>
+          <a:prstGeom prst="rect">
+            <a:avLst/>
+          </a:prstGeom>
+          <a:solidFill>
+            <a:schemeClr val="accent2">
+              <a:lumMod val="75000"/>
+            </a:schemeClr>
+          </a:solidFill>
+          <a:ln>
+            <a:solidFill>
+              <a:schemeClr val="tx1"/>
+            </a:solidFill>
+          </a:ln>
+        </p:spPr>
+        <p:txBody>
+          <a:bodyPr wrap="none" rtlCol="0">
+            <a:spAutoFit/>
+          </a:bodyPr>
+          <a:lstStyle/>
+          <a:p>
+            <a:r>
+              <a:rPr lang="ko-KR" altLang="en-US" dirty="0"/>
+              <a:t>문제삭제</a:t>
+            </a:r>
+          </a:p>
+        </p:txBody>
+      </p:sp>
       <p:graphicFrame>
         <p:nvGraphicFramePr>
-          <p:cNvPr id="17" name="표 13">
-            <a:extLst>
-              <a:ext uri="{FF2B5EF4-FFF2-40B4-BE49-F238E27FC236}">
-                <a16:creationId xmlns:a16="http://schemas.microsoft.com/office/drawing/2014/main" id="{4E05CA2A-1560-45A5-A75B-E5725D4CD281}"/>
+          <p:cNvPr id="15" name="표 13">
+            <a:extLst>
+              <a:ext uri="{FF2B5EF4-FFF2-40B4-BE49-F238E27FC236}">
+                <a16:creationId xmlns:a16="http://schemas.microsoft.com/office/drawing/2014/main" id="{0C7DBF5D-0EA8-4461-AACD-A5A8AFD22C3C}"/>
               </a:ext>
             </a:extLst>
           </p:cNvPr>
@@ -5413,7 +5863,7 @@
                       <a:pPr algn="ctr" latinLnBrk="1"/>
                       <a:r>
                         <a:rPr lang="en-US" altLang="ko-KR" dirty="0"/>
-                        <a:t>3</a:t>
+                        <a:t>+</a:t>
                       </a:r>
                       <a:endParaRPr lang="ko-KR" altLang="en-US" dirty="0"/>
                     </a:p>
@@ -5460,10 +5910,6 @@
                         <a:tabLst/>
                         <a:defRPr/>
                       </a:pPr>
-                      <a:r>
-                        <a:rPr lang="en-US" altLang="ko-KR" dirty="0"/>
-                        <a:t>+</a:t>
-                      </a:r>
                       <a:endParaRPr lang="ko-KR" altLang="en-US" dirty="0"/>
                     </a:p>
                   </a:txBody>
@@ -5579,102 +6025,10 @@
       </p:graphicFrame>
       <p:sp>
         <p:nvSpPr>
-          <p:cNvPr id="18" name="이등변 삼각형 17">
-            <a:extLst>
-              <a:ext uri="{FF2B5EF4-FFF2-40B4-BE49-F238E27FC236}">
-                <a16:creationId xmlns:a16="http://schemas.microsoft.com/office/drawing/2014/main" id="{162AE67C-0C64-481B-A6F8-6A951EB4BA99}"/>
-              </a:ext>
-            </a:extLst>
-          </p:cNvPr>
-          <p:cNvSpPr/>
-          <p:nvPr/>
-        </p:nvSpPr>
-        <p:spPr>
-          <a:xfrm rot="16200000">
-            <a:off x="5514440" y="6225910"/>
-            <a:ext cx="235664" cy="254494"/>
-          </a:xfrm>
-          <a:prstGeom prst="triangle">
-            <a:avLst/>
-          </a:prstGeom>
-        </p:spPr>
-        <p:style>
-          <a:lnRef idx="2">
-            <a:schemeClr val="accent1">
-              <a:shade val="50000"/>
-            </a:schemeClr>
-          </a:lnRef>
-          <a:fillRef idx="1">
-            <a:schemeClr val="accent1"/>
-          </a:fillRef>
-          <a:effectRef idx="0">
-            <a:schemeClr val="accent1"/>
-          </a:effectRef>
-          <a:fontRef idx="minor">
-            <a:schemeClr val="lt1"/>
-          </a:fontRef>
-        </p:style>
-        <p:txBody>
-          <a:bodyPr rtlCol="0" anchor="ctr"/>
-          <a:lstStyle/>
-          <a:p>
-            <a:pPr algn="ctr"/>
-            <a:endParaRPr lang="ko-KR" altLang="en-US"/>
-          </a:p>
-        </p:txBody>
-      </p:sp>
-      <p:sp>
-        <p:nvSpPr>
-          <p:cNvPr id="19" name="이등변 삼각형 18">
-            <a:extLst>
-              <a:ext uri="{FF2B5EF4-FFF2-40B4-BE49-F238E27FC236}">
-                <a16:creationId xmlns:a16="http://schemas.microsoft.com/office/drawing/2014/main" id="{9AF0238B-BFDC-4410-BE30-C2643940A0FD}"/>
-              </a:ext>
-            </a:extLst>
-          </p:cNvPr>
-          <p:cNvSpPr/>
-          <p:nvPr/>
-        </p:nvSpPr>
-        <p:spPr>
-          <a:xfrm rot="5400000">
-            <a:off x="6072192" y="6225910"/>
-            <a:ext cx="235664" cy="254494"/>
-          </a:xfrm>
-          <a:prstGeom prst="triangle">
-            <a:avLst/>
-          </a:prstGeom>
-        </p:spPr>
-        <p:style>
-          <a:lnRef idx="2">
-            <a:schemeClr val="accent1">
-              <a:shade val="50000"/>
-            </a:schemeClr>
-          </a:lnRef>
-          <a:fillRef idx="1">
-            <a:schemeClr val="accent1"/>
-          </a:fillRef>
-          <a:effectRef idx="0">
-            <a:schemeClr val="accent1"/>
-          </a:effectRef>
-          <a:fontRef idx="minor">
-            <a:schemeClr val="lt1"/>
-          </a:fontRef>
-        </p:style>
-        <p:txBody>
-          <a:bodyPr rtlCol="0" anchor="ctr"/>
-          <a:lstStyle/>
-          <a:p>
-            <a:pPr algn="ctr"/>
-            <a:endParaRPr lang="ko-KR" altLang="en-US"/>
-          </a:p>
-        </p:txBody>
-      </p:sp>
-      <p:sp>
-        <p:nvSpPr>
-          <p:cNvPr id="20" name="TextBox 19">
-            <a:extLst>
-              <a:ext uri="{FF2B5EF4-FFF2-40B4-BE49-F238E27FC236}">
-                <a16:creationId xmlns:a16="http://schemas.microsoft.com/office/drawing/2014/main" id="{65EEDE74-DECD-4921-9D9C-6863D18A47E6}"/>
+          <p:cNvPr id="23" name="TextBox 22">
+            <a:extLst>
+              <a:ext uri="{FF2B5EF4-FFF2-40B4-BE49-F238E27FC236}">
+                <a16:creationId xmlns:a16="http://schemas.microsoft.com/office/drawing/2014/main" id="{4332EB4F-3763-4D94-A38D-BB2BC71C0204}"/>
               </a:ext>
             </a:extLst>
           </p:cNvPr>
@@ -5683,8 +6037,8 @@
         </p:nvSpPr>
         <p:spPr>
           <a:xfrm>
-            <a:off x="3647236" y="1982154"/>
-            <a:ext cx="877163" cy="369332"/>
+            <a:off x="7192678" y="5443406"/>
+            <a:ext cx="1107996" cy="369332"/>
           </a:xfrm>
           <a:prstGeom prst="rect">
             <a:avLst/>
@@ -5706,17 +6060,17 @@
           <a:p>
             <a:r>
               <a:rPr lang="ko-KR" altLang="en-US" dirty="0"/>
-              <a:t>주관식</a:t>
-            </a:r>
-          </a:p>
-        </p:txBody>
-      </p:sp>
-      <p:sp>
-        <p:nvSpPr>
-          <p:cNvPr id="21" name="TextBox 20">
-            <a:extLst>
-              <a:ext uri="{FF2B5EF4-FFF2-40B4-BE49-F238E27FC236}">
-                <a16:creationId xmlns:a16="http://schemas.microsoft.com/office/drawing/2014/main" id="{2A53BF96-49DE-44CF-8797-2877BEEBE2D5}"/>
+              <a:t>문제수정</a:t>
+            </a:r>
+          </a:p>
+        </p:txBody>
+      </p:sp>
+      <p:sp>
+        <p:nvSpPr>
+          <p:cNvPr id="17" name="TextBox 16">
+            <a:extLst>
+              <a:ext uri="{FF2B5EF4-FFF2-40B4-BE49-F238E27FC236}">
+                <a16:creationId xmlns:a16="http://schemas.microsoft.com/office/drawing/2014/main" id="{8E44FDD4-B408-4C15-9AE4-9FE195DD0826}"/>
               </a:ext>
             </a:extLst>
           </p:cNvPr>
@@ -5725,7 +6079,7 @@
         </p:nvSpPr>
         <p:spPr>
           <a:xfrm>
-            <a:off x="2718695" y="1992898"/>
+            <a:off x="4525535" y="1979630"/>
             <a:ext cx="877163" cy="369332"/>
           </a:xfrm>
           <a:prstGeom prst="rect">
@@ -5745,18 +6099,19 @@
           <a:lstStyle/>
           <a:p>
             <a:r>
-              <a:rPr lang="ko-KR" altLang="en-US" dirty="0"/>
-              <a:t>객관식</a:t>
-            </a:r>
-          </a:p>
-        </p:txBody>
-      </p:sp>
-      <p:sp>
-        <p:nvSpPr>
-          <p:cNvPr id="22" name="TextBox 21">
-            <a:extLst>
-              <a:ext uri="{FF2B5EF4-FFF2-40B4-BE49-F238E27FC236}">
-                <a16:creationId xmlns:a16="http://schemas.microsoft.com/office/drawing/2014/main" id="{C9E2C1A6-8AAE-48AD-82D6-66C45B885FF1}"/>
+              <a:rPr lang="ko-KR" altLang="en-US"/>
+              <a:t>서술형</a:t>
+            </a:r>
+            <a:endParaRPr lang="ko-KR" altLang="en-US" dirty="0"/>
+          </a:p>
+        </p:txBody>
+      </p:sp>
+      <p:sp>
+        <p:nvSpPr>
+          <p:cNvPr id="3" name="TextBox 2">
+            <a:extLst>
+              <a:ext uri="{FF2B5EF4-FFF2-40B4-BE49-F238E27FC236}">
+                <a16:creationId xmlns:a16="http://schemas.microsoft.com/office/drawing/2014/main" id="{7D4B2B84-777F-42C3-98D7-E69CD90484D4}"/>
               </a:ext>
             </a:extLst>
           </p:cNvPr>
@@ -5765,38 +6120,300 @@
         </p:nvSpPr>
         <p:spPr>
           <a:xfrm>
-            <a:off x="4593843" y="1978578"/>
-            <a:ext cx="877163" cy="369332"/>
+            <a:off x="2992377" y="4637899"/>
+            <a:ext cx="1733167" cy="276999"/>
           </a:xfrm>
           <a:prstGeom prst="rect">
             <a:avLst/>
           </a:prstGeom>
           <a:noFill/>
+        </p:spPr>
+        <p:txBody>
+          <a:bodyPr wrap="none" rtlCol="0">
+            <a:spAutoFit/>
+          </a:bodyPr>
+          <a:lstStyle/>
+          <a:p>
+            <a:r>
+              <a:rPr lang="ko-KR" altLang="en-US" sz="1200" dirty="0"/>
+              <a:t>변경하는 답 색 다르게</a:t>
+            </a:r>
+          </a:p>
+        </p:txBody>
+      </p:sp>
+      <p:sp>
+        <p:nvSpPr>
+          <p:cNvPr id="24" name="이등변 삼각형 23">
+            <a:extLst>
+              <a:ext uri="{FF2B5EF4-FFF2-40B4-BE49-F238E27FC236}">
+                <a16:creationId xmlns:a16="http://schemas.microsoft.com/office/drawing/2014/main" id="{F93B1F8D-AF71-4059-ABDF-3CCBCD6110C7}"/>
+              </a:ext>
+            </a:extLst>
+          </p:cNvPr>
+          <p:cNvSpPr/>
+          <p:nvPr/>
+        </p:nvSpPr>
+        <p:spPr>
+          <a:xfrm rot="10800000">
+            <a:off x="6377555" y="1045261"/>
+            <a:ext cx="185392" cy="142515"/>
+          </a:xfrm>
+          <a:prstGeom prst="triangle">
+            <a:avLst/>
+          </a:prstGeom>
+          <a:solidFill>
+            <a:schemeClr val="tx1"/>
+          </a:solidFill>
           <a:ln>
             <a:solidFill>
               <a:schemeClr val="tx1"/>
             </a:solidFill>
           </a:ln>
         </p:spPr>
-        <p:txBody>
-          <a:bodyPr wrap="none" rtlCol="0">
-            <a:spAutoFit/>
-          </a:bodyPr>
-          <a:lstStyle/>
-          <a:p>
-            <a:r>
-              <a:rPr lang="ko-KR" altLang="en-US" dirty="0"/>
-              <a:t>단답식</a:t>
-            </a:r>
-          </a:p>
-        </p:txBody>
-      </p:sp>
-      <p:sp>
-        <p:nvSpPr>
-          <p:cNvPr id="15" name="TextBox 14">
-            <a:extLst>
-              <a:ext uri="{FF2B5EF4-FFF2-40B4-BE49-F238E27FC236}">
-                <a16:creationId xmlns:a16="http://schemas.microsoft.com/office/drawing/2014/main" id="{20B78241-9B39-4EFF-A811-BF35B5B7C4CD}"/>
+        <p:style>
+          <a:lnRef idx="2">
+            <a:schemeClr val="accent1">
+              <a:shade val="50000"/>
+            </a:schemeClr>
+          </a:lnRef>
+          <a:fillRef idx="1">
+            <a:schemeClr val="accent1"/>
+          </a:fillRef>
+          <a:effectRef idx="0">
+            <a:schemeClr val="accent1"/>
+          </a:effectRef>
+          <a:fontRef idx="minor">
+            <a:schemeClr val="lt1"/>
+          </a:fontRef>
+        </p:style>
+        <p:txBody>
+          <a:bodyPr rtlCol="0" anchor="ctr"/>
+          <a:lstStyle/>
+          <a:p>
+            <a:pPr algn="ctr"/>
+            <a:endParaRPr lang="ko-KR" altLang="en-US"/>
+          </a:p>
+        </p:txBody>
+      </p:sp>
+      <p:sp>
+        <p:nvSpPr>
+          <p:cNvPr id="25" name="이등변 삼각형 24">
+            <a:extLst>
+              <a:ext uri="{FF2B5EF4-FFF2-40B4-BE49-F238E27FC236}">
+                <a16:creationId xmlns:a16="http://schemas.microsoft.com/office/drawing/2014/main" id="{E4A90959-C0DF-4101-8CB9-99D5C15A9513}"/>
+              </a:ext>
+            </a:extLst>
+          </p:cNvPr>
+          <p:cNvSpPr/>
+          <p:nvPr/>
+        </p:nvSpPr>
+        <p:spPr>
+          <a:xfrm rot="10800000">
+            <a:off x="7236422" y="1045260"/>
+            <a:ext cx="185392" cy="142515"/>
+          </a:xfrm>
+          <a:prstGeom prst="triangle">
+            <a:avLst/>
+          </a:prstGeom>
+          <a:solidFill>
+            <a:schemeClr val="tx1"/>
+          </a:solidFill>
+          <a:ln>
+            <a:solidFill>
+              <a:schemeClr val="tx1"/>
+            </a:solidFill>
+          </a:ln>
+        </p:spPr>
+        <p:style>
+          <a:lnRef idx="2">
+            <a:schemeClr val="accent1">
+              <a:shade val="50000"/>
+            </a:schemeClr>
+          </a:lnRef>
+          <a:fillRef idx="1">
+            <a:schemeClr val="accent1"/>
+          </a:fillRef>
+          <a:effectRef idx="0">
+            <a:schemeClr val="accent1"/>
+          </a:effectRef>
+          <a:fontRef idx="minor">
+            <a:schemeClr val="lt1"/>
+          </a:fontRef>
+        </p:style>
+        <p:txBody>
+          <a:bodyPr rtlCol="0" anchor="ctr"/>
+          <a:lstStyle/>
+          <a:p>
+            <a:pPr algn="ctr"/>
+            <a:endParaRPr lang="ko-KR" altLang="en-US"/>
+          </a:p>
+        </p:txBody>
+      </p:sp>
+      <p:sp>
+        <p:nvSpPr>
+          <p:cNvPr id="27" name="이등변 삼각형 26">
+            <a:extLst>
+              <a:ext uri="{FF2B5EF4-FFF2-40B4-BE49-F238E27FC236}">
+                <a16:creationId xmlns:a16="http://schemas.microsoft.com/office/drawing/2014/main" id="{FA32F15A-8CD8-4E0E-95DB-4AB31A110881}"/>
+              </a:ext>
+            </a:extLst>
+          </p:cNvPr>
+          <p:cNvSpPr/>
+          <p:nvPr/>
+        </p:nvSpPr>
+        <p:spPr>
+          <a:xfrm rot="16200000">
+            <a:off x="8741194" y="5316159"/>
+            <a:ext cx="235664" cy="254494"/>
+          </a:xfrm>
+          <a:prstGeom prst="triangle">
+            <a:avLst/>
+          </a:prstGeom>
+        </p:spPr>
+        <p:style>
+          <a:lnRef idx="2">
+            <a:schemeClr val="accent1">
+              <a:shade val="50000"/>
+            </a:schemeClr>
+          </a:lnRef>
+          <a:fillRef idx="1">
+            <a:schemeClr val="accent1"/>
+          </a:fillRef>
+          <a:effectRef idx="0">
+            <a:schemeClr val="accent1"/>
+          </a:effectRef>
+          <a:fontRef idx="minor">
+            <a:schemeClr val="lt1"/>
+          </a:fontRef>
+        </p:style>
+        <p:txBody>
+          <a:bodyPr rtlCol="0" anchor="ctr"/>
+          <a:lstStyle/>
+          <a:p>
+            <a:pPr algn="ctr"/>
+            <a:endParaRPr lang="ko-KR" altLang="en-US"/>
+          </a:p>
+        </p:txBody>
+      </p:sp>
+      <p:sp>
+        <p:nvSpPr>
+          <p:cNvPr id="28" name="이등변 삼각형 27">
+            <a:extLst>
+              <a:ext uri="{FF2B5EF4-FFF2-40B4-BE49-F238E27FC236}">
+                <a16:creationId xmlns:a16="http://schemas.microsoft.com/office/drawing/2014/main" id="{6DBCE348-E25F-4952-8030-3B1BBF9B3E82}"/>
+              </a:ext>
+            </a:extLst>
+          </p:cNvPr>
+          <p:cNvSpPr/>
+          <p:nvPr/>
+        </p:nvSpPr>
+        <p:spPr>
+          <a:xfrm rot="5400000">
+            <a:off x="9298946" y="5316159"/>
+            <a:ext cx="235664" cy="254494"/>
+          </a:xfrm>
+          <a:prstGeom prst="triangle">
+            <a:avLst/>
+          </a:prstGeom>
+        </p:spPr>
+        <p:style>
+          <a:lnRef idx="2">
+            <a:schemeClr val="accent1">
+              <a:shade val="50000"/>
+            </a:schemeClr>
+          </a:lnRef>
+          <a:fillRef idx="1">
+            <a:schemeClr val="accent1"/>
+          </a:fillRef>
+          <a:effectRef idx="0">
+            <a:schemeClr val="accent1"/>
+          </a:effectRef>
+          <a:fontRef idx="minor">
+            <a:schemeClr val="lt1"/>
+          </a:fontRef>
+        </p:style>
+        <p:txBody>
+          <a:bodyPr rtlCol="0" anchor="ctr"/>
+          <a:lstStyle/>
+          <a:p>
+            <a:pPr algn="ctr"/>
+            <a:endParaRPr lang="ko-KR" altLang="en-US"/>
+          </a:p>
+        </p:txBody>
+      </p:sp>
+      <p:sp>
+        <p:nvSpPr>
+          <p:cNvPr id="31" name="직사각형 30">
+            <a:extLst>
+              <a:ext uri="{FF2B5EF4-FFF2-40B4-BE49-F238E27FC236}">
+                <a16:creationId xmlns:a16="http://schemas.microsoft.com/office/drawing/2014/main" id="{A81F89D6-983A-423A-BD11-274FCF8B857F}"/>
+              </a:ext>
+            </a:extLst>
+          </p:cNvPr>
+          <p:cNvSpPr/>
+          <p:nvPr/>
+        </p:nvSpPr>
+        <p:spPr>
+          <a:xfrm>
+            <a:off x="9002824" y="-741859"/>
+            <a:ext cx="5345856" cy="2719607"/>
+          </a:xfrm>
+          <a:prstGeom prst="rect">
+            <a:avLst/>
+          </a:prstGeom>
+          <a:solidFill>
+            <a:schemeClr val="accent5">
+              <a:lumMod val="40000"/>
+              <a:lumOff val="60000"/>
+            </a:schemeClr>
+          </a:solidFill>
+        </p:spPr>
+        <p:style>
+          <a:lnRef idx="2">
+            <a:schemeClr val="accent1">
+              <a:shade val="50000"/>
+            </a:schemeClr>
+          </a:lnRef>
+          <a:fillRef idx="1">
+            <a:schemeClr val="accent1"/>
+          </a:fillRef>
+          <a:effectRef idx="0">
+            <a:schemeClr val="accent1"/>
+          </a:effectRef>
+          <a:fontRef idx="minor">
+            <a:schemeClr val="lt1"/>
+          </a:fontRef>
+        </p:style>
+        <p:txBody>
+          <a:bodyPr rtlCol="0" anchor="ctr"/>
+          <a:lstStyle/>
+          <a:p>
+            <a:pPr algn="ctr"/>
+            <a:r>
+              <a:rPr lang="en-US" altLang="ko-KR" dirty="0"/>
+              <a:t>Alert!</a:t>
+            </a:r>
+          </a:p>
+          <a:p>
+            <a:pPr algn="ctr"/>
+            <a:r>
+              <a:rPr lang="ko-KR" altLang="en-US" sz="1600" dirty="0"/>
+              <a:t>문제를 삭제하시겠습니까</a:t>
+            </a:r>
+            <a:r>
+              <a:rPr lang="en-US" altLang="ko-KR" sz="1600" dirty="0"/>
+              <a:t>?</a:t>
+            </a:r>
+            <a:endParaRPr lang="ko-KR" altLang="en-US" sz="1600" dirty="0"/>
+          </a:p>
+        </p:txBody>
+      </p:sp>
+      <p:sp>
+        <p:nvSpPr>
+          <p:cNvPr id="32" name="TextBox 31">
+            <a:extLst>
+              <a:ext uri="{FF2B5EF4-FFF2-40B4-BE49-F238E27FC236}">
+                <a16:creationId xmlns:a16="http://schemas.microsoft.com/office/drawing/2014/main" id="{5285AC80-444C-42BE-BD27-8506FE4F0384}"/>
               </a:ext>
             </a:extLst>
           </p:cNvPr>
@@ -5805,56 +6422,8 @@
         </p:nvSpPr>
         <p:spPr>
           <a:xfrm>
-            <a:off x="2439688" y="2419955"/>
-            <a:ext cx="4798045" cy="558166"/>
-          </a:xfrm>
-          <a:prstGeom prst="rect">
-            <a:avLst/>
-          </a:prstGeom>
-          <a:noFill/>
-        </p:spPr>
-        <p:txBody>
-          <a:bodyPr wrap="none" rtlCol="0">
-            <a:spAutoFit/>
-          </a:bodyPr>
-          <a:lstStyle/>
-          <a:p>
-            <a:pPr>
-              <a:lnSpc>
-                <a:spcPct val="200000"/>
-              </a:lnSpc>
-            </a:pPr>
-            <a:r>
-              <a:rPr lang="en-US" altLang="ko-KR" dirty="0"/>
-              <a:t>3. ________</a:t>
-            </a:r>
-            <a:r>
-              <a:rPr lang="ko-KR" altLang="en-US" dirty="0"/>
-              <a:t> 기존 문제 질문 </a:t>
-            </a:r>
-            <a:r>
-              <a:rPr lang="en-US" altLang="ko-KR" dirty="0"/>
-              <a:t>Text ______________</a:t>
-            </a:r>
-          </a:p>
-        </p:txBody>
-      </p:sp>
-      <p:sp>
-        <p:nvSpPr>
-          <p:cNvPr id="24" name="TextBox 23">
-            <a:extLst>
-              <a:ext uri="{FF2B5EF4-FFF2-40B4-BE49-F238E27FC236}">
-                <a16:creationId xmlns:a16="http://schemas.microsoft.com/office/drawing/2014/main" id="{DEC1336F-657C-44D8-9FAC-8CCB4F3D63F9}"/>
-              </a:ext>
-            </a:extLst>
-          </p:cNvPr>
-          <p:cNvSpPr txBox="1"/>
-          <p:nvPr/>
-        </p:nvSpPr>
-        <p:spPr>
-          <a:xfrm>
-            <a:off x="7192678" y="5443406"/>
-            <a:ext cx="1107996" cy="369332"/>
+            <a:off x="10754945" y="1248760"/>
+            <a:ext cx="415498" cy="369332"/>
           </a:xfrm>
           <a:prstGeom prst="rect">
             <a:avLst/>
@@ -5876,128 +6445,33 @@
           <a:p>
             <a:r>
               <a:rPr lang="ko-KR" altLang="en-US" dirty="0"/>
-              <a:t>문제수정</a:t>
-            </a:r>
-          </a:p>
-        </p:txBody>
-      </p:sp>
-      <p:sp>
-        <p:nvSpPr>
-          <p:cNvPr id="26" name="사각형: 둥근 모서리 25">
-            <a:extLst>
-              <a:ext uri="{FF2B5EF4-FFF2-40B4-BE49-F238E27FC236}">
-                <a16:creationId xmlns:a16="http://schemas.microsoft.com/office/drawing/2014/main" id="{3905010A-827A-4848-AA2D-9BF3ED5E4263}"/>
-              </a:ext>
-            </a:extLst>
-          </p:cNvPr>
-          <p:cNvSpPr/>
+              <a:t>예</a:t>
+            </a:r>
+          </a:p>
+        </p:txBody>
+      </p:sp>
+      <p:sp>
+        <p:nvSpPr>
+          <p:cNvPr id="33" name="TextBox 32">
+            <a:extLst>
+              <a:ext uri="{FF2B5EF4-FFF2-40B4-BE49-F238E27FC236}">
+                <a16:creationId xmlns:a16="http://schemas.microsoft.com/office/drawing/2014/main" id="{A3AE18FD-4118-4E2A-9350-6DD4A138AB86}"/>
+              </a:ext>
+            </a:extLst>
+          </p:cNvPr>
+          <p:cNvSpPr txBox="1"/>
           <p:nvPr/>
         </p:nvSpPr>
         <p:spPr>
           <a:xfrm>
-            <a:off x="2620930" y="3760038"/>
-            <a:ext cx="4383908" cy="916083"/>
-          </a:xfrm>
-          <a:prstGeom prst="roundRect">
-            <a:avLst/>
-          </a:prstGeom>
-          <a:noFill/>
-          <a:ln>
-            <a:solidFill>
-              <a:schemeClr val="tx1"/>
-            </a:solidFill>
-          </a:ln>
-        </p:spPr>
-        <p:style>
-          <a:lnRef idx="2">
-            <a:schemeClr val="accent1">
-              <a:shade val="50000"/>
-            </a:schemeClr>
-          </a:lnRef>
-          <a:fillRef idx="1">
-            <a:schemeClr val="accent1"/>
-          </a:fillRef>
-          <a:effectRef idx="0">
-            <a:schemeClr val="accent1"/>
-          </a:effectRef>
-          <a:fontRef idx="minor">
-            <a:schemeClr val="lt1"/>
-          </a:fontRef>
-        </p:style>
-        <p:txBody>
-          <a:bodyPr rtlCol="0" anchor="ctr"/>
-          <a:lstStyle/>
-          <a:p>
-            <a:pPr algn="ctr"/>
-            <a:endParaRPr lang="ko-KR" altLang="en-US"/>
-          </a:p>
-        </p:txBody>
-      </p:sp>
-      <p:sp>
-        <p:nvSpPr>
-          <p:cNvPr id="27" name="TextBox 26">
-            <a:extLst>
-              <a:ext uri="{FF2B5EF4-FFF2-40B4-BE49-F238E27FC236}">
-                <a16:creationId xmlns:a16="http://schemas.microsoft.com/office/drawing/2014/main" id="{9156BC9A-C194-40C5-B9F7-0CC3B2CBB066}"/>
-              </a:ext>
-            </a:extLst>
-          </p:cNvPr>
-          <p:cNvSpPr txBox="1"/>
-          <p:nvPr/>
-        </p:nvSpPr>
-        <p:spPr>
-          <a:xfrm>
-            <a:off x="2331511" y="3055175"/>
-            <a:ext cx="2358338" cy="558166"/>
+            <a:off x="11841645" y="1239521"/>
+            <a:ext cx="877163" cy="369332"/>
           </a:xfrm>
           <a:prstGeom prst="rect">
             <a:avLst/>
           </a:prstGeom>
-          <a:noFill/>
-        </p:spPr>
-        <p:txBody>
-          <a:bodyPr wrap="none" rtlCol="0">
-            <a:spAutoFit/>
-          </a:bodyPr>
-          <a:lstStyle/>
-          <a:p>
-            <a:pPr>
-              <a:lnSpc>
-                <a:spcPct val="200000"/>
-              </a:lnSpc>
-            </a:pPr>
-            <a:r>
-              <a:rPr lang="ko-KR" altLang="en-US" dirty="0"/>
-              <a:t>예상 답안 주관식 답 </a:t>
-            </a:r>
-            <a:endParaRPr lang="en-US" altLang="ko-KR" dirty="0"/>
-          </a:p>
-        </p:txBody>
-      </p:sp>
-      <p:sp>
-        <p:nvSpPr>
-          <p:cNvPr id="23" name="TextBox 22">
-            <a:extLst>
-              <a:ext uri="{FF2B5EF4-FFF2-40B4-BE49-F238E27FC236}">
-                <a16:creationId xmlns:a16="http://schemas.microsoft.com/office/drawing/2014/main" id="{F305C8BB-16F2-4FA1-B5B8-0B54FA0A0AF3}"/>
-              </a:ext>
-            </a:extLst>
-          </p:cNvPr>
-          <p:cNvSpPr txBox="1"/>
-          <p:nvPr/>
-        </p:nvSpPr>
-        <p:spPr>
-          <a:xfrm>
-            <a:off x="7144342" y="1963944"/>
-            <a:ext cx="1107996" cy="369332"/>
-          </a:xfrm>
-          <a:prstGeom prst="rect">
-            <a:avLst/>
-          </a:prstGeom>
           <a:solidFill>
-            <a:schemeClr val="accent2">
-              <a:lumMod val="75000"/>
-            </a:schemeClr>
+            <a:srgbClr val="CFD5EA"/>
           </a:solidFill>
           <a:ln>
             <a:solidFill>
@@ -6012,321 +6486,17 @@
           <a:lstStyle/>
           <a:p>
             <a:r>
-              <a:rPr lang="ko-KR" altLang="en-US" dirty="0"/>
-              <a:t>문제삭제</a:t>
-            </a:r>
-          </a:p>
-        </p:txBody>
-      </p:sp>
-      <p:sp>
-        <p:nvSpPr>
-          <p:cNvPr id="25" name="TextBox 24">
-            <a:extLst>
-              <a:ext uri="{FF2B5EF4-FFF2-40B4-BE49-F238E27FC236}">
-                <a16:creationId xmlns:a16="http://schemas.microsoft.com/office/drawing/2014/main" id="{9D870765-30F2-4650-B381-C758F16C77D4}"/>
-              </a:ext>
-            </a:extLst>
-          </p:cNvPr>
-          <p:cNvSpPr txBox="1"/>
-          <p:nvPr/>
-        </p:nvSpPr>
-        <p:spPr>
-          <a:xfrm>
-            <a:off x="2718695" y="3771036"/>
-            <a:ext cx="2528256" cy="558166"/>
-          </a:xfrm>
-          <a:prstGeom prst="rect">
-            <a:avLst/>
-          </a:prstGeom>
-          <a:noFill/>
-        </p:spPr>
-        <p:txBody>
-          <a:bodyPr wrap="none" rtlCol="0">
-            <a:spAutoFit/>
-          </a:bodyPr>
-          <a:lstStyle/>
-          <a:p>
-            <a:pPr>
-              <a:lnSpc>
-                <a:spcPct val="200000"/>
-              </a:lnSpc>
-            </a:pPr>
-            <a:r>
-              <a:rPr lang="ko-KR" altLang="en-US" dirty="0" err="1"/>
-              <a:t>기존답</a:t>
-            </a:r>
-            <a:r>
-              <a:rPr lang="en-US" altLang="ko-KR" dirty="0"/>
-              <a:t>, </a:t>
-            </a:r>
-            <a:r>
-              <a:rPr lang="ko-KR" altLang="en-US" dirty="0" err="1"/>
-              <a:t>기존답</a:t>
-            </a:r>
-            <a:r>
-              <a:rPr lang="en-US" altLang="ko-KR" dirty="0"/>
-              <a:t>, </a:t>
-            </a:r>
-            <a:r>
-              <a:rPr lang="ko-KR" altLang="en-US" dirty="0" err="1"/>
-              <a:t>기존답</a:t>
-            </a:r>
-            <a:endParaRPr lang="en-US" altLang="ko-KR" dirty="0"/>
-          </a:p>
-        </p:txBody>
-      </p:sp>
-      <p:sp>
-        <p:nvSpPr>
-          <p:cNvPr id="28" name="TextBox 27">
-            <a:extLst>
-              <a:ext uri="{FF2B5EF4-FFF2-40B4-BE49-F238E27FC236}">
-                <a16:creationId xmlns:a16="http://schemas.microsoft.com/office/drawing/2014/main" id="{52304F30-0A51-458D-AE62-7A7524188CB6}"/>
-              </a:ext>
-            </a:extLst>
-          </p:cNvPr>
-          <p:cNvSpPr txBox="1"/>
-          <p:nvPr/>
-        </p:nvSpPr>
-        <p:spPr>
-          <a:xfrm>
-            <a:off x="2676136" y="4755574"/>
-            <a:ext cx="2960939" cy="369332"/>
-          </a:xfrm>
-          <a:prstGeom prst="rect">
-            <a:avLst/>
-          </a:prstGeom>
-          <a:noFill/>
-        </p:spPr>
-        <p:txBody>
-          <a:bodyPr wrap="none" rtlCol="0">
-            <a:spAutoFit/>
-          </a:bodyPr>
-          <a:lstStyle/>
-          <a:p>
-            <a:r>
-              <a:rPr lang="en-US" altLang="ko-KR" b="1" dirty="0"/>
-              <a:t>“,”</a:t>
-            </a:r>
-            <a:r>
-              <a:rPr lang="ko-KR" altLang="en-US" b="1" dirty="0"/>
-              <a:t>을 이용해서 </a:t>
-            </a:r>
-            <a:r>
-              <a:rPr lang="ko-KR" altLang="en-US" b="1" dirty="0" err="1"/>
-              <a:t>입력하시오</a:t>
-            </a:r>
-            <a:r>
-              <a:rPr lang="en-US" altLang="ko-KR" b="1" dirty="0"/>
-              <a:t>.</a:t>
-            </a:r>
-            <a:endParaRPr lang="ko-KR" altLang="en-US" b="1" dirty="0"/>
-          </a:p>
-        </p:txBody>
-      </p:sp>
-      <p:sp>
-        <p:nvSpPr>
-          <p:cNvPr id="29" name="이등변 삼각형 28">
-            <a:extLst>
-              <a:ext uri="{FF2B5EF4-FFF2-40B4-BE49-F238E27FC236}">
-                <a16:creationId xmlns:a16="http://schemas.microsoft.com/office/drawing/2014/main" id="{A07DECE0-5265-4A9D-8BD8-78012CF2A6A9}"/>
-              </a:ext>
-            </a:extLst>
-          </p:cNvPr>
-          <p:cNvSpPr/>
-          <p:nvPr/>
-        </p:nvSpPr>
-        <p:spPr>
-          <a:xfrm rot="10800000">
-            <a:off x="6377555" y="1045261"/>
-            <a:ext cx="185392" cy="142515"/>
-          </a:xfrm>
-          <a:prstGeom prst="triangle">
-            <a:avLst/>
-          </a:prstGeom>
-          <a:solidFill>
-            <a:schemeClr val="tx1"/>
-          </a:solidFill>
-          <a:ln>
-            <a:solidFill>
-              <a:schemeClr val="tx1"/>
-            </a:solidFill>
-          </a:ln>
-        </p:spPr>
-        <p:style>
-          <a:lnRef idx="2">
-            <a:schemeClr val="accent1">
-              <a:shade val="50000"/>
-            </a:schemeClr>
-          </a:lnRef>
-          <a:fillRef idx="1">
-            <a:schemeClr val="accent1"/>
-          </a:fillRef>
-          <a:effectRef idx="0">
-            <a:schemeClr val="accent1"/>
-          </a:effectRef>
-          <a:fontRef idx="minor">
-            <a:schemeClr val="lt1"/>
-          </a:fontRef>
-        </p:style>
-        <p:txBody>
-          <a:bodyPr rtlCol="0" anchor="ctr"/>
-          <a:lstStyle/>
-          <a:p>
-            <a:pPr algn="ctr"/>
-            <a:endParaRPr lang="ko-KR" altLang="en-US"/>
-          </a:p>
-        </p:txBody>
-      </p:sp>
-      <p:sp>
-        <p:nvSpPr>
-          <p:cNvPr id="30" name="이등변 삼각형 29">
-            <a:extLst>
-              <a:ext uri="{FF2B5EF4-FFF2-40B4-BE49-F238E27FC236}">
-                <a16:creationId xmlns:a16="http://schemas.microsoft.com/office/drawing/2014/main" id="{69F3918D-5119-494D-B684-23B7D4F34D1E}"/>
-              </a:ext>
-            </a:extLst>
-          </p:cNvPr>
-          <p:cNvSpPr/>
-          <p:nvPr/>
-        </p:nvSpPr>
-        <p:spPr>
-          <a:xfrm rot="10800000">
-            <a:off x="7236422" y="1045260"/>
-            <a:ext cx="185392" cy="142515"/>
-          </a:xfrm>
-          <a:prstGeom prst="triangle">
-            <a:avLst/>
-          </a:prstGeom>
-          <a:solidFill>
-            <a:schemeClr val="tx1"/>
-          </a:solidFill>
-          <a:ln>
-            <a:solidFill>
-              <a:schemeClr val="tx1"/>
-            </a:solidFill>
-          </a:ln>
-        </p:spPr>
-        <p:style>
-          <a:lnRef idx="2">
-            <a:schemeClr val="accent1">
-              <a:shade val="50000"/>
-            </a:schemeClr>
-          </a:lnRef>
-          <a:fillRef idx="1">
-            <a:schemeClr val="accent1"/>
-          </a:fillRef>
-          <a:effectRef idx="0">
-            <a:schemeClr val="accent1"/>
-          </a:effectRef>
-          <a:fontRef idx="minor">
-            <a:schemeClr val="lt1"/>
-          </a:fontRef>
-        </p:style>
-        <p:txBody>
-          <a:bodyPr rtlCol="0" anchor="ctr"/>
-          <a:lstStyle/>
-          <a:p>
-            <a:pPr algn="ctr"/>
-            <a:endParaRPr lang="ko-KR" altLang="en-US"/>
-          </a:p>
-        </p:txBody>
-      </p:sp>
-      <p:sp>
-        <p:nvSpPr>
-          <p:cNvPr id="31" name="이등변 삼각형 30">
-            <a:extLst>
-              <a:ext uri="{FF2B5EF4-FFF2-40B4-BE49-F238E27FC236}">
-                <a16:creationId xmlns:a16="http://schemas.microsoft.com/office/drawing/2014/main" id="{489A80C1-111E-4824-84BC-A1427779C933}"/>
-              </a:ext>
-            </a:extLst>
-          </p:cNvPr>
-          <p:cNvSpPr/>
-          <p:nvPr/>
-        </p:nvSpPr>
-        <p:spPr>
-          <a:xfrm rot="16200000">
-            <a:off x="8741194" y="5316159"/>
-            <a:ext cx="235664" cy="254494"/>
-          </a:xfrm>
-          <a:prstGeom prst="triangle">
-            <a:avLst/>
-          </a:prstGeom>
-        </p:spPr>
-        <p:style>
-          <a:lnRef idx="2">
-            <a:schemeClr val="accent1">
-              <a:shade val="50000"/>
-            </a:schemeClr>
-          </a:lnRef>
-          <a:fillRef idx="1">
-            <a:schemeClr val="accent1"/>
-          </a:fillRef>
-          <a:effectRef idx="0">
-            <a:schemeClr val="accent1"/>
-          </a:effectRef>
-          <a:fontRef idx="minor">
-            <a:schemeClr val="lt1"/>
-          </a:fontRef>
-        </p:style>
-        <p:txBody>
-          <a:bodyPr rtlCol="0" anchor="ctr"/>
-          <a:lstStyle/>
-          <a:p>
-            <a:pPr algn="ctr"/>
-            <a:endParaRPr lang="ko-KR" altLang="en-US"/>
-          </a:p>
-        </p:txBody>
-      </p:sp>
-      <p:sp>
-        <p:nvSpPr>
-          <p:cNvPr id="32" name="이등변 삼각형 31">
-            <a:extLst>
-              <a:ext uri="{FF2B5EF4-FFF2-40B4-BE49-F238E27FC236}">
-                <a16:creationId xmlns:a16="http://schemas.microsoft.com/office/drawing/2014/main" id="{B92AA389-76DF-4FA0-B43B-E3221A5E0D9E}"/>
-              </a:ext>
-            </a:extLst>
-          </p:cNvPr>
-          <p:cNvSpPr/>
-          <p:nvPr/>
-        </p:nvSpPr>
-        <p:spPr>
-          <a:xfrm rot="5400000">
-            <a:off x="9298946" y="5316159"/>
-            <a:ext cx="235664" cy="254494"/>
-          </a:xfrm>
-          <a:prstGeom prst="triangle">
-            <a:avLst/>
-          </a:prstGeom>
-        </p:spPr>
-        <p:style>
-          <a:lnRef idx="2">
-            <a:schemeClr val="accent1">
-              <a:shade val="50000"/>
-            </a:schemeClr>
-          </a:lnRef>
-          <a:fillRef idx="1">
-            <a:schemeClr val="accent1"/>
-          </a:fillRef>
-          <a:effectRef idx="0">
-            <a:schemeClr val="accent1"/>
-          </a:effectRef>
-          <a:fontRef idx="minor">
-            <a:schemeClr val="lt1"/>
-          </a:fontRef>
-        </p:style>
-        <p:txBody>
-          <a:bodyPr rtlCol="0" anchor="ctr"/>
-          <a:lstStyle/>
-          <a:p>
-            <a:pPr algn="ctr"/>
-            <a:endParaRPr lang="ko-KR" altLang="en-US"/>
+              <a:rPr lang="ko-KR" altLang="en-US"/>
+              <a:t>아니오</a:t>
+            </a:r>
+            <a:endParaRPr lang="ko-KR" altLang="en-US" dirty="0"/>
           </a:p>
         </p:txBody>
       </p:sp>
     </p:spTree>
     <p:extLst>
       <p:ext uri="{BB962C8B-B14F-4D97-AF65-F5344CB8AC3E}">
-        <p14:creationId xmlns:p14="http://schemas.microsoft.com/office/powerpoint/2010/main" val="1244240322"/>
+        <p14:creationId xmlns:p14="http://schemas.microsoft.com/office/powerpoint/2010/main" val="197699932"/>
       </p:ext>
     </p:extLst>
   </p:cSld>
@@ -6529,7 +6699,7 @@
           <a:p>
             <a:r>
               <a:rPr lang="ko-KR" altLang="en-US" dirty="0"/>
-              <a:t>서술형</a:t>
+              <a:t>주관식</a:t>
             </a:r>
           </a:p>
         </p:txBody>
@@ -6549,7 +6719,7 @@
           <p:nvPr>
             <p:extLst>
               <p:ext uri="{D42A27DB-BD31-4B8C-83A1-F6EECF244321}">
-                <p14:modId xmlns:p14="http://schemas.microsoft.com/office/powerpoint/2010/main" val="3442147086"/>
+                <p14:modId xmlns:p14="http://schemas.microsoft.com/office/powerpoint/2010/main" val="588090472"/>
               </p:ext>
             </p:extLst>
           </p:nvPr>
@@ -7008,6 +7178,1552 @@
                       </a:pPr>
                       <a:r>
                         <a:rPr lang="en-US" altLang="ko-KR" dirty="0"/>
+                        <a:t>+</a:t>
+                      </a:r>
+                      <a:endParaRPr lang="ko-KR" altLang="en-US" dirty="0"/>
+                    </a:p>
+                  </a:txBody>
+                  <a:tcPr/>
+                </a:tc>
+                <a:tc>
+                  <a:txBody>
+                    <a:bodyPr/>
+                    <a:lstStyle/>
+                    <a:p>
+                      <a:pPr algn="ctr" latinLnBrk="1"/>
+                      <a:endParaRPr lang="ko-KR" altLang="en-US" dirty="0"/>
+                    </a:p>
+                  </a:txBody>
+                  <a:tcPr/>
+                </a:tc>
+                <a:extLst>
+                  <a:ext uri="{0D108BD9-81ED-4DB2-BD59-A6C34878D82A}">
+                    <a16:rowId xmlns:a16="http://schemas.microsoft.com/office/drawing/2014/main" val="1979353222"/>
+                  </a:ext>
+                </a:extLst>
+              </a:tr>
+              <a:tr h="370840">
+                <a:tc>
+                  <a:txBody>
+                    <a:bodyPr/>
+                    <a:lstStyle/>
+                    <a:p>
+                      <a:pPr algn="ctr" latinLnBrk="1"/>
+                      <a:endParaRPr lang="ko-KR" altLang="en-US" dirty="0"/>
+                    </a:p>
+                  </a:txBody>
+                  <a:tcPr/>
+                </a:tc>
+                <a:tc>
+                  <a:txBody>
+                    <a:bodyPr/>
+                    <a:lstStyle/>
+                    <a:p>
+                      <a:pPr algn="ctr" latinLnBrk="1"/>
+                      <a:endParaRPr lang="ko-KR" altLang="en-US" dirty="0"/>
+                    </a:p>
+                  </a:txBody>
+                  <a:tcPr/>
+                </a:tc>
+                <a:extLst>
+                  <a:ext uri="{0D108BD9-81ED-4DB2-BD59-A6C34878D82A}">
+                    <a16:rowId xmlns:a16="http://schemas.microsoft.com/office/drawing/2014/main" val="964566636"/>
+                  </a:ext>
+                </a:extLst>
+              </a:tr>
+              <a:tr h="370840">
+                <a:tc>
+                  <a:txBody>
+                    <a:bodyPr/>
+                    <a:lstStyle/>
+                    <a:p>
+                      <a:pPr algn="ctr" latinLnBrk="1"/>
+                      <a:endParaRPr lang="ko-KR" altLang="en-US" dirty="0"/>
+                    </a:p>
+                  </a:txBody>
+                  <a:tcPr/>
+                </a:tc>
+                <a:tc>
+                  <a:txBody>
+                    <a:bodyPr/>
+                    <a:lstStyle/>
+                    <a:p>
+                      <a:pPr algn="ctr" latinLnBrk="1"/>
+                      <a:endParaRPr lang="ko-KR" altLang="en-US" dirty="0"/>
+                    </a:p>
+                  </a:txBody>
+                  <a:tcPr/>
+                </a:tc>
+                <a:extLst>
+                  <a:ext uri="{0D108BD9-81ED-4DB2-BD59-A6C34878D82A}">
+                    <a16:rowId xmlns:a16="http://schemas.microsoft.com/office/drawing/2014/main" val="312299393"/>
+                  </a:ext>
+                </a:extLst>
+              </a:tr>
+              <a:tr h="370840">
+                <a:tc>
+                  <a:txBody>
+                    <a:bodyPr/>
+                    <a:lstStyle/>
+                    <a:p>
+                      <a:pPr algn="ctr" latinLnBrk="1"/>
+                      <a:endParaRPr lang="ko-KR" altLang="en-US" dirty="0"/>
+                    </a:p>
+                  </a:txBody>
+                  <a:tcPr/>
+                </a:tc>
+                <a:tc>
+                  <a:txBody>
+                    <a:bodyPr/>
+                    <a:lstStyle/>
+                    <a:p>
+                      <a:pPr algn="ctr" latinLnBrk="1"/>
+                      <a:endParaRPr lang="ko-KR" altLang="en-US" dirty="0"/>
+                    </a:p>
+                  </a:txBody>
+                  <a:tcPr/>
+                </a:tc>
+                <a:extLst>
+                  <a:ext uri="{0D108BD9-81ED-4DB2-BD59-A6C34878D82A}">
+                    <a16:rowId xmlns:a16="http://schemas.microsoft.com/office/drawing/2014/main" val="435839789"/>
+                  </a:ext>
+                </a:extLst>
+              </a:tr>
+            </a:tbl>
+          </a:graphicData>
+        </a:graphic>
+      </p:graphicFrame>
+      <p:sp>
+        <p:nvSpPr>
+          <p:cNvPr id="18" name="이등변 삼각형 17">
+            <a:extLst>
+              <a:ext uri="{FF2B5EF4-FFF2-40B4-BE49-F238E27FC236}">
+                <a16:creationId xmlns:a16="http://schemas.microsoft.com/office/drawing/2014/main" id="{162AE67C-0C64-481B-A6F8-6A951EB4BA99}"/>
+              </a:ext>
+            </a:extLst>
+          </p:cNvPr>
+          <p:cNvSpPr/>
+          <p:nvPr/>
+        </p:nvSpPr>
+        <p:spPr>
+          <a:xfrm rot="16200000">
+            <a:off x="5514440" y="6225910"/>
+            <a:ext cx="235664" cy="254494"/>
+          </a:xfrm>
+          <a:prstGeom prst="triangle">
+            <a:avLst/>
+          </a:prstGeom>
+        </p:spPr>
+        <p:style>
+          <a:lnRef idx="2">
+            <a:schemeClr val="accent1">
+              <a:shade val="50000"/>
+            </a:schemeClr>
+          </a:lnRef>
+          <a:fillRef idx="1">
+            <a:schemeClr val="accent1"/>
+          </a:fillRef>
+          <a:effectRef idx="0">
+            <a:schemeClr val="accent1"/>
+          </a:effectRef>
+          <a:fontRef idx="minor">
+            <a:schemeClr val="lt1"/>
+          </a:fontRef>
+        </p:style>
+        <p:txBody>
+          <a:bodyPr rtlCol="0" anchor="ctr"/>
+          <a:lstStyle/>
+          <a:p>
+            <a:pPr algn="ctr"/>
+            <a:endParaRPr lang="ko-KR" altLang="en-US"/>
+          </a:p>
+        </p:txBody>
+      </p:sp>
+      <p:sp>
+        <p:nvSpPr>
+          <p:cNvPr id="19" name="이등변 삼각형 18">
+            <a:extLst>
+              <a:ext uri="{FF2B5EF4-FFF2-40B4-BE49-F238E27FC236}">
+                <a16:creationId xmlns:a16="http://schemas.microsoft.com/office/drawing/2014/main" id="{9AF0238B-BFDC-4410-BE30-C2643940A0FD}"/>
+              </a:ext>
+            </a:extLst>
+          </p:cNvPr>
+          <p:cNvSpPr/>
+          <p:nvPr/>
+        </p:nvSpPr>
+        <p:spPr>
+          <a:xfrm rot="5400000">
+            <a:off x="6072192" y="6225910"/>
+            <a:ext cx="235664" cy="254494"/>
+          </a:xfrm>
+          <a:prstGeom prst="triangle">
+            <a:avLst/>
+          </a:prstGeom>
+        </p:spPr>
+        <p:style>
+          <a:lnRef idx="2">
+            <a:schemeClr val="accent1">
+              <a:shade val="50000"/>
+            </a:schemeClr>
+          </a:lnRef>
+          <a:fillRef idx="1">
+            <a:schemeClr val="accent1"/>
+          </a:fillRef>
+          <a:effectRef idx="0">
+            <a:schemeClr val="accent1"/>
+          </a:effectRef>
+          <a:fontRef idx="minor">
+            <a:schemeClr val="lt1"/>
+          </a:fontRef>
+        </p:style>
+        <p:txBody>
+          <a:bodyPr rtlCol="0" anchor="ctr"/>
+          <a:lstStyle/>
+          <a:p>
+            <a:pPr algn="ctr"/>
+            <a:endParaRPr lang="ko-KR" altLang="en-US"/>
+          </a:p>
+        </p:txBody>
+      </p:sp>
+      <p:sp>
+        <p:nvSpPr>
+          <p:cNvPr id="20" name="TextBox 19">
+            <a:extLst>
+              <a:ext uri="{FF2B5EF4-FFF2-40B4-BE49-F238E27FC236}">
+                <a16:creationId xmlns:a16="http://schemas.microsoft.com/office/drawing/2014/main" id="{65EEDE74-DECD-4921-9D9C-6863D18A47E6}"/>
+              </a:ext>
+            </a:extLst>
+          </p:cNvPr>
+          <p:cNvSpPr txBox="1"/>
+          <p:nvPr/>
+        </p:nvSpPr>
+        <p:spPr>
+          <a:xfrm>
+            <a:off x="3647236" y="1982154"/>
+            <a:ext cx="877163" cy="369332"/>
+          </a:xfrm>
+          <a:prstGeom prst="rect">
+            <a:avLst/>
+          </a:prstGeom>
+          <a:solidFill>
+            <a:srgbClr val="CFD5EA"/>
+          </a:solidFill>
+          <a:ln>
+            <a:solidFill>
+              <a:schemeClr val="tx1"/>
+            </a:solidFill>
+          </a:ln>
+        </p:spPr>
+        <p:txBody>
+          <a:bodyPr wrap="none" rtlCol="0">
+            <a:spAutoFit/>
+          </a:bodyPr>
+          <a:lstStyle/>
+          <a:p>
+            <a:r>
+              <a:rPr lang="ko-KR" altLang="en-US" dirty="0"/>
+              <a:t>주관식</a:t>
+            </a:r>
+          </a:p>
+        </p:txBody>
+      </p:sp>
+      <p:sp>
+        <p:nvSpPr>
+          <p:cNvPr id="21" name="TextBox 20">
+            <a:extLst>
+              <a:ext uri="{FF2B5EF4-FFF2-40B4-BE49-F238E27FC236}">
+                <a16:creationId xmlns:a16="http://schemas.microsoft.com/office/drawing/2014/main" id="{2A53BF96-49DE-44CF-8797-2877BEEBE2D5}"/>
+              </a:ext>
+            </a:extLst>
+          </p:cNvPr>
+          <p:cNvSpPr txBox="1"/>
+          <p:nvPr/>
+        </p:nvSpPr>
+        <p:spPr>
+          <a:xfrm>
+            <a:off x="2718695" y="1992898"/>
+            <a:ext cx="877163" cy="369332"/>
+          </a:xfrm>
+          <a:prstGeom prst="rect">
+            <a:avLst/>
+          </a:prstGeom>
+          <a:noFill/>
+          <a:ln>
+            <a:solidFill>
+              <a:schemeClr val="tx1"/>
+            </a:solidFill>
+          </a:ln>
+        </p:spPr>
+        <p:txBody>
+          <a:bodyPr wrap="none" rtlCol="0">
+            <a:spAutoFit/>
+          </a:bodyPr>
+          <a:lstStyle/>
+          <a:p>
+            <a:r>
+              <a:rPr lang="ko-KR" altLang="en-US" dirty="0"/>
+              <a:t>객관식</a:t>
+            </a:r>
+          </a:p>
+        </p:txBody>
+      </p:sp>
+      <p:sp>
+        <p:nvSpPr>
+          <p:cNvPr id="22" name="TextBox 21">
+            <a:extLst>
+              <a:ext uri="{FF2B5EF4-FFF2-40B4-BE49-F238E27FC236}">
+                <a16:creationId xmlns:a16="http://schemas.microsoft.com/office/drawing/2014/main" id="{C9E2C1A6-8AAE-48AD-82D6-66C45B885FF1}"/>
+              </a:ext>
+            </a:extLst>
+          </p:cNvPr>
+          <p:cNvSpPr txBox="1"/>
+          <p:nvPr/>
+        </p:nvSpPr>
+        <p:spPr>
+          <a:xfrm>
+            <a:off x="4593843" y="1978578"/>
+            <a:ext cx="877163" cy="369332"/>
+          </a:xfrm>
+          <a:prstGeom prst="rect">
+            <a:avLst/>
+          </a:prstGeom>
+          <a:noFill/>
+          <a:ln>
+            <a:solidFill>
+              <a:schemeClr val="tx1"/>
+            </a:solidFill>
+          </a:ln>
+        </p:spPr>
+        <p:txBody>
+          <a:bodyPr wrap="none" rtlCol="0">
+            <a:spAutoFit/>
+          </a:bodyPr>
+          <a:lstStyle/>
+          <a:p>
+            <a:r>
+              <a:rPr lang="ko-KR" altLang="en-US" dirty="0"/>
+              <a:t>단답식</a:t>
+            </a:r>
+          </a:p>
+        </p:txBody>
+      </p:sp>
+      <p:sp>
+        <p:nvSpPr>
+          <p:cNvPr id="15" name="TextBox 14">
+            <a:extLst>
+              <a:ext uri="{FF2B5EF4-FFF2-40B4-BE49-F238E27FC236}">
+                <a16:creationId xmlns:a16="http://schemas.microsoft.com/office/drawing/2014/main" id="{20B78241-9B39-4EFF-A811-BF35B5B7C4CD}"/>
+              </a:ext>
+            </a:extLst>
+          </p:cNvPr>
+          <p:cNvSpPr txBox="1"/>
+          <p:nvPr/>
+        </p:nvSpPr>
+        <p:spPr>
+          <a:xfrm>
+            <a:off x="2439688" y="2419955"/>
+            <a:ext cx="4798045" cy="558166"/>
+          </a:xfrm>
+          <a:prstGeom prst="rect">
+            <a:avLst/>
+          </a:prstGeom>
+          <a:noFill/>
+        </p:spPr>
+        <p:txBody>
+          <a:bodyPr wrap="none" rtlCol="0">
+            <a:spAutoFit/>
+          </a:bodyPr>
+          <a:lstStyle/>
+          <a:p>
+            <a:pPr>
+              <a:lnSpc>
+                <a:spcPct val="200000"/>
+              </a:lnSpc>
+            </a:pPr>
+            <a:r>
+              <a:rPr lang="en-US" altLang="ko-KR" dirty="0"/>
+              <a:t>3. ________</a:t>
+            </a:r>
+            <a:r>
+              <a:rPr lang="ko-KR" altLang="en-US" dirty="0"/>
+              <a:t> 기존 문제 질문 </a:t>
+            </a:r>
+            <a:r>
+              <a:rPr lang="en-US" altLang="ko-KR" dirty="0"/>
+              <a:t>Text ______________</a:t>
+            </a:r>
+          </a:p>
+        </p:txBody>
+      </p:sp>
+      <p:sp>
+        <p:nvSpPr>
+          <p:cNvPr id="24" name="TextBox 23">
+            <a:extLst>
+              <a:ext uri="{FF2B5EF4-FFF2-40B4-BE49-F238E27FC236}">
+                <a16:creationId xmlns:a16="http://schemas.microsoft.com/office/drawing/2014/main" id="{DEC1336F-657C-44D8-9FAC-8CCB4F3D63F9}"/>
+              </a:ext>
+            </a:extLst>
+          </p:cNvPr>
+          <p:cNvSpPr txBox="1"/>
+          <p:nvPr/>
+        </p:nvSpPr>
+        <p:spPr>
+          <a:xfrm>
+            <a:off x="7192678" y="5443406"/>
+            <a:ext cx="1107996" cy="369332"/>
+          </a:xfrm>
+          <a:prstGeom prst="rect">
+            <a:avLst/>
+          </a:prstGeom>
+          <a:solidFill>
+            <a:srgbClr val="CFD5EA"/>
+          </a:solidFill>
+          <a:ln>
+            <a:solidFill>
+              <a:schemeClr val="tx1"/>
+            </a:solidFill>
+          </a:ln>
+        </p:spPr>
+        <p:txBody>
+          <a:bodyPr wrap="none" rtlCol="0">
+            <a:spAutoFit/>
+          </a:bodyPr>
+          <a:lstStyle/>
+          <a:p>
+            <a:r>
+              <a:rPr lang="ko-KR" altLang="en-US" dirty="0"/>
+              <a:t>문제수정</a:t>
+            </a:r>
+          </a:p>
+        </p:txBody>
+      </p:sp>
+      <p:sp>
+        <p:nvSpPr>
+          <p:cNvPr id="26" name="사각형: 둥근 모서리 25">
+            <a:extLst>
+              <a:ext uri="{FF2B5EF4-FFF2-40B4-BE49-F238E27FC236}">
+                <a16:creationId xmlns:a16="http://schemas.microsoft.com/office/drawing/2014/main" id="{3905010A-827A-4848-AA2D-9BF3ED5E4263}"/>
+              </a:ext>
+            </a:extLst>
+          </p:cNvPr>
+          <p:cNvSpPr/>
+          <p:nvPr/>
+        </p:nvSpPr>
+        <p:spPr>
+          <a:xfrm>
+            <a:off x="2620930" y="3760038"/>
+            <a:ext cx="4383908" cy="916083"/>
+          </a:xfrm>
+          <a:prstGeom prst="roundRect">
+            <a:avLst/>
+          </a:prstGeom>
+          <a:noFill/>
+          <a:ln>
+            <a:solidFill>
+              <a:schemeClr val="tx1"/>
+            </a:solidFill>
+          </a:ln>
+        </p:spPr>
+        <p:style>
+          <a:lnRef idx="2">
+            <a:schemeClr val="accent1">
+              <a:shade val="50000"/>
+            </a:schemeClr>
+          </a:lnRef>
+          <a:fillRef idx="1">
+            <a:schemeClr val="accent1"/>
+          </a:fillRef>
+          <a:effectRef idx="0">
+            <a:schemeClr val="accent1"/>
+          </a:effectRef>
+          <a:fontRef idx="minor">
+            <a:schemeClr val="lt1"/>
+          </a:fontRef>
+        </p:style>
+        <p:txBody>
+          <a:bodyPr rtlCol="0" anchor="ctr"/>
+          <a:lstStyle/>
+          <a:p>
+            <a:pPr algn="ctr"/>
+            <a:endParaRPr lang="ko-KR" altLang="en-US"/>
+          </a:p>
+        </p:txBody>
+      </p:sp>
+      <p:sp>
+        <p:nvSpPr>
+          <p:cNvPr id="27" name="TextBox 26">
+            <a:extLst>
+              <a:ext uri="{FF2B5EF4-FFF2-40B4-BE49-F238E27FC236}">
+                <a16:creationId xmlns:a16="http://schemas.microsoft.com/office/drawing/2014/main" id="{9156BC9A-C194-40C5-B9F7-0CC3B2CBB066}"/>
+              </a:ext>
+            </a:extLst>
+          </p:cNvPr>
+          <p:cNvSpPr txBox="1"/>
+          <p:nvPr/>
+        </p:nvSpPr>
+        <p:spPr>
+          <a:xfrm>
+            <a:off x="2331511" y="3055175"/>
+            <a:ext cx="2358338" cy="558166"/>
+          </a:xfrm>
+          <a:prstGeom prst="rect">
+            <a:avLst/>
+          </a:prstGeom>
+          <a:noFill/>
+        </p:spPr>
+        <p:txBody>
+          <a:bodyPr wrap="none" rtlCol="0">
+            <a:spAutoFit/>
+          </a:bodyPr>
+          <a:lstStyle/>
+          <a:p>
+            <a:pPr>
+              <a:lnSpc>
+                <a:spcPct val="200000"/>
+              </a:lnSpc>
+            </a:pPr>
+            <a:r>
+              <a:rPr lang="ko-KR" altLang="en-US" dirty="0"/>
+              <a:t>예상 답안 주관식 답 </a:t>
+            </a:r>
+            <a:endParaRPr lang="en-US" altLang="ko-KR" dirty="0"/>
+          </a:p>
+        </p:txBody>
+      </p:sp>
+      <p:sp>
+        <p:nvSpPr>
+          <p:cNvPr id="23" name="TextBox 22">
+            <a:extLst>
+              <a:ext uri="{FF2B5EF4-FFF2-40B4-BE49-F238E27FC236}">
+                <a16:creationId xmlns:a16="http://schemas.microsoft.com/office/drawing/2014/main" id="{F305C8BB-16F2-4FA1-B5B8-0B54FA0A0AF3}"/>
+              </a:ext>
+            </a:extLst>
+          </p:cNvPr>
+          <p:cNvSpPr txBox="1"/>
+          <p:nvPr/>
+        </p:nvSpPr>
+        <p:spPr>
+          <a:xfrm>
+            <a:off x="7144342" y="1963944"/>
+            <a:ext cx="1107996" cy="369332"/>
+          </a:xfrm>
+          <a:prstGeom prst="rect">
+            <a:avLst/>
+          </a:prstGeom>
+          <a:solidFill>
+            <a:schemeClr val="accent2">
+              <a:lumMod val="75000"/>
+            </a:schemeClr>
+          </a:solidFill>
+          <a:ln>
+            <a:solidFill>
+              <a:schemeClr val="tx1"/>
+            </a:solidFill>
+          </a:ln>
+        </p:spPr>
+        <p:txBody>
+          <a:bodyPr wrap="none" rtlCol="0">
+            <a:spAutoFit/>
+          </a:bodyPr>
+          <a:lstStyle/>
+          <a:p>
+            <a:r>
+              <a:rPr lang="ko-KR" altLang="en-US" dirty="0"/>
+              <a:t>문제삭제</a:t>
+            </a:r>
+          </a:p>
+        </p:txBody>
+      </p:sp>
+      <p:sp>
+        <p:nvSpPr>
+          <p:cNvPr id="25" name="TextBox 24">
+            <a:extLst>
+              <a:ext uri="{FF2B5EF4-FFF2-40B4-BE49-F238E27FC236}">
+                <a16:creationId xmlns:a16="http://schemas.microsoft.com/office/drawing/2014/main" id="{9D870765-30F2-4650-B381-C758F16C77D4}"/>
+              </a:ext>
+            </a:extLst>
+          </p:cNvPr>
+          <p:cNvSpPr txBox="1"/>
+          <p:nvPr/>
+        </p:nvSpPr>
+        <p:spPr>
+          <a:xfrm>
+            <a:off x="2718695" y="3771036"/>
+            <a:ext cx="2528256" cy="558166"/>
+          </a:xfrm>
+          <a:prstGeom prst="rect">
+            <a:avLst/>
+          </a:prstGeom>
+          <a:noFill/>
+        </p:spPr>
+        <p:txBody>
+          <a:bodyPr wrap="none" rtlCol="0">
+            <a:spAutoFit/>
+          </a:bodyPr>
+          <a:lstStyle/>
+          <a:p>
+            <a:pPr>
+              <a:lnSpc>
+                <a:spcPct val="200000"/>
+              </a:lnSpc>
+            </a:pPr>
+            <a:r>
+              <a:rPr lang="ko-KR" altLang="en-US" dirty="0" err="1"/>
+              <a:t>기존답</a:t>
+            </a:r>
+            <a:r>
+              <a:rPr lang="en-US" altLang="ko-KR" dirty="0"/>
+              <a:t>, </a:t>
+            </a:r>
+            <a:r>
+              <a:rPr lang="ko-KR" altLang="en-US" dirty="0" err="1"/>
+              <a:t>기존답</a:t>
+            </a:r>
+            <a:r>
+              <a:rPr lang="en-US" altLang="ko-KR" dirty="0"/>
+              <a:t>, </a:t>
+            </a:r>
+            <a:r>
+              <a:rPr lang="ko-KR" altLang="en-US" dirty="0" err="1"/>
+              <a:t>기존답</a:t>
+            </a:r>
+            <a:endParaRPr lang="en-US" altLang="ko-KR" dirty="0"/>
+          </a:p>
+        </p:txBody>
+      </p:sp>
+      <p:sp>
+        <p:nvSpPr>
+          <p:cNvPr id="28" name="TextBox 27">
+            <a:extLst>
+              <a:ext uri="{FF2B5EF4-FFF2-40B4-BE49-F238E27FC236}">
+                <a16:creationId xmlns:a16="http://schemas.microsoft.com/office/drawing/2014/main" id="{52304F30-0A51-458D-AE62-7A7524188CB6}"/>
+              </a:ext>
+            </a:extLst>
+          </p:cNvPr>
+          <p:cNvSpPr txBox="1"/>
+          <p:nvPr/>
+        </p:nvSpPr>
+        <p:spPr>
+          <a:xfrm>
+            <a:off x="2676136" y="4755574"/>
+            <a:ext cx="2960939" cy="369332"/>
+          </a:xfrm>
+          <a:prstGeom prst="rect">
+            <a:avLst/>
+          </a:prstGeom>
+          <a:noFill/>
+        </p:spPr>
+        <p:txBody>
+          <a:bodyPr wrap="none" rtlCol="0">
+            <a:spAutoFit/>
+          </a:bodyPr>
+          <a:lstStyle/>
+          <a:p>
+            <a:r>
+              <a:rPr lang="en-US" altLang="ko-KR" b="1" dirty="0"/>
+              <a:t>“,”</a:t>
+            </a:r>
+            <a:r>
+              <a:rPr lang="ko-KR" altLang="en-US" b="1" dirty="0"/>
+              <a:t>을 이용해서 </a:t>
+            </a:r>
+            <a:r>
+              <a:rPr lang="ko-KR" altLang="en-US" b="1" dirty="0" err="1"/>
+              <a:t>입력하시오</a:t>
+            </a:r>
+            <a:r>
+              <a:rPr lang="en-US" altLang="ko-KR" b="1" dirty="0"/>
+              <a:t>.</a:t>
+            </a:r>
+            <a:endParaRPr lang="ko-KR" altLang="en-US" b="1" dirty="0"/>
+          </a:p>
+        </p:txBody>
+      </p:sp>
+      <p:sp>
+        <p:nvSpPr>
+          <p:cNvPr id="29" name="이등변 삼각형 28">
+            <a:extLst>
+              <a:ext uri="{FF2B5EF4-FFF2-40B4-BE49-F238E27FC236}">
+                <a16:creationId xmlns:a16="http://schemas.microsoft.com/office/drawing/2014/main" id="{A07DECE0-5265-4A9D-8BD8-78012CF2A6A9}"/>
+              </a:ext>
+            </a:extLst>
+          </p:cNvPr>
+          <p:cNvSpPr/>
+          <p:nvPr/>
+        </p:nvSpPr>
+        <p:spPr>
+          <a:xfrm rot="10800000">
+            <a:off x="6377555" y="1045261"/>
+            <a:ext cx="185392" cy="142515"/>
+          </a:xfrm>
+          <a:prstGeom prst="triangle">
+            <a:avLst/>
+          </a:prstGeom>
+          <a:solidFill>
+            <a:schemeClr val="tx1"/>
+          </a:solidFill>
+          <a:ln>
+            <a:solidFill>
+              <a:schemeClr val="tx1"/>
+            </a:solidFill>
+          </a:ln>
+        </p:spPr>
+        <p:style>
+          <a:lnRef idx="2">
+            <a:schemeClr val="accent1">
+              <a:shade val="50000"/>
+            </a:schemeClr>
+          </a:lnRef>
+          <a:fillRef idx="1">
+            <a:schemeClr val="accent1"/>
+          </a:fillRef>
+          <a:effectRef idx="0">
+            <a:schemeClr val="accent1"/>
+          </a:effectRef>
+          <a:fontRef idx="minor">
+            <a:schemeClr val="lt1"/>
+          </a:fontRef>
+        </p:style>
+        <p:txBody>
+          <a:bodyPr rtlCol="0" anchor="ctr"/>
+          <a:lstStyle/>
+          <a:p>
+            <a:pPr algn="ctr"/>
+            <a:endParaRPr lang="ko-KR" altLang="en-US"/>
+          </a:p>
+        </p:txBody>
+      </p:sp>
+      <p:sp>
+        <p:nvSpPr>
+          <p:cNvPr id="30" name="이등변 삼각형 29">
+            <a:extLst>
+              <a:ext uri="{FF2B5EF4-FFF2-40B4-BE49-F238E27FC236}">
+                <a16:creationId xmlns:a16="http://schemas.microsoft.com/office/drawing/2014/main" id="{69F3918D-5119-494D-B684-23B7D4F34D1E}"/>
+              </a:ext>
+            </a:extLst>
+          </p:cNvPr>
+          <p:cNvSpPr/>
+          <p:nvPr/>
+        </p:nvSpPr>
+        <p:spPr>
+          <a:xfrm rot="10800000">
+            <a:off x="7236422" y="1045260"/>
+            <a:ext cx="185392" cy="142515"/>
+          </a:xfrm>
+          <a:prstGeom prst="triangle">
+            <a:avLst/>
+          </a:prstGeom>
+          <a:solidFill>
+            <a:schemeClr val="tx1"/>
+          </a:solidFill>
+          <a:ln>
+            <a:solidFill>
+              <a:schemeClr val="tx1"/>
+            </a:solidFill>
+          </a:ln>
+        </p:spPr>
+        <p:style>
+          <a:lnRef idx="2">
+            <a:schemeClr val="accent1">
+              <a:shade val="50000"/>
+            </a:schemeClr>
+          </a:lnRef>
+          <a:fillRef idx="1">
+            <a:schemeClr val="accent1"/>
+          </a:fillRef>
+          <a:effectRef idx="0">
+            <a:schemeClr val="accent1"/>
+          </a:effectRef>
+          <a:fontRef idx="minor">
+            <a:schemeClr val="lt1"/>
+          </a:fontRef>
+        </p:style>
+        <p:txBody>
+          <a:bodyPr rtlCol="0" anchor="ctr"/>
+          <a:lstStyle/>
+          <a:p>
+            <a:pPr algn="ctr"/>
+            <a:endParaRPr lang="ko-KR" altLang="en-US"/>
+          </a:p>
+        </p:txBody>
+      </p:sp>
+      <p:sp>
+        <p:nvSpPr>
+          <p:cNvPr id="31" name="이등변 삼각형 30">
+            <a:extLst>
+              <a:ext uri="{FF2B5EF4-FFF2-40B4-BE49-F238E27FC236}">
+                <a16:creationId xmlns:a16="http://schemas.microsoft.com/office/drawing/2014/main" id="{489A80C1-111E-4824-84BC-A1427779C933}"/>
+              </a:ext>
+            </a:extLst>
+          </p:cNvPr>
+          <p:cNvSpPr/>
+          <p:nvPr/>
+        </p:nvSpPr>
+        <p:spPr>
+          <a:xfrm rot="16200000">
+            <a:off x="8741194" y="5316159"/>
+            <a:ext cx="235664" cy="254494"/>
+          </a:xfrm>
+          <a:prstGeom prst="triangle">
+            <a:avLst/>
+          </a:prstGeom>
+        </p:spPr>
+        <p:style>
+          <a:lnRef idx="2">
+            <a:schemeClr val="accent1">
+              <a:shade val="50000"/>
+            </a:schemeClr>
+          </a:lnRef>
+          <a:fillRef idx="1">
+            <a:schemeClr val="accent1"/>
+          </a:fillRef>
+          <a:effectRef idx="0">
+            <a:schemeClr val="accent1"/>
+          </a:effectRef>
+          <a:fontRef idx="minor">
+            <a:schemeClr val="lt1"/>
+          </a:fontRef>
+        </p:style>
+        <p:txBody>
+          <a:bodyPr rtlCol="0" anchor="ctr"/>
+          <a:lstStyle/>
+          <a:p>
+            <a:pPr algn="ctr"/>
+            <a:endParaRPr lang="ko-KR" altLang="en-US"/>
+          </a:p>
+        </p:txBody>
+      </p:sp>
+      <p:sp>
+        <p:nvSpPr>
+          <p:cNvPr id="32" name="이등변 삼각형 31">
+            <a:extLst>
+              <a:ext uri="{FF2B5EF4-FFF2-40B4-BE49-F238E27FC236}">
+                <a16:creationId xmlns:a16="http://schemas.microsoft.com/office/drawing/2014/main" id="{B92AA389-76DF-4FA0-B43B-E3221A5E0D9E}"/>
+              </a:ext>
+            </a:extLst>
+          </p:cNvPr>
+          <p:cNvSpPr/>
+          <p:nvPr/>
+        </p:nvSpPr>
+        <p:spPr>
+          <a:xfrm rot="5400000">
+            <a:off x="9298946" y="5316159"/>
+            <a:ext cx="235664" cy="254494"/>
+          </a:xfrm>
+          <a:prstGeom prst="triangle">
+            <a:avLst/>
+          </a:prstGeom>
+        </p:spPr>
+        <p:style>
+          <a:lnRef idx="2">
+            <a:schemeClr val="accent1">
+              <a:shade val="50000"/>
+            </a:schemeClr>
+          </a:lnRef>
+          <a:fillRef idx="1">
+            <a:schemeClr val="accent1"/>
+          </a:fillRef>
+          <a:effectRef idx="0">
+            <a:schemeClr val="accent1"/>
+          </a:effectRef>
+          <a:fontRef idx="minor">
+            <a:schemeClr val="lt1"/>
+          </a:fontRef>
+        </p:style>
+        <p:txBody>
+          <a:bodyPr rtlCol="0" anchor="ctr"/>
+          <a:lstStyle/>
+          <a:p>
+            <a:pPr algn="ctr"/>
+            <a:endParaRPr lang="ko-KR" altLang="en-US"/>
+          </a:p>
+        </p:txBody>
+      </p:sp>
+    </p:spTree>
+    <p:extLst>
+      <p:ext uri="{BB962C8B-B14F-4D97-AF65-F5344CB8AC3E}">
+        <p14:creationId xmlns:p14="http://schemas.microsoft.com/office/powerpoint/2010/main" val="1244240322"/>
+      </p:ext>
+    </p:extLst>
+  </p:cSld>
+  <p:clrMapOvr>
+    <a:masterClrMapping/>
+  </p:clrMapOvr>
+</p:sld>
+</file>
+
+<file path=ppt/slides/slide12.xml><?xml version="1.0" encoding="utf-8"?>
+<p:sld xmlns:a="http://schemas.openxmlformats.org/drawingml/2006/main" xmlns:r="http://schemas.openxmlformats.org/officeDocument/2006/relationships" xmlns:p="http://schemas.openxmlformats.org/presentationml/2006/main">
+  <p:cSld>
+    <p:spTree>
+      <p:nvGrpSpPr>
+        <p:cNvPr id="1" name=""/>
+        <p:cNvGrpSpPr/>
+        <p:nvPr/>
+      </p:nvGrpSpPr>
+      <p:grpSpPr>
+        <a:xfrm>
+          <a:off x="0" y="0"/>
+          <a:ext cx="0" cy="0"/>
+          <a:chOff x="0" y="0"/>
+          <a:chExt cx="0" cy="0"/>
+        </a:xfrm>
+      </p:grpSpPr>
+      <p:sp>
+        <p:nvSpPr>
+          <p:cNvPr id="4" name="직사각형 3">
+            <a:extLst>
+              <a:ext uri="{FF2B5EF4-FFF2-40B4-BE49-F238E27FC236}">
+                <a16:creationId xmlns:a16="http://schemas.microsoft.com/office/drawing/2014/main" id="{15AE72C7-26FD-47D1-BDD4-C79D9AD81A37}"/>
+              </a:ext>
+            </a:extLst>
+          </p:cNvPr>
+          <p:cNvSpPr/>
+          <p:nvPr/>
+        </p:nvSpPr>
+        <p:spPr>
+          <a:xfrm>
+            <a:off x="329938" y="221531"/>
+            <a:ext cx="11538408" cy="6414940"/>
+          </a:xfrm>
+          <a:prstGeom prst="rect">
+            <a:avLst/>
+          </a:prstGeom>
+          <a:noFill/>
+          <a:ln>
+            <a:solidFill>
+              <a:schemeClr val="tx1"/>
+            </a:solidFill>
+          </a:ln>
+        </p:spPr>
+        <p:style>
+          <a:lnRef idx="2">
+            <a:schemeClr val="accent1">
+              <a:shade val="50000"/>
+            </a:schemeClr>
+          </a:lnRef>
+          <a:fillRef idx="1">
+            <a:schemeClr val="accent1"/>
+          </a:fillRef>
+          <a:effectRef idx="0">
+            <a:schemeClr val="accent1"/>
+          </a:effectRef>
+          <a:fontRef idx="minor">
+            <a:schemeClr val="lt1"/>
+          </a:fontRef>
+        </p:style>
+        <p:txBody>
+          <a:bodyPr rtlCol="0" anchor="ctr"/>
+          <a:lstStyle/>
+          <a:p>
+            <a:pPr algn="ctr"/>
+            <a:endParaRPr lang="ko-KR" altLang="en-US"/>
+          </a:p>
+        </p:txBody>
+      </p:sp>
+      <p:cxnSp>
+        <p:nvCxnSpPr>
+          <p:cNvPr id="6" name="직선 연결선 5">
+            <a:extLst>
+              <a:ext uri="{FF2B5EF4-FFF2-40B4-BE49-F238E27FC236}">
+                <a16:creationId xmlns:a16="http://schemas.microsoft.com/office/drawing/2014/main" id="{D8537857-92A4-4B3E-8F74-A7A7EAAD22EE}"/>
+              </a:ext>
+            </a:extLst>
+          </p:cNvPr>
+          <p:cNvCxnSpPr/>
+          <p:nvPr/>
+        </p:nvCxnSpPr>
+        <p:spPr>
+          <a:xfrm>
+            <a:off x="2187019" y="221531"/>
+            <a:ext cx="0" cy="6414940"/>
+          </a:xfrm>
+          <a:prstGeom prst="line">
+            <a:avLst/>
+          </a:prstGeom>
+          <a:ln>
+            <a:solidFill>
+              <a:schemeClr val="tx1"/>
+            </a:solidFill>
+          </a:ln>
+        </p:spPr>
+        <p:style>
+          <a:lnRef idx="1">
+            <a:schemeClr val="accent1"/>
+          </a:lnRef>
+          <a:fillRef idx="0">
+            <a:schemeClr val="accent1"/>
+          </a:fillRef>
+          <a:effectRef idx="0">
+            <a:schemeClr val="accent1"/>
+          </a:effectRef>
+          <a:fontRef idx="minor">
+            <a:schemeClr val="tx1"/>
+          </a:fontRef>
+        </p:style>
+      </p:cxnSp>
+      <p:cxnSp>
+        <p:nvCxnSpPr>
+          <p:cNvPr id="7" name="직선 연결선 6">
+            <a:extLst>
+              <a:ext uri="{FF2B5EF4-FFF2-40B4-BE49-F238E27FC236}">
+                <a16:creationId xmlns:a16="http://schemas.microsoft.com/office/drawing/2014/main" id="{9665810C-7E60-4C4F-B8EA-A993FB5D9F9F}"/>
+              </a:ext>
+            </a:extLst>
+          </p:cNvPr>
+          <p:cNvCxnSpPr/>
+          <p:nvPr/>
+        </p:nvCxnSpPr>
+        <p:spPr>
+          <a:xfrm>
+            <a:off x="9975130" y="220747"/>
+            <a:ext cx="0" cy="6414940"/>
+          </a:xfrm>
+          <a:prstGeom prst="line">
+            <a:avLst/>
+          </a:prstGeom>
+          <a:ln>
+            <a:solidFill>
+              <a:schemeClr val="tx1"/>
+            </a:solidFill>
+          </a:ln>
+        </p:spPr>
+        <p:style>
+          <a:lnRef idx="1">
+            <a:schemeClr val="accent1"/>
+          </a:lnRef>
+          <a:fillRef idx="0">
+            <a:schemeClr val="accent1"/>
+          </a:fillRef>
+          <a:effectRef idx="0">
+            <a:schemeClr val="accent1"/>
+          </a:effectRef>
+          <a:fontRef idx="minor">
+            <a:schemeClr val="tx1"/>
+          </a:fontRef>
+        </p:style>
+      </p:cxnSp>
+      <p:sp>
+        <p:nvSpPr>
+          <p:cNvPr id="5" name="TextBox 4">
+            <a:extLst>
+              <a:ext uri="{FF2B5EF4-FFF2-40B4-BE49-F238E27FC236}">
+                <a16:creationId xmlns:a16="http://schemas.microsoft.com/office/drawing/2014/main" id="{2873E54C-0FEF-41BB-97DC-0D6297678719}"/>
+              </a:ext>
+            </a:extLst>
+          </p:cNvPr>
+          <p:cNvSpPr txBox="1"/>
+          <p:nvPr/>
+        </p:nvSpPr>
+        <p:spPr>
+          <a:xfrm>
+            <a:off x="401729" y="389178"/>
+            <a:ext cx="1664474" cy="646331"/>
+          </a:xfrm>
+          <a:prstGeom prst="rect">
+            <a:avLst/>
+          </a:prstGeom>
+          <a:solidFill>
+            <a:schemeClr val="accent5">
+              <a:lumMod val="20000"/>
+              <a:lumOff val="80000"/>
+            </a:schemeClr>
+          </a:solidFill>
+        </p:spPr>
+        <p:txBody>
+          <a:bodyPr wrap="square" rtlCol="0">
+            <a:spAutoFit/>
+          </a:bodyPr>
+          <a:lstStyle/>
+          <a:p>
+            <a:r>
+              <a:rPr lang="ko-KR" altLang="en-US" dirty="0"/>
+              <a:t>문제수정</a:t>
+            </a:r>
+            <a:endParaRPr lang="en-US" altLang="ko-KR" dirty="0"/>
+          </a:p>
+          <a:p>
+            <a:r>
+              <a:rPr lang="ko-KR" altLang="en-US" dirty="0"/>
+              <a:t>서술형</a:t>
+            </a:r>
+          </a:p>
+        </p:txBody>
+      </p:sp>
+      <p:graphicFrame>
+        <p:nvGraphicFramePr>
+          <p:cNvPr id="8" name="표 8">
+            <a:extLst>
+              <a:ext uri="{FF2B5EF4-FFF2-40B4-BE49-F238E27FC236}">
+                <a16:creationId xmlns:a16="http://schemas.microsoft.com/office/drawing/2014/main" id="{A289A37D-B1D8-459F-A0E7-73CDC6BB3D5F}"/>
+              </a:ext>
+            </a:extLst>
+          </p:cNvPr>
+          <p:cNvGraphicFramePr>
+            <a:graphicFrameLocks noGrp="1"/>
+          </p:cNvGraphicFramePr>
+          <p:nvPr>
+            <p:extLst>
+              <p:ext uri="{D42A27DB-BD31-4B8C-83A1-F6EECF244321}">
+                <p14:modId xmlns:p14="http://schemas.microsoft.com/office/powerpoint/2010/main" val="3442147086"/>
+              </p:ext>
+            </p:extLst>
+          </p:nvPr>
+        </p:nvGraphicFramePr>
+        <p:xfrm>
+          <a:off x="3676778" y="573844"/>
+          <a:ext cx="4741676" cy="1112520"/>
+        </p:xfrm>
+        <a:graphic>
+          <a:graphicData uri="http://schemas.openxmlformats.org/drawingml/2006/table">
+            <a:tbl>
+              <a:tblPr firstRow="1" bandRow="1">
+                <a:tableStyleId>{5940675A-B579-460E-94D1-54222C63F5DA}</a:tableStyleId>
+              </a:tblPr>
+              <a:tblGrid>
+                <a:gridCol w="1790768">
+                  <a:extLst>
+                    <a:ext uri="{9D8B030D-6E8A-4147-A177-3AD203B41FA5}">
+                      <a16:colId xmlns:a16="http://schemas.microsoft.com/office/drawing/2014/main" val="4106161552"/>
+                    </a:ext>
+                  </a:extLst>
+                </a:gridCol>
+                <a:gridCol w="2950908">
+                  <a:extLst>
+                    <a:ext uri="{9D8B030D-6E8A-4147-A177-3AD203B41FA5}">
+                      <a16:colId xmlns:a16="http://schemas.microsoft.com/office/drawing/2014/main" val="1080425974"/>
+                    </a:ext>
+                  </a:extLst>
+                </a:gridCol>
+              </a:tblGrid>
+              <a:tr h="370840">
+                <a:tc>
+                  <a:txBody>
+                    <a:bodyPr/>
+                    <a:lstStyle/>
+                    <a:p>
+                      <a:pPr latinLnBrk="1"/>
+                      <a:r>
+                        <a:rPr lang="ko-KR" altLang="en-US" dirty="0"/>
+                        <a:t>문제 제목</a:t>
+                      </a:r>
+                    </a:p>
+                  </a:txBody>
+                  <a:tcPr/>
+                </a:tc>
+                <a:tc>
+                  <a:txBody>
+                    <a:bodyPr/>
+                    <a:lstStyle/>
+                    <a:p>
+                      <a:pPr latinLnBrk="1"/>
+                      <a:endParaRPr lang="ko-KR" altLang="en-US"/>
+                    </a:p>
+                  </a:txBody>
+                  <a:tcPr/>
+                </a:tc>
+                <a:extLst>
+                  <a:ext uri="{0D108BD9-81ED-4DB2-BD59-A6C34878D82A}">
+                    <a16:rowId xmlns:a16="http://schemas.microsoft.com/office/drawing/2014/main" val="3062416125"/>
+                  </a:ext>
+                </a:extLst>
+              </a:tr>
+              <a:tr h="370840">
+                <a:tc>
+                  <a:txBody>
+                    <a:bodyPr/>
+                    <a:lstStyle/>
+                    <a:p>
+                      <a:pPr latinLnBrk="1"/>
+                      <a:r>
+                        <a:rPr lang="ko-KR" altLang="en-US" dirty="0"/>
+                        <a:t>문제 카테고리</a:t>
+                      </a:r>
+                    </a:p>
+                  </a:txBody>
+                  <a:tcPr/>
+                </a:tc>
+                <a:tc>
+                  <a:txBody>
+                    <a:bodyPr/>
+                    <a:lstStyle/>
+                    <a:p>
+                      <a:pPr marL="0" marR="0" lvl="0" indent="0" algn="l" defTabSz="914400" rtl="0" eaLnBrk="1" fontAlgn="auto" latinLnBrk="1" hangingPunct="1">
+                        <a:lnSpc>
+                          <a:spcPct val="100000"/>
+                        </a:lnSpc>
+                        <a:spcBef>
+                          <a:spcPts val="0"/>
+                        </a:spcBef>
+                        <a:spcAft>
+                          <a:spcPts val="0"/>
+                        </a:spcAft>
+                        <a:buClrTx/>
+                        <a:buSzTx/>
+                        <a:buFontTx/>
+                        <a:buNone/>
+                        <a:tabLst/>
+                        <a:defRPr/>
+                      </a:pPr>
+                      <a:r>
+                        <a:rPr kumimoji="0" lang="ko-KR" altLang="en-US" sz="1600" b="0" i="0" u="none" strike="noStrike" kern="1200" cap="none" spc="0" normalizeH="0" baseline="0" noProof="0" dirty="0">
+                          <a:ln>
+                            <a:noFill/>
+                          </a:ln>
+                          <a:solidFill>
+                            <a:prstClr val="black"/>
+                          </a:solidFill>
+                          <a:effectLst/>
+                          <a:uLnTx/>
+                          <a:uFillTx/>
+                          <a:latin typeface="+mn-lt"/>
+                          <a:ea typeface="+mn-ea"/>
+                          <a:cs typeface="+mn-cs"/>
+                        </a:rPr>
+                        <a:t>대분류      중분류    소분류</a:t>
+                      </a:r>
+                    </a:p>
+                  </a:txBody>
+                  <a:tcPr/>
+                </a:tc>
+                <a:extLst>
+                  <a:ext uri="{0D108BD9-81ED-4DB2-BD59-A6C34878D82A}">
+                    <a16:rowId xmlns:a16="http://schemas.microsoft.com/office/drawing/2014/main" val="3483470597"/>
+                  </a:ext>
+                </a:extLst>
+              </a:tr>
+              <a:tr h="370840">
+                <a:tc>
+                  <a:txBody>
+                    <a:bodyPr/>
+                    <a:lstStyle/>
+                    <a:p>
+                      <a:pPr latinLnBrk="1"/>
+                      <a:r>
+                        <a:rPr lang="ko-KR" altLang="en-US" dirty="0"/>
+                        <a:t>문제 작성자</a:t>
+                      </a:r>
+                    </a:p>
+                  </a:txBody>
+                  <a:tcPr/>
+                </a:tc>
+                <a:tc>
+                  <a:txBody>
+                    <a:bodyPr/>
+                    <a:lstStyle/>
+                    <a:p>
+                      <a:pPr latinLnBrk="1"/>
+                      <a:r>
+                        <a:rPr lang="ko-KR" altLang="en-US" dirty="0" err="1">
+                          <a:solidFill>
+                            <a:schemeClr val="bg1">
+                              <a:lumMod val="75000"/>
+                            </a:schemeClr>
+                          </a:solidFill>
+                        </a:rPr>
+                        <a:t>박싸피</a:t>
+                      </a:r>
+                      <a:r>
+                        <a:rPr lang="en-US" altLang="ko-KR" dirty="0">
+                          <a:solidFill>
+                            <a:schemeClr val="bg1">
+                              <a:lumMod val="75000"/>
+                            </a:schemeClr>
+                          </a:solidFill>
+                        </a:rPr>
+                        <a:t>(</a:t>
+                      </a:r>
+                      <a:r>
+                        <a:rPr lang="en-US" altLang="ko-KR" dirty="0" err="1">
+                          <a:solidFill>
+                            <a:schemeClr val="bg1">
+                              <a:lumMod val="75000"/>
+                            </a:schemeClr>
+                          </a:solidFill>
+                        </a:rPr>
+                        <a:t>ReadOnly</a:t>
+                      </a:r>
+                      <a:r>
+                        <a:rPr lang="en-US" altLang="ko-KR" dirty="0">
+                          <a:solidFill>
+                            <a:schemeClr val="bg1">
+                              <a:lumMod val="75000"/>
+                            </a:schemeClr>
+                          </a:solidFill>
+                        </a:rPr>
+                        <a:t>)</a:t>
+                      </a:r>
+                      <a:endParaRPr lang="ko-KR" altLang="en-US" dirty="0">
+                        <a:solidFill>
+                          <a:schemeClr val="bg1">
+                            <a:lumMod val="75000"/>
+                          </a:schemeClr>
+                        </a:solidFill>
+                      </a:endParaRPr>
+                    </a:p>
+                  </a:txBody>
+                  <a:tcPr/>
+                </a:tc>
+                <a:extLst>
+                  <a:ext uri="{0D108BD9-81ED-4DB2-BD59-A6C34878D82A}">
+                    <a16:rowId xmlns:a16="http://schemas.microsoft.com/office/drawing/2014/main" val="2461249551"/>
+                  </a:ext>
+                </a:extLst>
+              </a:tr>
+            </a:tbl>
+          </a:graphicData>
+        </a:graphic>
+      </p:graphicFrame>
+      <p:sp>
+        <p:nvSpPr>
+          <p:cNvPr id="10" name="이등변 삼각형 9">
+            <a:extLst>
+              <a:ext uri="{FF2B5EF4-FFF2-40B4-BE49-F238E27FC236}">
+                <a16:creationId xmlns:a16="http://schemas.microsoft.com/office/drawing/2014/main" id="{37114401-34E5-434F-9D07-0DFA1A33A139}"/>
+              </a:ext>
+            </a:extLst>
+          </p:cNvPr>
+          <p:cNvSpPr/>
+          <p:nvPr/>
+        </p:nvSpPr>
+        <p:spPr>
+          <a:xfrm rot="10800000">
+            <a:off x="8119623" y="1045262"/>
+            <a:ext cx="185392" cy="142515"/>
+          </a:xfrm>
+          <a:prstGeom prst="triangle">
+            <a:avLst/>
+          </a:prstGeom>
+          <a:solidFill>
+            <a:schemeClr val="tx1"/>
+          </a:solidFill>
+          <a:ln>
+            <a:solidFill>
+              <a:schemeClr val="tx1"/>
+            </a:solidFill>
+          </a:ln>
+        </p:spPr>
+        <p:style>
+          <a:lnRef idx="2">
+            <a:schemeClr val="accent1">
+              <a:shade val="50000"/>
+            </a:schemeClr>
+          </a:lnRef>
+          <a:fillRef idx="1">
+            <a:schemeClr val="accent1"/>
+          </a:fillRef>
+          <a:effectRef idx="0">
+            <a:schemeClr val="accent1"/>
+          </a:effectRef>
+          <a:fontRef idx="minor">
+            <a:schemeClr val="lt1"/>
+          </a:fontRef>
+        </p:style>
+        <p:txBody>
+          <a:bodyPr rtlCol="0" anchor="ctr"/>
+          <a:lstStyle/>
+          <a:p>
+            <a:pPr algn="ctr"/>
+            <a:endParaRPr lang="ko-KR" altLang="en-US"/>
+          </a:p>
+        </p:txBody>
+      </p:sp>
+      <p:graphicFrame>
+        <p:nvGraphicFramePr>
+          <p:cNvPr id="17" name="표 13">
+            <a:extLst>
+              <a:ext uri="{FF2B5EF4-FFF2-40B4-BE49-F238E27FC236}">
+                <a16:creationId xmlns:a16="http://schemas.microsoft.com/office/drawing/2014/main" id="{4E05CA2A-1560-45A5-A75B-E5725D4CD281}"/>
+              </a:ext>
+            </a:extLst>
+          </p:cNvPr>
+          <p:cNvGraphicFramePr>
+            <a:graphicFrameLocks noGrp="1"/>
+          </p:cNvGraphicFramePr>
+          <p:nvPr/>
+        </p:nvGraphicFramePr>
+        <p:xfrm>
+          <a:off x="8418454" y="2269132"/>
+          <a:ext cx="1333858" cy="2966720"/>
+        </p:xfrm>
+        <a:graphic>
+          <a:graphicData uri="http://schemas.openxmlformats.org/drawingml/2006/table">
+            <a:tbl>
+              <a:tblPr firstRow="1" bandRow="1">
+                <a:tableStyleId>{5C22544A-7EE6-4342-B048-85BDC9FD1C3A}</a:tableStyleId>
+              </a:tblPr>
+              <a:tblGrid>
+                <a:gridCol w="666929">
+                  <a:extLst>
+                    <a:ext uri="{9D8B030D-6E8A-4147-A177-3AD203B41FA5}">
+                      <a16:colId xmlns:a16="http://schemas.microsoft.com/office/drawing/2014/main" val="3650683110"/>
+                    </a:ext>
+                  </a:extLst>
+                </a:gridCol>
+                <a:gridCol w="666929">
+                  <a:extLst>
+                    <a:ext uri="{9D8B030D-6E8A-4147-A177-3AD203B41FA5}">
+                      <a16:colId xmlns:a16="http://schemas.microsoft.com/office/drawing/2014/main" val="2644936658"/>
+                    </a:ext>
+                  </a:extLst>
+                </a:gridCol>
+              </a:tblGrid>
+              <a:tr h="370840">
+                <a:tc gridSpan="2">
+                  <a:txBody>
+                    <a:bodyPr/>
+                    <a:lstStyle/>
+                    <a:p>
+                      <a:pPr algn="ctr" latinLnBrk="1"/>
+                      <a:r>
+                        <a:rPr lang="ko-KR" altLang="en-US" dirty="0"/>
+                        <a:t>문제</a:t>
+                      </a:r>
+                    </a:p>
+                  </a:txBody>
+                  <a:tcPr/>
+                </a:tc>
+                <a:tc hMerge="1">
+                  <a:txBody>
+                    <a:bodyPr/>
+                    <a:lstStyle/>
+                    <a:p>
+                      <a:pPr latinLnBrk="1"/>
+                      <a:endParaRPr lang="ko-KR" altLang="en-US" dirty="0"/>
+                    </a:p>
+                  </a:txBody>
+                  <a:tcPr/>
+                </a:tc>
+                <a:extLst>
+                  <a:ext uri="{0D108BD9-81ED-4DB2-BD59-A6C34878D82A}">
+                    <a16:rowId xmlns:a16="http://schemas.microsoft.com/office/drawing/2014/main" val="2897868973"/>
+                  </a:ext>
+                </a:extLst>
+              </a:tr>
+              <a:tr h="370840">
+                <a:tc>
+                  <a:txBody>
+                    <a:bodyPr/>
+                    <a:lstStyle/>
+                    <a:p>
+                      <a:pPr algn="ctr" latinLnBrk="1"/>
+                      <a:r>
+                        <a:rPr lang="en-US" altLang="ko-KR" dirty="0"/>
+                        <a:t>1</a:t>
+                      </a:r>
+                      <a:endParaRPr lang="ko-KR" altLang="en-US" dirty="0"/>
+                    </a:p>
+                  </a:txBody>
+                  <a:tcPr/>
+                </a:tc>
+                <a:tc>
+                  <a:txBody>
+                    <a:bodyPr/>
+                    <a:lstStyle/>
+                    <a:p>
+                      <a:pPr algn="ctr" latinLnBrk="1"/>
+                      <a:endParaRPr lang="ko-KR" altLang="en-US" dirty="0"/>
+                    </a:p>
+                  </a:txBody>
+                  <a:tcPr/>
+                </a:tc>
+                <a:extLst>
+                  <a:ext uri="{0D108BD9-81ED-4DB2-BD59-A6C34878D82A}">
+                    <a16:rowId xmlns:a16="http://schemas.microsoft.com/office/drawing/2014/main" val="670033681"/>
+                  </a:ext>
+                </a:extLst>
+              </a:tr>
+              <a:tr h="370840">
+                <a:tc>
+                  <a:txBody>
+                    <a:bodyPr/>
+                    <a:lstStyle/>
+                    <a:p>
+                      <a:pPr algn="ctr" latinLnBrk="1"/>
+                      <a:r>
+                        <a:rPr lang="en-US" altLang="ko-KR" dirty="0"/>
+                        <a:t>2</a:t>
+                      </a:r>
+                      <a:endParaRPr lang="ko-KR" altLang="en-US" dirty="0"/>
+                    </a:p>
+                  </a:txBody>
+                  <a:tcPr/>
+                </a:tc>
+                <a:tc>
+                  <a:txBody>
+                    <a:bodyPr/>
+                    <a:lstStyle/>
+                    <a:p>
+                      <a:pPr algn="ctr" latinLnBrk="1"/>
+                      <a:endParaRPr lang="ko-KR" altLang="en-US" dirty="0"/>
+                    </a:p>
+                  </a:txBody>
+                  <a:tcPr/>
+                </a:tc>
+                <a:extLst>
+                  <a:ext uri="{0D108BD9-81ED-4DB2-BD59-A6C34878D82A}">
+                    <a16:rowId xmlns:a16="http://schemas.microsoft.com/office/drawing/2014/main" val="1607936203"/>
+                  </a:ext>
+                </a:extLst>
+              </a:tr>
+              <a:tr h="370840">
+                <a:tc>
+                  <a:txBody>
+                    <a:bodyPr/>
+                    <a:lstStyle/>
+                    <a:p>
+                      <a:pPr algn="ctr" latinLnBrk="1"/>
+                      <a:r>
+                        <a:rPr lang="en-US" altLang="ko-KR" dirty="0"/>
+                        <a:t>3</a:t>
+                      </a:r>
+                      <a:endParaRPr lang="ko-KR" altLang="en-US" dirty="0"/>
+                    </a:p>
+                  </a:txBody>
+                  <a:tcPr/>
+                </a:tc>
+                <a:tc>
+                  <a:txBody>
+                    <a:bodyPr/>
+                    <a:lstStyle/>
+                    <a:p>
+                      <a:pPr algn="ctr" latinLnBrk="1"/>
+                      <a:endParaRPr lang="ko-KR" altLang="en-US" dirty="0"/>
+                    </a:p>
+                  </a:txBody>
+                  <a:tcPr/>
+                </a:tc>
+                <a:extLst>
+                  <a:ext uri="{0D108BD9-81ED-4DB2-BD59-A6C34878D82A}">
+                    <a16:rowId xmlns:a16="http://schemas.microsoft.com/office/drawing/2014/main" val="2200904659"/>
+                  </a:ext>
+                </a:extLst>
+              </a:tr>
+              <a:tr h="370840">
+                <a:tc>
+                  <a:txBody>
+                    <a:bodyPr/>
+                    <a:lstStyle/>
+                    <a:p>
+                      <a:pPr marL="0" marR="0" lvl="0" indent="0" algn="ctr" defTabSz="914400" rtl="0" eaLnBrk="1" fontAlgn="auto" latinLnBrk="1" hangingPunct="1">
+                        <a:lnSpc>
+                          <a:spcPct val="100000"/>
+                        </a:lnSpc>
+                        <a:spcBef>
+                          <a:spcPts val="0"/>
+                        </a:spcBef>
+                        <a:spcAft>
+                          <a:spcPts val="0"/>
+                        </a:spcAft>
+                        <a:buClrTx/>
+                        <a:buSzTx/>
+                        <a:buFontTx/>
+                        <a:buNone/>
+                        <a:tabLst/>
+                        <a:defRPr/>
+                      </a:pPr>
+                      <a:r>
+                        <a:rPr lang="en-US" altLang="ko-KR" dirty="0"/>
                         <a:t>4</a:t>
                       </a:r>
                       <a:endParaRPr lang="ko-KR" altLang="en-US" dirty="0"/>
@@ -7887,6 +9603,890 @@
 </file>
 
 <file path=ppt/slides/slide2.xml><?xml version="1.0" encoding="utf-8"?>
+<p:sld xmlns:a="http://schemas.openxmlformats.org/drawingml/2006/main" xmlns:r="http://schemas.openxmlformats.org/officeDocument/2006/relationships" xmlns:p="http://schemas.openxmlformats.org/presentationml/2006/main">
+  <p:cSld>
+    <p:spTree>
+      <p:nvGrpSpPr>
+        <p:cNvPr id="1" name=""/>
+        <p:cNvGrpSpPr/>
+        <p:nvPr/>
+      </p:nvGrpSpPr>
+      <p:grpSpPr>
+        <a:xfrm>
+          <a:off x="0" y="0"/>
+          <a:ext cx="0" cy="0"/>
+          <a:chOff x="0" y="0"/>
+          <a:chExt cx="0" cy="0"/>
+        </a:xfrm>
+      </p:grpSpPr>
+      <p:sp>
+        <p:nvSpPr>
+          <p:cNvPr id="4" name="직사각형 3">
+            <a:extLst>
+              <a:ext uri="{FF2B5EF4-FFF2-40B4-BE49-F238E27FC236}">
+                <a16:creationId xmlns:a16="http://schemas.microsoft.com/office/drawing/2014/main" id="{15AE72C7-26FD-47D1-BDD4-C79D9AD81A37}"/>
+              </a:ext>
+            </a:extLst>
+          </p:cNvPr>
+          <p:cNvSpPr/>
+          <p:nvPr/>
+        </p:nvSpPr>
+        <p:spPr>
+          <a:xfrm>
+            <a:off x="329938" y="221531"/>
+            <a:ext cx="11538408" cy="6414940"/>
+          </a:xfrm>
+          <a:prstGeom prst="rect">
+            <a:avLst/>
+          </a:prstGeom>
+          <a:noFill/>
+          <a:ln>
+            <a:solidFill>
+              <a:schemeClr val="tx1"/>
+            </a:solidFill>
+          </a:ln>
+        </p:spPr>
+        <p:style>
+          <a:lnRef idx="2">
+            <a:schemeClr val="accent1">
+              <a:shade val="50000"/>
+            </a:schemeClr>
+          </a:lnRef>
+          <a:fillRef idx="1">
+            <a:schemeClr val="accent1"/>
+          </a:fillRef>
+          <a:effectRef idx="0">
+            <a:schemeClr val="accent1"/>
+          </a:effectRef>
+          <a:fontRef idx="minor">
+            <a:schemeClr val="lt1"/>
+          </a:fontRef>
+        </p:style>
+        <p:txBody>
+          <a:bodyPr rtlCol="0" anchor="ctr"/>
+          <a:lstStyle/>
+          <a:p>
+            <a:pPr algn="ctr"/>
+            <a:endParaRPr lang="ko-KR" altLang="en-US"/>
+          </a:p>
+        </p:txBody>
+      </p:sp>
+      <p:cxnSp>
+        <p:nvCxnSpPr>
+          <p:cNvPr id="6" name="직선 연결선 5">
+            <a:extLst>
+              <a:ext uri="{FF2B5EF4-FFF2-40B4-BE49-F238E27FC236}">
+                <a16:creationId xmlns:a16="http://schemas.microsoft.com/office/drawing/2014/main" id="{D8537857-92A4-4B3E-8F74-A7A7EAAD22EE}"/>
+              </a:ext>
+            </a:extLst>
+          </p:cNvPr>
+          <p:cNvCxnSpPr/>
+          <p:nvPr/>
+        </p:nvCxnSpPr>
+        <p:spPr>
+          <a:xfrm>
+            <a:off x="2187019" y="221531"/>
+            <a:ext cx="0" cy="6414940"/>
+          </a:xfrm>
+          <a:prstGeom prst="line">
+            <a:avLst/>
+          </a:prstGeom>
+          <a:ln>
+            <a:solidFill>
+              <a:schemeClr val="tx1"/>
+            </a:solidFill>
+          </a:ln>
+        </p:spPr>
+        <p:style>
+          <a:lnRef idx="1">
+            <a:schemeClr val="accent1"/>
+          </a:lnRef>
+          <a:fillRef idx="0">
+            <a:schemeClr val="accent1"/>
+          </a:fillRef>
+          <a:effectRef idx="0">
+            <a:schemeClr val="accent1"/>
+          </a:effectRef>
+          <a:fontRef idx="minor">
+            <a:schemeClr val="tx1"/>
+          </a:fontRef>
+        </p:style>
+      </p:cxnSp>
+      <p:cxnSp>
+        <p:nvCxnSpPr>
+          <p:cNvPr id="7" name="직선 연결선 6">
+            <a:extLst>
+              <a:ext uri="{FF2B5EF4-FFF2-40B4-BE49-F238E27FC236}">
+                <a16:creationId xmlns:a16="http://schemas.microsoft.com/office/drawing/2014/main" id="{9665810C-7E60-4C4F-B8EA-A993FB5D9F9F}"/>
+              </a:ext>
+            </a:extLst>
+          </p:cNvPr>
+          <p:cNvCxnSpPr/>
+          <p:nvPr/>
+        </p:nvCxnSpPr>
+        <p:spPr>
+          <a:xfrm>
+            <a:off x="9975130" y="220747"/>
+            <a:ext cx="0" cy="6414940"/>
+          </a:xfrm>
+          <a:prstGeom prst="line">
+            <a:avLst/>
+          </a:prstGeom>
+          <a:ln>
+            <a:solidFill>
+              <a:schemeClr val="tx1"/>
+            </a:solidFill>
+          </a:ln>
+        </p:spPr>
+        <p:style>
+          <a:lnRef idx="1">
+            <a:schemeClr val="accent1"/>
+          </a:lnRef>
+          <a:fillRef idx="0">
+            <a:schemeClr val="accent1"/>
+          </a:fillRef>
+          <a:effectRef idx="0">
+            <a:schemeClr val="accent1"/>
+          </a:effectRef>
+          <a:fontRef idx="minor">
+            <a:schemeClr val="tx1"/>
+          </a:fontRef>
+        </p:style>
+      </p:cxnSp>
+      <p:cxnSp>
+        <p:nvCxnSpPr>
+          <p:cNvPr id="5" name="직선 연결선 4">
+            <a:extLst>
+              <a:ext uri="{FF2B5EF4-FFF2-40B4-BE49-F238E27FC236}">
+                <a16:creationId xmlns:a16="http://schemas.microsoft.com/office/drawing/2014/main" id="{9431E18B-450D-497D-939B-0DB78A5ED04A}"/>
+              </a:ext>
+            </a:extLst>
+          </p:cNvPr>
+          <p:cNvCxnSpPr/>
+          <p:nvPr/>
+        </p:nvCxnSpPr>
+        <p:spPr>
+          <a:xfrm>
+            <a:off x="2187019" y="1329179"/>
+            <a:ext cx="7788111" cy="0"/>
+          </a:xfrm>
+          <a:prstGeom prst="line">
+            <a:avLst/>
+          </a:prstGeom>
+          <a:ln>
+            <a:solidFill>
+              <a:schemeClr val="tx1"/>
+            </a:solidFill>
+          </a:ln>
+        </p:spPr>
+        <p:style>
+          <a:lnRef idx="1">
+            <a:schemeClr val="accent1"/>
+          </a:lnRef>
+          <a:fillRef idx="0">
+            <a:schemeClr val="accent1"/>
+          </a:fillRef>
+          <a:effectRef idx="0">
+            <a:schemeClr val="accent1"/>
+          </a:effectRef>
+          <a:fontRef idx="minor">
+            <a:schemeClr val="tx1"/>
+          </a:fontRef>
+        </p:style>
+      </p:cxnSp>
+      <p:sp>
+        <p:nvSpPr>
+          <p:cNvPr id="8" name="TextBox 7">
+            <a:extLst>
+              <a:ext uri="{FF2B5EF4-FFF2-40B4-BE49-F238E27FC236}">
+                <a16:creationId xmlns:a16="http://schemas.microsoft.com/office/drawing/2014/main" id="{36180D7F-6F6B-45A7-A375-1DF9B8552A01}"/>
+              </a:ext>
+            </a:extLst>
+          </p:cNvPr>
+          <p:cNvSpPr txBox="1"/>
+          <p:nvPr/>
+        </p:nvSpPr>
+        <p:spPr>
+          <a:xfrm>
+            <a:off x="4605352" y="513745"/>
+            <a:ext cx="2951449" cy="523220"/>
+          </a:xfrm>
+          <a:prstGeom prst="rect">
+            <a:avLst/>
+          </a:prstGeom>
+          <a:noFill/>
+        </p:spPr>
+        <p:txBody>
+          <a:bodyPr wrap="none" rtlCol="0">
+            <a:spAutoFit/>
+          </a:bodyPr>
+          <a:lstStyle/>
+          <a:p>
+            <a:pPr algn="ctr"/>
+            <a:r>
+              <a:rPr lang="ko-KR" altLang="en-US" sz="2800" dirty="0"/>
+              <a:t>문제 게시판 이름</a:t>
+            </a:r>
+          </a:p>
+        </p:txBody>
+      </p:sp>
+      <p:sp>
+        <p:nvSpPr>
+          <p:cNvPr id="15" name="TextBox 14">
+            <a:extLst>
+              <a:ext uri="{FF2B5EF4-FFF2-40B4-BE49-F238E27FC236}">
+                <a16:creationId xmlns:a16="http://schemas.microsoft.com/office/drawing/2014/main" id="{E963FA69-799B-443C-A0A1-11D009EB8936}"/>
+              </a:ext>
+            </a:extLst>
+          </p:cNvPr>
+          <p:cNvSpPr txBox="1"/>
+          <p:nvPr/>
+        </p:nvSpPr>
+        <p:spPr>
+          <a:xfrm>
+            <a:off x="426242" y="405849"/>
+            <a:ext cx="1664474" cy="369332"/>
+          </a:xfrm>
+          <a:prstGeom prst="rect">
+            <a:avLst/>
+          </a:prstGeom>
+          <a:solidFill>
+            <a:schemeClr val="accent5">
+              <a:lumMod val="20000"/>
+              <a:lumOff val="80000"/>
+            </a:schemeClr>
+          </a:solidFill>
+        </p:spPr>
+        <p:txBody>
+          <a:bodyPr wrap="square" rtlCol="0">
+            <a:spAutoFit/>
+          </a:bodyPr>
+          <a:lstStyle/>
+          <a:p>
+            <a:r>
+              <a:rPr lang="ko-KR" altLang="en-US" dirty="0"/>
+              <a:t>문제 리스트</a:t>
+            </a:r>
+          </a:p>
+        </p:txBody>
+      </p:sp>
+      <p:sp>
+        <p:nvSpPr>
+          <p:cNvPr id="13" name="TextBox 12">
+            <a:extLst>
+              <a:ext uri="{FF2B5EF4-FFF2-40B4-BE49-F238E27FC236}">
+                <a16:creationId xmlns:a16="http://schemas.microsoft.com/office/drawing/2014/main" id="{09DEA737-649A-4502-B946-EA1312CCA807}"/>
+              </a:ext>
+            </a:extLst>
+          </p:cNvPr>
+          <p:cNvSpPr txBox="1"/>
+          <p:nvPr/>
+        </p:nvSpPr>
+        <p:spPr>
+          <a:xfrm>
+            <a:off x="2252131" y="2169213"/>
+            <a:ext cx="1106393" cy="369332"/>
+          </a:xfrm>
+          <a:prstGeom prst="rect">
+            <a:avLst/>
+          </a:prstGeom>
+          <a:solidFill>
+            <a:srgbClr val="CFD5EA"/>
+          </a:solidFill>
+          <a:ln>
+            <a:solidFill>
+              <a:schemeClr val="tx1"/>
+            </a:solidFill>
+          </a:ln>
+        </p:spPr>
+        <p:txBody>
+          <a:bodyPr wrap="none" rtlCol="0">
+            <a:spAutoFit/>
+          </a:bodyPr>
+          <a:lstStyle/>
+          <a:p>
+            <a:r>
+              <a:rPr lang="ko-KR" altLang="en-US" b="1" dirty="0"/>
+              <a:t>문제 </a:t>
+            </a:r>
+            <a:r>
+              <a:rPr lang="en-US" altLang="ko-KR" b="1" dirty="0"/>
+              <a:t>List</a:t>
+            </a:r>
+            <a:endParaRPr lang="ko-KR" altLang="en-US" b="1" dirty="0"/>
+          </a:p>
+        </p:txBody>
+      </p:sp>
+      <p:sp>
+        <p:nvSpPr>
+          <p:cNvPr id="14" name="TextBox 13">
+            <a:extLst>
+              <a:ext uri="{FF2B5EF4-FFF2-40B4-BE49-F238E27FC236}">
+                <a16:creationId xmlns:a16="http://schemas.microsoft.com/office/drawing/2014/main" id="{08989631-10F5-4354-8699-01A3DD2FBEDD}"/>
+              </a:ext>
+            </a:extLst>
+          </p:cNvPr>
+          <p:cNvSpPr txBox="1"/>
+          <p:nvPr/>
+        </p:nvSpPr>
+        <p:spPr>
+          <a:xfrm>
+            <a:off x="3603936" y="2169213"/>
+            <a:ext cx="1305165" cy="369332"/>
+          </a:xfrm>
+          <a:prstGeom prst="rect">
+            <a:avLst/>
+          </a:prstGeom>
+          <a:solidFill>
+            <a:srgbClr val="CFD5EA"/>
+          </a:solidFill>
+          <a:ln>
+            <a:solidFill>
+              <a:schemeClr val="tx1"/>
+            </a:solidFill>
+          </a:ln>
+        </p:spPr>
+        <p:txBody>
+          <a:bodyPr wrap="none" rtlCol="0">
+            <a:spAutoFit/>
+          </a:bodyPr>
+          <a:lstStyle/>
+          <a:p>
+            <a:r>
+              <a:rPr lang="ko-KR" altLang="en-US" dirty="0"/>
+              <a:t>문제집 </a:t>
+            </a:r>
+            <a:r>
+              <a:rPr lang="en-US" altLang="ko-KR" dirty="0"/>
+              <a:t>List</a:t>
+            </a:r>
+            <a:endParaRPr lang="ko-KR" altLang="en-US" dirty="0"/>
+          </a:p>
+        </p:txBody>
+      </p:sp>
+      <p:graphicFrame>
+        <p:nvGraphicFramePr>
+          <p:cNvPr id="10" name="표 10">
+            <a:extLst>
+              <a:ext uri="{FF2B5EF4-FFF2-40B4-BE49-F238E27FC236}">
+                <a16:creationId xmlns:a16="http://schemas.microsoft.com/office/drawing/2014/main" id="{3E274876-B555-46CC-AC5E-1769D6F35D3C}"/>
+              </a:ext>
+            </a:extLst>
+          </p:cNvPr>
+          <p:cNvGraphicFramePr>
+            <a:graphicFrameLocks noGrp="1"/>
+          </p:cNvGraphicFramePr>
+          <p:nvPr/>
+        </p:nvGraphicFramePr>
+        <p:xfrm>
+          <a:off x="2201950" y="3351911"/>
+          <a:ext cx="7788100" cy="731520"/>
+        </p:xfrm>
+        <a:graphic>
+          <a:graphicData uri="http://schemas.openxmlformats.org/drawingml/2006/table">
+            <a:tbl>
+              <a:tblPr firstRow="1" bandRow="1">
+                <a:tableStyleId>{F5AB1C69-6EDB-4FF4-983F-18BD219EF322}</a:tableStyleId>
+              </a:tblPr>
+              <a:tblGrid>
+                <a:gridCol w="1121821">
+                  <a:extLst>
+                    <a:ext uri="{9D8B030D-6E8A-4147-A177-3AD203B41FA5}">
+                      <a16:colId xmlns:a16="http://schemas.microsoft.com/office/drawing/2014/main" val="1033226818"/>
+                    </a:ext>
+                  </a:extLst>
+                </a:gridCol>
+                <a:gridCol w="2554515">
+                  <a:extLst>
+                    <a:ext uri="{9D8B030D-6E8A-4147-A177-3AD203B41FA5}">
+                      <a16:colId xmlns:a16="http://schemas.microsoft.com/office/drawing/2014/main" val="2067526736"/>
+                    </a:ext>
+                  </a:extLst>
+                </a:gridCol>
+                <a:gridCol w="996524">
+                  <a:extLst>
+                    <a:ext uri="{9D8B030D-6E8A-4147-A177-3AD203B41FA5}">
+                      <a16:colId xmlns:a16="http://schemas.microsoft.com/office/drawing/2014/main" val="755618584"/>
+                    </a:ext>
+                  </a:extLst>
+                </a:gridCol>
+                <a:gridCol w="1224161">
+                  <a:extLst>
+                    <a:ext uri="{9D8B030D-6E8A-4147-A177-3AD203B41FA5}">
+                      <a16:colId xmlns:a16="http://schemas.microsoft.com/office/drawing/2014/main" val="1710464655"/>
+                    </a:ext>
+                  </a:extLst>
+                </a:gridCol>
+                <a:gridCol w="1891079">
+                  <a:extLst>
+                    <a:ext uri="{9D8B030D-6E8A-4147-A177-3AD203B41FA5}">
+                      <a16:colId xmlns:a16="http://schemas.microsoft.com/office/drawing/2014/main" val="714944327"/>
+                    </a:ext>
+                  </a:extLst>
+                </a:gridCol>
+              </a:tblGrid>
+              <a:tr h="252444">
+                <a:tc>
+                  <a:txBody>
+                    <a:bodyPr/>
+                    <a:lstStyle/>
+                    <a:p>
+                      <a:pPr latinLnBrk="1"/>
+                      <a:r>
+                        <a:rPr lang="ko-KR" altLang="en-US" dirty="0"/>
+                        <a:t>문제번호</a:t>
+                      </a:r>
+                    </a:p>
+                  </a:txBody>
+                  <a:tcPr/>
+                </a:tc>
+                <a:tc>
+                  <a:txBody>
+                    <a:bodyPr/>
+                    <a:lstStyle/>
+                    <a:p>
+                      <a:pPr latinLnBrk="1"/>
+                      <a:r>
+                        <a:rPr lang="ko-KR" altLang="en-US" dirty="0"/>
+                        <a:t>제목</a:t>
+                      </a:r>
+                    </a:p>
+                  </a:txBody>
+                  <a:tcPr/>
+                </a:tc>
+                <a:tc>
+                  <a:txBody>
+                    <a:bodyPr/>
+                    <a:lstStyle/>
+                    <a:p>
+                      <a:pPr latinLnBrk="1"/>
+                      <a:r>
+                        <a:rPr lang="ko-KR" altLang="en-US" dirty="0"/>
+                        <a:t>작성자</a:t>
+                      </a:r>
+                    </a:p>
+                  </a:txBody>
+                  <a:tcPr/>
+                </a:tc>
+                <a:tc>
+                  <a:txBody>
+                    <a:bodyPr/>
+                    <a:lstStyle/>
+                    <a:p>
+                      <a:pPr latinLnBrk="1"/>
+                      <a:r>
+                        <a:rPr lang="ko-KR" altLang="en-US" dirty="0"/>
+                        <a:t>작성일자</a:t>
+                      </a:r>
+                    </a:p>
+                  </a:txBody>
+                  <a:tcPr/>
+                </a:tc>
+                <a:tc>
+                  <a:txBody>
+                    <a:bodyPr/>
+                    <a:lstStyle/>
+                    <a:p>
+                      <a:pPr latinLnBrk="1"/>
+                      <a:r>
+                        <a:rPr lang="ko-KR" altLang="en-US" dirty="0"/>
+                        <a:t>비고</a:t>
+                      </a:r>
+                    </a:p>
+                  </a:txBody>
+                  <a:tcPr/>
+                </a:tc>
+                <a:extLst>
+                  <a:ext uri="{0D108BD9-81ED-4DB2-BD59-A6C34878D82A}">
+                    <a16:rowId xmlns:a16="http://schemas.microsoft.com/office/drawing/2014/main" val="2170141546"/>
+                  </a:ext>
+                </a:extLst>
+              </a:tr>
+              <a:tr h="252444">
+                <a:tc>
+                  <a:txBody>
+                    <a:bodyPr/>
+                    <a:lstStyle/>
+                    <a:p>
+                      <a:pPr latinLnBrk="1"/>
+                      <a:endParaRPr lang="ko-KR" altLang="en-US"/>
+                    </a:p>
+                  </a:txBody>
+                  <a:tcPr/>
+                </a:tc>
+                <a:tc>
+                  <a:txBody>
+                    <a:bodyPr/>
+                    <a:lstStyle/>
+                    <a:p>
+                      <a:pPr latinLnBrk="1"/>
+                      <a:endParaRPr lang="ko-KR" altLang="en-US" dirty="0"/>
+                    </a:p>
+                  </a:txBody>
+                  <a:tcPr/>
+                </a:tc>
+                <a:tc>
+                  <a:txBody>
+                    <a:bodyPr/>
+                    <a:lstStyle/>
+                    <a:p>
+                      <a:pPr latinLnBrk="1"/>
+                      <a:endParaRPr lang="ko-KR" altLang="en-US" dirty="0"/>
+                    </a:p>
+                  </a:txBody>
+                  <a:tcPr/>
+                </a:tc>
+                <a:tc>
+                  <a:txBody>
+                    <a:bodyPr/>
+                    <a:lstStyle/>
+                    <a:p>
+                      <a:pPr latinLnBrk="1"/>
+                      <a:endParaRPr lang="ko-KR" altLang="en-US" dirty="0"/>
+                    </a:p>
+                  </a:txBody>
+                  <a:tcPr/>
+                </a:tc>
+                <a:tc>
+                  <a:txBody>
+                    <a:bodyPr/>
+                    <a:lstStyle/>
+                    <a:p>
+                      <a:pPr latinLnBrk="1"/>
+                      <a:endParaRPr lang="ko-KR" altLang="en-US" dirty="0"/>
+                    </a:p>
+                  </a:txBody>
+                  <a:tcPr/>
+                </a:tc>
+                <a:extLst>
+                  <a:ext uri="{0D108BD9-81ED-4DB2-BD59-A6C34878D82A}">
+                    <a16:rowId xmlns:a16="http://schemas.microsoft.com/office/drawing/2014/main" val="1217070122"/>
+                  </a:ext>
+                </a:extLst>
+              </a:tr>
+            </a:tbl>
+          </a:graphicData>
+        </a:graphic>
+      </p:graphicFrame>
+      <p:graphicFrame>
+        <p:nvGraphicFramePr>
+          <p:cNvPr id="18" name="표 18">
+            <a:extLst>
+              <a:ext uri="{FF2B5EF4-FFF2-40B4-BE49-F238E27FC236}">
+                <a16:creationId xmlns:a16="http://schemas.microsoft.com/office/drawing/2014/main" id="{7EDA7C65-1CCE-42B9-A39F-E31B458F5DAC}"/>
+              </a:ext>
+            </a:extLst>
+          </p:cNvPr>
+          <p:cNvGraphicFramePr>
+            <a:graphicFrameLocks noGrp="1"/>
+          </p:cNvGraphicFramePr>
+          <p:nvPr/>
+        </p:nvGraphicFramePr>
+        <p:xfrm>
+          <a:off x="8293557" y="3739481"/>
+          <a:ext cx="726182" cy="365760"/>
+        </p:xfrm>
+        <a:graphic>
+          <a:graphicData uri="http://schemas.openxmlformats.org/drawingml/2006/table">
+            <a:tbl>
+              <a:tblPr firstRow="1" bandRow="1">
+                <a:tableStyleId>{5C22544A-7EE6-4342-B048-85BDC9FD1C3A}</a:tableStyleId>
+              </a:tblPr>
+              <a:tblGrid>
+                <a:gridCol w="726182">
+                  <a:extLst>
+                    <a:ext uri="{9D8B030D-6E8A-4147-A177-3AD203B41FA5}">
+                      <a16:colId xmlns:a16="http://schemas.microsoft.com/office/drawing/2014/main" val="492547391"/>
+                    </a:ext>
+                  </a:extLst>
+                </a:gridCol>
+              </a:tblGrid>
+              <a:tr h="243927">
+                <a:tc>
+                  <a:txBody>
+                    <a:bodyPr/>
+                    <a:lstStyle/>
+                    <a:p>
+                      <a:pPr latinLnBrk="1"/>
+                      <a:r>
+                        <a:rPr lang="ko-KR" altLang="en-US" dirty="0"/>
+                        <a:t>수정</a:t>
+                      </a:r>
+                    </a:p>
+                  </a:txBody>
+                  <a:tcPr/>
+                </a:tc>
+                <a:extLst>
+                  <a:ext uri="{0D108BD9-81ED-4DB2-BD59-A6C34878D82A}">
+                    <a16:rowId xmlns:a16="http://schemas.microsoft.com/office/drawing/2014/main" val="54995496"/>
+                  </a:ext>
+                </a:extLst>
+              </a:tr>
+            </a:tbl>
+          </a:graphicData>
+        </a:graphic>
+      </p:graphicFrame>
+      <p:graphicFrame>
+        <p:nvGraphicFramePr>
+          <p:cNvPr id="19" name="표 18">
+            <a:extLst>
+              <a:ext uri="{FF2B5EF4-FFF2-40B4-BE49-F238E27FC236}">
+                <a16:creationId xmlns:a16="http://schemas.microsoft.com/office/drawing/2014/main" id="{36CC4D2B-0381-411B-90DB-FD5A9ED91DA3}"/>
+              </a:ext>
+            </a:extLst>
+          </p:cNvPr>
+          <p:cNvGraphicFramePr>
+            <a:graphicFrameLocks noGrp="1"/>
+          </p:cNvGraphicFramePr>
+          <p:nvPr/>
+        </p:nvGraphicFramePr>
+        <p:xfrm>
+          <a:off x="9156098" y="3739481"/>
+          <a:ext cx="726182" cy="365760"/>
+        </p:xfrm>
+        <a:graphic>
+          <a:graphicData uri="http://schemas.openxmlformats.org/drawingml/2006/table">
+            <a:tbl>
+              <a:tblPr firstRow="1" bandRow="1">
+                <a:tableStyleId>{5C22544A-7EE6-4342-B048-85BDC9FD1C3A}</a:tableStyleId>
+              </a:tblPr>
+              <a:tblGrid>
+                <a:gridCol w="726182">
+                  <a:extLst>
+                    <a:ext uri="{9D8B030D-6E8A-4147-A177-3AD203B41FA5}">
+                      <a16:colId xmlns:a16="http://schemas.microsoft.com/office/drawing/2014/main" val="492547391"/>
+                    </a:ext>
+                  </a:extLst>
+                </a:gridCol>
+              </a:tblGrid>
+              <a:tr h="243927">
+                <a:tc>
+                  <a:txBody>
+                    <a:bodyPr/>
+                    <a:lstStyle/>
+                    <a:p>
+                      <a:pPr latinLnBrk="1"/>
+                      <a:r>
+                        <a:rPr lang="ko-KR" altLang="en-US" dirty="0"/>
+                        <a:t>삭제</a:t>
+                      </a:r>
+                    </a:p>
+                  </a:txBody>
+                  <a:tcPr>
+                    <a:solidFill>
+                      <a:schemeClr val="accent2">
+                        <a:lumMod val="75000"/>
+                      </a:schemeClr>
+                    </a:solidFill>
+                  </a:tcPr>
+                </a:tc>
+                <a:extLst>
+                  <a:ext uri="{0D108BD9-81ED-4DB2-BD59-A6C34878D82A}">
+                    <a16:rowId xmlns:a16="http://schemas.microsoft.com/office/drawing/2014/main" val="54995496"/>
+                  </a:ext>
+                </a:extLst>
+              </a:tr>
+            </a:tbl>
+          </a:graphicData>
+        </a:graphic>
+      </p:graphicFrame>
+      <p:sp>
+        <p:nvSpPr>
+          <p:cNvPr id="20" name="직사각형 19">
+            <a:extLst>
+              <a:ext uri="{FF2B5EF4-FFF2-40B4-BE49-F238E27FC236}">
+                <a16:creationId xmlns:a16="http://schemas.microsoft.com/office/drawing/2014/main" id="{0B37A351-17D0-42B3-9015-92531D95BA93}"/>
+              </a:ext>
+            </a:extLst>
+          </p:cNvPr>
+          <p:cNvSpPr/>
+          <p:nvPr/>
+        </p:nvSpPr>
+        <p:spPr>
+          <a:xfrm>
+            <a:off x="7987699" y="2991236"/>
+            <a:ext cx="2336798" cy="2184390"/>
+          </a:xfrm>
+          <a:prstGeom prst="rect">
+            <a:avLst/>
+          </a:prstGeom>
+          <a:noFill/>
+          <a:ln w="38100">
+            <a:solidFill>
+              <a:srgbClr val="FF0000"/>
+            </a:solidFill>
+          </a:ln>
+        </p:spPr>
+        <p:style>
+          <a:lnRef idx="2">
+            <a:schemeClr val="accent1">
+              <a:shade val="50000"/>
+            </a:schemeClr>
+          </a:lnRef>
+          <a:fillRef idx="1">
+            <a:schemeClr val="accent1"/>
+          </a:fillRef>
+          <a:effectRef idx="0">
+            <a:schemeClr val="accent1"/>
+          </a:effectRef>
+          <a:fontRef idx="minor">
+            <a:schemeClr val="lt1"/>
+          </a:fontRef>
+        </p:style>
+        <p:txBody>
+          <a:bodyPr rtlCol="0" anchor="ctr"/>
+          <a:lstStyle/>
+          <a:p>
+            <a:pPr algn="ctr"/>
+            <a:endParaRPr lang="ko-KR" altLang="en-US"/>
+          </a:p>
+        </p:txBody>
+      </p:sp>
+      <p:sp>
+        <p:nvSpPr>
+          <p:cNvPr id="11" name="직사각형 10">
+            <a:extLst>
+              <a:ext uri="{FF2B5EF4-FFF2-40B4-BE49-F238E27FC236}">
+                <a16:creationId xmlns:a16="http://schemas.microsoft.com/office/drawing/2014/main" id="{E96A748F-184D-40CA-B7B4-93F669BB45D2}"/>
+              </a:ext>
+            </a:extLst>
+          </p:cNvPr>
+          <p:cNvSpPr/>
+          <p:nvPr/>
+        </p:nvSpPr>
+        <p:spPr>
+          <a:xfrm>
+            <a:off x="5631543" y="2728686"/>
+            <a:ext cx="4207224" cy="462698"/>
+          </a:xfrm>
+          <a:prstGeom prst="rect">
+            <a:avLst/>
+          </a:prstGeom>
+        </p:spPr>
+        <p:style>
+          <a:lnRef idx="2">
+            <a:schemeClr val="accent1">
+              <a:shade val="50000"/>
+            </a:schemeClr>
+          </a:lnRef>
+          <a:fillRef idx="1">
+            <a:schemeClr val="accent1"/>
+          </a:fillRef>
+          <a:effectRef idx="0">
+            <a:schemeClr val="accent1"/>
+          </a:effectRef>
+          <a:fontRef idx="minor">
+            <a:schemeClr val="lt1"/>
+          </a:fontRef>
+        </p:style>
+        <p:txBody>
+          <a:bodyPr rtlCol="0" anchor="ctr"/>
+          <a:lstStyle/>
+          <a:p>
+            <a:pPr algn="ctr"/>
+            <a:r>
+              <a:rPr lang="ko-KR" altLang="en-US" dirty="0" err="1"/>
+              <a:t>검색창</a:t>
+            </a:r>
+            <a:endParaRPr lang="ko-KR" altLang="en-US" dirty="0"/>
+          </a:p>
+        </p:txBody>
+      </p:sp>
+      <p:pic>
+        <p:nvPicPr>
+          <p:cNvPr id="16" name="그래픽 15" descr="돋보기">
+            <a:extLst>
+              <a:ext uri="{FF2B5EF4-FFF2-40B4-BE49-F238E27FC236}">
+                <a16:creationId xmlns:a16="http://schemas.microsoft.com/office/drawing/2014/main" id="{5EC48D95-A855-4E5C-9AFC-20CFEE10BE15}"/>
+              </a:ext>
+            </a:extLst>
+          </p:cNvPr>
+          <p:cNvPicPr>
+            <a:picLocks noChangeAspect="1"/>
+          </p:cNvPicPr>
+          <p:nvPr/>
+        </p:nvPicPr>
+        <p:blipFill>
+          <a:blip r:embed="rId2">
+            <a:extLst>
+              <a:ext uri="{28A0092B-C50C-407E-A947-70E740481C1C}">
+                <a14:useLocalDpi xmlns:a14="http://schemas.microsoft.com/office/drawing/2010/main" val="0"/>
+              </a:ext>
+              <a:ext uri="{96DAC541-7B7A-43D3-8B79-37D633B846F1}">
+                <asvg:svgBlip xmlns:asvg="http://schemas.microsoft.com/office/drawing/2016/SVG/main" r:embed="rId3"/>
+              </a:ext>
+            </a:extLst>
+          </a:blip>
+          <a:stretch>
+            <a:fillRect/>
+          </a:stretch>
+        </p:blipFill>
+        <p:spPr>
+          <a:xfrm>
+            <a:off x="5631543" y="2725824"/>
+            <a:ext cx="542758" cy="542758"/>
+          </a:xfrm>
+          <a:prstGeom prst="rect">
+            <a:avLst/>
+          </a:prstGeom>
+        </p:spPr>
+      </p:pic>
+      <p:sp>
+        <p:nvSpPr>
+          <p:cNvPr id="21" name="TextBox 20">
+            <a:extLst>
+              <a:ext uri="{FF2B5EF4-FFF2-40B4-BE49-F238E27FC236}">
+                <a16:creationId xmlns:a16="http://schemas.microsoft.com/office/drawing/2014/main" id="{4FF05994-E4FD-4AD2-A26F-1C4816AA61DF}"/>
+              </a:ext>
+            </a:extLst>
+          </p:cNvPr>
+          <p:cNvSpPr txBox="1"/>
+          <p:nvPr/>
+        </p:nvSpPr>
+        <p:spPr>
+          <a:xfrm>
+            <a:off x="8476947" y="2094425"/>
+            <a:ext cx="1107996" cy="369332"/>
+          </a:xfrm>
+          <a:prstGeom prst="rect">
+            <a:avLst/>
+          </a:prstGeom>
+          <a:solidFill>
+            <a:srgbClr val="CFD5EA"/>
+          </a:solidFill>
+          <a:ln>
+            <a:solidFill>
+              <a:schemeClr val="tx1"/>
+            </a:solidFill>
+          </a:ln>
+        </p:spPr>
+        <p:txBody>
+          <a:bodyPr wrap="none" rtlCol="0">
+            <a:spAutoFit/>
+          </a:bodyPr>
+          <a:lstStyle/>
+          <a:p>
+            <a:r>
+              <a:rPr lang="ko-KR" altLang="en-US" dirty="0"/>
+              <a:t>문제등록</a:t>
+            </a:r>
+          </a:p>
+        </p:txBody>
+      </p:sp>
+    </p:spTree>
+    <p:extLst>
+      <p:ext uri="{BB962C8B-B14F-4D97-AF65-F5344CB8AC3E}">
+        <p14:creationId xmlns:p14="http://schemas.microsoft.com/office/powerpoint/2010/main" val="3273585452"/>
+      </p:ext>
+    </p:extLst>
+  </p:cSld>
+  <p:clrMapOvr>
+    <a:masterClrMapping/>
+  </p:clrMapOvr>
+</p:sld>
+</file>
+
+<file path=ppt/slides/slide3.xml><?xml version="1.0" encoding="utf-8"?>
 <p:sld xmlns:a="http://schemas.openxmlformats.org/drawingml/2006/main" xmlns:r="http://schemas.openxmlformats.org/officeDocument/2006/relationships" xmlns:p="http://schemas.openxmlformats.org/presentationml/2006/main">
   <p:cSld>
     <p:spTree>
@@ -8837,7 +11437,7 @@
 </p:sld>
 </file>
 
-<file path=ppt/slides/slide3.xml><?xml version="1.0" encoding="utf-8"?>
+<file path=ppt/slides/slide4.xml><?xml version="1.0" encoding="utf-8"?>
 <p:sld xmlns:a="http://schemas.openxmlformats.org/drawingml/2006/main" xmlns:r="http://schemas.openxmlformats.org/officeDocument/2006/relationships" xmlns:p="http://schemas.openxmlformats.org/presentationml/2006/main">
   <p:cSld>
     <p:spTree>
@@ -10150,7 +12750,7 @@
 </p:sld>
 </file>
 
-<file path=ppt/slides/slide4.xml><?xml version="1.0" encoding="utf-8"?>
+<file path=ppt/slides/slide5.xml><?xml version="1.0" encoding="utf-8"?>
 <p:sld xmlns:a="http://schemas.openxmlformats.org/drawingml/2006/main" xmlns:r="http://schemas.openxmlformats.org/officeDocument/2006/relationships" xmlns:p="http://schemas.openxmlformats.org/presentationml/2006/main">
   <p:cSld>
     <p:spTree>
@@ -11441,7 +14041,7 @@
 </p:sld>
 </file>
 
-<file path=ppt/slides/slide5.xml><?xml version="1.0" encoding="utf-8"?>
+<file path=ppt/slides/slide6.xml><?xml version="1.0" encoding="utf-8"?>
 <p:sld xmlns:a="http://schemas.openxmlformats.org/drawingml/2006/main" xmlns:r="http://schemas.openxmlformats.org/officeDocument/2006/relationships" xmlns:p="http://schemas.openxmlformats.org/presentationml/2006/main">
   <p:cSld>
     <p:spTree>
@@ -12486,7 +15086,7 @@
 </p:sld>
 </file>
 
-<file path=ppt/slides/slide6.xml><?xml version="1.0" encoding="utf-8"?>
+<file path=ppt/slides/slide7.xml><?xml version="1.0" encoding="utf-8"?>
 <p:sld xmlns:a="http://schemas.openxmlformats.org/drawingml/2006/main" xmlns:r="http://schemas.openxmlformats.org/officeDocument/2006/relationships" xmlns:p="http://schemas.openxmlformats.org/presentationml/2006/main">
   <p:cSld>
     <p:spTree>
@@ -14104,7 +16704,7 @@
 </p:sld>
 </file>
 
-<file path=ppt/slides/slide7.xml><?xml version="1.0" encoding="utf-8"?>
+<file path=ppt/slides/slide8.xml><?xml version="1.0" encoding="utf-8"?>
 <p:sld xmlns:a="http://schemas.openxmlformats.org/drawingml/2006/main" xmlns:r="http://schemas.openxmlformats.org/officeDocument/2006/relationships" xmlns:p="http://schemas.openxmlformats.org/presentationml/2006/main">
   <p:cSld>
     <p:spTree>
@@ -15707,7 +18307,7 @@
 </p:sld>
 </file>
 
-<file path=ppt/slides/slide8.xml><?xml version="1.0" encoding="utf-8"?>
+<file path=ppt/slides/slide9.xml><?xml version="1.0" encoding="utf-8"?>
 <p:sld xmlns:a="http://schemas.openxmlformats.org/drawingml/2006/main" xmlns:r="http://schemas.openxmlformats.org/officeDocument/2006/relationships" xmlns:p="http://schemas.openxmlformats.org/presentationml/2006/main">
   <p:cSld>
     <p:spTree>
@@ -17305,1698 +19905,6 @@
     <p:extLst>
       <p:ext uri="{BB962C8B-B14F-4D97-AF65-F5344CB8AC3E}">
         <p14:creationId xmlns:p14="http://schemas.microsoft.com/office/powerpoint/2010/main" val="2714057754"/>
-      </p:ext>
-    </p:extLst>
-  </p:cSld>
-  <p:clrMapOvr>
-    <a:masterClrMapping/>
-  </p:clrMapOvr>
-</p:sld>
-</file>
-
-<file path=ppt/slides/slide9.xml><?xml version="1.0" encoding="utf-8"?>
-<p:sld xmlns:a="http://schemas.openxmlformats.org/drawingml/2006/main" xmlns:r="http://schemas.openxmlformats.org/officeDocument/2006/relationships" xmlns:p="http://schemas.openxmlformats.org/presentationml/2006/main">
-  <p:cSld>
-    <p:spTree>
-      <p:nvGrpSpPr>
-        <p:cNvPr id="1" name=""/>
-        <p:cNvGrpSpPr/>
-        <p:nvPr/>
-      </p:nvGrpSpPr>
-      <p:grpSpPr>
-        <a:xfrm>
-          <a:off x="0" y="0"/>
-          <a:ext cx="0" cy="0"/>
-          <a:chOff x="0" y="0"/>
-          <a:chExt cx="0" cy="0"/>
-        </a:xfrm>
-      </p:grpSpPr>
-      <p:sp>
-        <p:nvSpPr>
-          <p:cNvPr id="26" name="타원 25">
-            <a:extLst>
-              <a:ext uri="{FF2B5EF4-FFF2-40B4-BE49-F238E27FC236}">
-                <a16:creationId xmlns:a16="http://schemas.microsoft.com/office/drawing/2014/main" id="{8D5718B6-B2CF-4AF7-BA96-41DCDE7E3115}"/>
-              </a:ext>
-            </a:extLst>
-          </p:cNvPr>
-          <p:cNvSpPr/>
-          <p:nvPr/>
-        </p:nvSpPr>
-        <p:spPr>
-          <a:xfrm>
-            <a:off x="2551829" y="4637899"/>
-            <a:ext cx="380070" cy="369332"/>
-          </a:xfrm>
-          <a:prstGeom prst="ellipse">
-            <a:avLst/>
-          </a:prstGeom>
-          <a:solidFill>
-            <a:schemeClr val="accent2">
-              <a:lumMod val="40000"/>
-              <a:lumOff val="60000"/>
-            </a:schemeClr>
-          </a:solidFill>
-        </p:spPr>
-        <p:style>
-          <a:lnRef idx="2">
-            <a:schemeClr val="accent1">
-              <a:shade val="50000"/>
-            </a:schemeClr>
-          </a:lnRef>
-          <a:fillRef idx="1">
-            <a:schemeClr val="accent1"/>
-          </a:fillRef>
-          <a:effectRef idx="0">
-            <a:schemeClr val="accent1"/>
-          </a:effectRef>
-          <a:fontRef idx="minor">
-            <a:schemeClr val="lt1"/>
-          </a:fontRef>
-        </p:style>
-        <p:txBody>
-          <a:bodyPr rtlCol="0" anchor="ctr"/>
-          <a:lstStyle/>
-          <a:p>
-            <a:pPr algn="ctr"/>
-            <a:endParaRPr lang="ko-KR" altLang="en-US" dirty="0"/>
-          </a:p>
-        </p:txBody>
-      </p:sp>
-      <p:sp>
-        <p:nvSpPr>
-          <p:cNvPr id="2" name="타원 1">
-            <a:extLst>
-              <a:ext uri="{FF2B5EF4-FFF2-40B4-BE49-F238E27FC236}">
-                <a16:creationId xmlns:a16="http://schemas.microsoft.com/office/drawing/2014/main" id="{B21B9AE6-9B1B-48AD-A2DD-8561BC99A5A9}"/>
-              </a:ext>
-            </a:extLst>
-          </p:cNvPr>
-          <p:cNvSpPr/>
-          <p:nvPr/>
-        </p:nvSpPr>
-        <p:spPr>
-          <a:xfrm>
-            <a:off x="2530278" y="3549447"/>
-            <a:ext cx="380070" cy="369332"/>
-          </a:xfrm>
-          <a:prstGeom prst="ellipse">
-            <a:avLst/>
-          </a:prstGeom>
-          <a:solidFill>
-            <a:schemeClr val="accent1">
-              <a:lumMod val="20000"/>
-              <a:lumOff val="80000"/>
-            </a:schemeClr>
-          </a:solidFill>
-        </p:spPr>
-        <p:style>
-          <a:lnRef idx="2">
-            <a:schemeClr val="accent1">
-              <a:shade val="50000"/>
-            </a:schemeClr>
-          </a:lnRef>
-          <a:fillRef idx="1">
-            <a:schemeClr val="accent1"/>
-          </a:fillRef>
-          <a:effectRef idx="0">
-            <a:schemeClr val="accent1"/>
-          </a:effectRef>
-          <a:fontRef idx="minor">
-            <a:schemeClr val="lt1"/>
-          </a:fontRef>
-        </p:style>
-        <p:txBody>
-          <a:bodyPr rtlCol="0" anchor="ctr"/>
-          <a:lstStyle/>
-          <a:p>
-            <a:pPr algn="ctr"/>
-            <a:endParaRPr lang="ko-KR" altLang="en-US" dirty="0"/>
-          </a:p>
-        </p:txBody>
-      </p:sp>
-      <p:sp>
-        <p:nvSpPr>
-          <p:cNvPr id="4" name="직사각형 3">
-            <a:extLst>
-              <a:ext uri="{FF2B5EF4-FFF2-40B4-BE49-F238E27FC236}">
-                <a16:creationId xmlns:a16="http://schemas.microsoft.com/office/drawing/2014/main" id="{15AE72C7-26FD-47D1-BDD4-C79D9AD81A37}"/>
-              </a:ext>
-            </a:extLst>
-          </p:cNvPr>
-          <p:cNvSpPr/>
-          <p:nvPr/>
-        </p:nvSpPr>
-        <p:spPr>
-          <a:xfrm>
-            <a:off x="329938" y="221531"/>
-            <a:ext cx="11538408" cy="6414940"/>
-          </a:xfrm>
-          <a:prstGeom prst="rect">
-            <a:avLst/>
-          </a:prstGeom>
-          <a:noFill/>
-          <a:ln>
-            <a:solidFill>
-              <a:schemeClr val="tx1"/>
-            </a:solidFill>
-          </a:ln>
-        </p:spPr>
-        <p:style>
-          <a:lnRef idx="2">
-            <a:schemeClr val="accent1">
-              <a:shade val="50000"/>
-            </a:schemeClr>
-          </a:lnRef>
-          <a:fillRef idx="1">
-            <a:schemeClr val="accent1"/>
-          </a:fillRef>
-          <a:effectRef idx="0">
-            <a:schemeClr val="accent1"/>
-          </a:effectRef>
-          <a:fontRef idx="minor">
-            <a:schemeClr val="lt1"/>
-          </a:fontRef>
-        </p:style>
-        <p:txBody>
-          <a:bodyPr rtlCol="0" anchor="ctr"/>
-          <a:lstStyle/>
-          <a:p>
-            <a:pPr algn="ctr"/>
-            <a:endParaRPr lang="ko-KR" altLang="en-US"/>
-          </a:p>
-        </p:txBody>
-      </p:sp>
-      <p:cxnSp>
-        <p:nvCxnSpPr>
-          <p:cNvPr id="6" name="직선 연결선 5">
-            <a:extLst>
-              <a:ext uri="{FF2B5EF4-FFF2-40B4-BE49-F238E27FC236}">
-                <a16:creationId xmlns:a16="http://schemas.microsoft.com/office/drawing/2014/main" id="{D8537857-92A4-4B3E-8F74-A7A7EAAD22EE}"/>
-              </a:ext>
-            </a:extLst>
-          </p:cNvPr>
-          <p:cNvCxnSpPr/>
-          <p:nvPr/>
-        </p:nvCxnSpPr>
-        <p:spPr>
-          <a:xfrm>
-            <a:off x="2187019" y="221531"/>
-            <a:ext cx="0" cy="6414940"/>
-          </a:xfrm>
-          <a:prstGeom prst="line">
-            <a:avLst/>
-          </a:prstGeom>
-          <a:ln>
-            <a:solidFill>
-              <a:schemeClr val="tx1"/>
-            </a:solidFill>
-          </a:ln>
-        </p:spPr>
-        <p:style>
-          <a:lnRef idx="1">
-            <a:schemeClr val="accent1"/>
-          </a:lnRef>
-          <a:fillRef idx="0">
-            <a:schemeClr val="accent1"/>
-          </a:fillRef>
-          <a:effectRef idx="0">
-            <a:schemeClr val="accent1"/>
-          </a:effectRef>
-          <a:fontRef idx="minor">
-            <a:schemeClr val="tx1"/>
-          </a:fontRef>
-        </p:style>
-      </p:cxnSp>
-      <p:cxnSp>
-        <p:nvCxnSpPr>
-          <p:cNvPr id="7" name="직선 연결선 6">
-            <a:extLst>
-              <a:ext uri="{FF2B5EF4-FFF2-40B4-BE49-F238E27FC236}">
-                <a16:creationId xmlns:a16="http://schemas.microsoft.com/office/drawing/2014/main" id="{9665810C-7E60-4C4F-B8EA-A993FB5D9F9F}"/>
-              </a:ext>
-            </a:extLst>
-          </p:cNvPr>
-          <p:cNvCxnSpPr/>
-          <p:nvPr/>
-        </p:nvCxnSpPr>
-        <p:spPr>
-          <a:xfrm>
-            <a:off x="9975130" y="220747"/>
-            <a:ext cx="0" cy="6414940"/>
-          </a:xfrm>
-          <a:prstGeom prst="line">
-            <a:avLst/>
-          </a:prstGeom>
-          <a:ln>
-            <a:solidFill>
-              <a:schemeClr val="tx1"/>
-            </a:solidFill>
-          </a:ln>
-        </p:spPr>
-        <p:style>
-          <a:lnRef idx="1">
-            <a:schemeClr val="accent1"/>
-          </a:lnRef>
-          <a:fillRef idx="0">
-            <a:schemeClr val="accent1"/>
-          </a:fillRef>
-          <a:effectRef idx="0">
-            <a:schemeClr val="accent1"/>
-          </a:effectRef>
-          <a:fontRef idx="minor">
-            <a:schemeClr val="tx1"/>
-          </a:fontRef>
-        </p:style>
-      </p:cxnSp>
-      <p:sp>
-        <p:nvSpPr>
-          <p:cNvPr id="5" name="TextBox 4">
-            <a:extLst>
-              <a:ext uri="{FF2B5EF4-FFF2-40B4-BE49-F238E27FC236}">
-                <a16:creationId xmlns:a16="http://schemas.microsoft.com/office/drawing/2014/main" id="{2873E54C-0FEF-41BB-97DC-0D6297678719}"/>
-              </a:ext>
-            </a:extLst>
-          </p:cNvPr>
-          <p:cNvSpPr txBox="1"/>
-          <p:nvPr/>
-        </p:nvSpPr>
-        <p:spPr>
-          <a:xfrm>
-            <a:off x="426242" y="405849"/>
-            <a:ext cx="1664474" cy="646331"/>
-          </a:xfrm>
-          <a:prstGeom prst="rect">
-            <a:avLst/>
-          </a:prstGeom>
-          <a:solidFill>
-            <a:schemeClr val="accent5">
-              <a:lumMod val="20000"/>
-              <a:lumOff val="80000"/>
-            </a:schemeClr>
-          </a:solidFill>
-        </p:spPr>
-        <p:txBody>
-          <a:bodyPr wrap="square" rtlCol="0">
-            <a:spAutoFit/>
-          </a:bodyPr>
-          <a:lstStyle/>
-          <a:p>
-            <a:r>
-              <a:rPr lang="ko-KR" altLang="en-US" dirty="0"/>
-              <a:t>문제수정 </a:t>
-            </a:r>
-            <a:endParaRPr lang="en-US" altLang="ko-KR" dirty="0"/>
-          </a:p>
-          <a:p>
-            <a:r>
-              <a:rPr lang="ko-KR" altLang="en-US" dirty="0"/>
-              <a:t>객관식</a:t>
-            </a:r>
-          </a:p>
-        </p:txBody>
-      </p:sp>
-      <p:graphicFrame>
-        <p:nvGraphicFramePr>
-          <p:cNvPr id="8" name="표 8">
-            <a:extLst>
-              <a:ext uri="{FF2B5EF4-FFF2-40B4-BE49-F238E27FC236}">
-                <a16:creationId xmlns:a16="http://schemas.microsoft.com/office/drawing/2014/main" id="{A289A37D-B1D8-459F-A0E7-73CDC6BB3D5F}"/>
-              </a:ext>
-            </a:extLst>
-          </p:cNvPr>
-          <p:cNvGraphicFramePr>
-            <a:graphicFrameLocks noGrp="1"/>
-          </p:cNvGraphicFramePr>
-          <p:nvPr>
-            <p:extLst>
-              <p:ext uri="{D42A27DB-BD31-4B8C-83A1-F6EECF244321}">
-                <p14:modId xmlns:p14="http://schemas.microsoft.com/office/powerpoint/2010/main" val="790466213"/>
-              </p:ext>
-            </p:extLst>
-          </p:nvPr>
-        </p:nvGraphicFramePr>
-        <p:xfrm>
-          <a:off x="3676778" y="573844"/>
-          <a:ext cx="4741676" cy="1112520"/>
-        </p:xfrm>
-        <a:graphic>
-          <a:graphicData uri="http://schemas.openxmlformats.org/drawingml/2006/table">
-            <a:tbl>
-              <a:tblPr firstRow="1" bandRow="1">
-                <a:tableStyleId>{5940675A-B579-460E-94D1-54222C63F5DA}</a:tableStyleId>
-              </a:tblPr>
-              <a:tblGrid>
-                <a:gridCol w="1790768">
-                  <a:extLst>
-                    <a:ext uri="{9D8B030D-6E8A-4147-A177-3AD203B41FA5}">
-                      <a16:colId xmlns:a16="http://schemas.microsoft.com/office/drawing/2014/main" val="4106161552"/>
-                    </a:ext>
-                  </a:extLst>
-                </a:gridCol>
-                <a:gridCol w="2950908">
-                  <a:extLst>
-                    <a:ext uri="{9D8B030D-6E8A-4147-A177-3AD203B41FA5}">
-                      <a16:colId xmlns:a16="http://schemas.microsoft.com/office/drawing/2014/main" val="1080425974"/>
-                    </a:ext>
-                  </a:extLst>
-                </a:gridCol>
-              </a:tblGrid>
-              <a:tr h="370840">
-                <a:tc>
-                  <a:txBody>
-                    <a:bodyPr/>
-                    <a:lstStyle/>
-                    <a:p>
-                      <a:pPr latinLnBrk="1"/>
-                      <a:r>
-                        <a:rPr lang="ko-KR" altLang="en-US" dirty="0"/>
-                        <a:t>문제 제목</a:t>
-                      </a:r>
-                    </a:p>
-                  </a:txBody>
-                  <a:tcPr/>
-                </a:tc>
-                <a:tc>
-                  <a:txBody>
-                    <a:bodyPr/>
-                    <a:lstStyle/>
-                    <a:p>
-                      <a:pPr latinLnBrk="1"/>
-                      <a:endParaRPr lang="ko-KR" altLang="en-US"/>
-                    </a:p>
-                  </a:txBody>
-                  <a:tcPr/>
-                </a:tc>
-                <a:extLst>
-                  <a:ext uri="{0D108BD9-81ED-4DB2-BD59-A6C34878D82A}">
-                    <a16:rowId xmlns:a16="http://schemas.microsoft.com/office/drawing/2014/main" val="3062416125"/>
-                  </a:ext>
-                </a:extLst>
-              </a:tr>
-              <a:tr h="370840">
-                <a:tc>
-                  <a:txBody>
-                    <a:bodyPr/>
-                    <a:lstStyle/>
-                    <a:p>
-                      <a:pPr latinLnBrk="1"/>
-                      <a:r>
-                        <a:rPr lang="ko-KR" altLang="en-US" dirty="0"/>
-                        <a:t>문제 카테고리</a:t>
-                      </a:r>
-                    </a:p>
-                  </a:txBody>
-                  <a:tcPr/>
-                </a:tc>
-                <a:tc>
-                  <a:txBody>
-                    <a:bodyPr/>
-                    <a:lstStyle/>
-                    <a:p>
-                      <a:pPr marL="0" marR="0" lvl="0" indent="0" algn="l" defTabSz="914400" rtl="0" eaLnBrk="1" fontAlgn="auto" latinLnBrk="1" hangingPunct="1">
-                        <a:lnSpc>
-                          <a:spcPct val="100000"/>
-                        </a:lnSpc>
-                        <a:spcBef>
-                          <a:spcPts val="0"/>
-                        </a:spcBef>
-                        <a:spcAft>
-                          <a:spcPts val="0"/>
-                        </a:spcAft>
-                        <a:buClrTx/>
-                        <a:buSzTx/>
-                        <a:buFontTx/>
-                        <a:buNone/>
-                        <a:tabLst/>
-                        <a:defRPr/>
-                      </a:pPr>
-                      <a:r>
-                        <a:rPr kumimoji="0" lang="ko-KR" altLang="en-US" sz="1600" b="0" i="0" u="none" strike="noStrike" kern="1200" cap="none" spc="0" normalizeH="0" baseline="0" noProof="0" dirty="0">
-                          <a:ln>
-                            <a:noFill/>
-                          </a:ln>
-                          <a:solidFill>
-                            <a:prstClr val="black"/>
-                          </a:solidFill>
-                          <a:effectLst/>
-                          <a:uLnTx/>
-                          <a:uFillTx/>
-                          <a:latin typeface="+mn-lt"/>
-                          <a:ea typeface="+mn-ea"/>
-                          <a:cs typeface="+mn-cs"/>
-                        </a:rPr>
-                        <a:t>대분류      중분류    소분류</a:t>
-                      </a:r>
-                    </a:p>
-                  </a:txBody>
-                  <a:tcPr/>
-                </a:tc>
-                <a:extLst>
-                  <a:ext uri="{0D108BD9-81ED-4DB2-BD59-A6C34878D82A}">
-                    <a16:rowId xmlns:a16="http://schemas.microsoft.com/office/drawing/2014/main" val="3483470597"/>
-                  </a:ext>
-                </a:extLst>
-              </a:tr>
-              <a:tr h="370840">
-                <a:tc>
-                  <a:txBody>
-                    <a:bodyPr/>
-                    <a:lstStyle/>
-                    <a:p>
-                      <a:pPr latinLnBrk="1"/>
-                      <a:r>
-                        <a:rPr lang="ko-KR" altLang="en-US" dirty="0"/>
-                        <a:t>문제 작성자</a:t>
-                      </a:r>
-                    </a:p>
-                  </a:txBody>
-                  <a:tcPr/>
-                </a:tc>
-                <a:tc>
-                  <a:txBody>
-                    <a:bodyPr/>
-                    <a:lstStyle/>
-                    <a:p>
-                      <a:pPr latinLnBrk="1"/>
-                      <a:r>
-                        <a:rPr lang="ko-KR" altLang="en-US" dirty="0" err="1">
-                          <a:solidFill>
-                            <a:schemeClr val="bg1">
-                              <a:lumMod val="75000"/>
-                            </a:schemeClr>
-                          </a:solidFill>
-                        </a:rPr>
-                        <a:t>박싸피</a:t>
-                      </a:r>
-                      <a:r>
-                        <a:rPr lang="en-US" altLang="ko-KR" dirty="0">
-                          <a:solidFill>
-                            <a:schemeClr val="bg1">
-                              <a:lumMod val="75000"/>
-                            </a:schemeClr>
-                          </a:solidFill>
-                        </a:rPr>
-                        <a:t>(</a:t>
-                      </a:r>
-                      <a:r>
-                        <a:rPr lang="en-US" altLang="ko-KR" dirty="0" err="1">
-                          <a:solidFill>
-                            <a:schemeClr val="bg1">
-                              <a:lumMod val="75000"/>
-                            </a:schemeClr>
-                          </a:solidFill>
-                        </a:rPr>
-                        <a:t>ReadOnly</a:t>
-                      </a:r>
-                      <a:r>
-                        <a:rPr lang="en-US" altLang="ko-KR" dirty="0">
-                          <a:solidFill>
-                            <a:schemeClr val="bg1">
-                              <a:lumMod val="75000"/>
-                            </a:schemeClr>
-                          </a:solidFill>
-                        </a:rPr>
-                        <a:t>)</a:t>
-                      </a:r>
-                      <a:endParaRPr lang="ko-KR" altLang="en-US" dirty="0">
-                        <a:solidFill>
-                          <a:schemeClr val="bg1">
-                            <a:lumMod val="75000"/>
-                          </a:schemeClr>
-                        </a:solidFill>
-                      </a:endParaRPr>
-                    </a:p>
-                  </a:txBody>
-                  <a:tcPr/>
-                </a:tc>
-                <a:extLst>
-                  <a:ext uri="{0D108BD9-81ED-4DB2-BD59-A6C34878D82A}">
-                    <a16:rowId xmlns:a16="http://schemas.microsoft.com/office/drawing/2014/main" val="2461249551"/>
-                  </a:ext>
-                </a:extLst>
-              </a:tr>
-            </a:tbl>
-          </a:graphicData>
-        </a:graphic>
-      </p:graphicFrame>
-      <p:sp>
-        <p:nvSpPr>
-          <p:cNvPr id="10" name="이등변 삼각형 9">
-            <a:extLst>
-              <a:ext uri="{FF2B5EF4-FFF2-40B4-BE49-F238E27FC236}">
-                <a16:creationId xmlns:a16="http://schemas.microsoft.com/office/drawing/2014/main" id="{37114401-34E5-434F-9D07-0DFA1A33A139}"/>
-              </a:ext>
-            </a:extLst>
-          </p:cNvPr>
-          <p:cNvSpPr/>
-          <p:nvPr/>
-        </p:nvSpPr>
-        <p:spPr>
-          <a:xfrm rot="10800000">
-            <a:off x="8119623" y="1045262"/>
-            <a:ext cx="185392" cy="142515"/>
-          </a:xfrm>
-          <a:prstGeom prst="triangle">
-            <a:avLst/>
-          </a:prstGeom>
-          <a:solidFill>
-            <a:schemeClr val="tx1"/>
-          </a:solidFill>
-          <a:ln>
-            <a:solidFill>
-              <a:schemeClr val="tx1"/>
-            </a:solidFill>
-          </a:ln>
-        </p:spPr>
-        <p:style>
-          <a:lnRef idx="2">
-            <a:schemeClr val="accent1">
-              <a:shade val="50000"/>
-            </a:schemeClr>
-          </a:lnRef>
-          <a:fillRef idx="1">
-            <a:schemeClr val="accent1"/>
-          </a:fillRef>
-          <a:effectRef idx="0">
-            <a:schemeClr val="accent1"/>
-          </a:effectRef>
-          <a:fontRef idx="minor">
-            <a:schemeClr val="lt1"/>
-          </a:fontRef>
-        </p:style>
-        <p:txBody>
-          <a:bodyPr rtlCol="0" anchor="ctr"/>
-          <a:lstStyle/>
-          <a:p>
-            <a:pPr algn="ctr"/>
-            <a:endParaRPr lang="ko-KR" altLang="en-US"/>
-          </a:p>
-        </p:txBody>
-      </p:sp>
-      <p:sp>
-        <p:nvSpPr>
-          <p:cNvPr id="16" name="TextBox 15">
-            <a:extLst>
-              <a:ext uri="{FF2B5EF4-FFF2-40B4-BE49-F238E27FC236}">
-                <a16:creationId xmlns:a16="http://schemas.microsoft.com/office/drawing/2014/main" id="{F27DCD53-2164-4873-9B2E-B637B2543DCB}"/>
-              </a:ext>
-            </a:extLst>
-          </p:cNvPr>
-          <p:cNvSpPr txBox="1"/>
-          <p:nvPr/>
-        </p:nvSpPr>
-        <p:spPr>
-          <a:xfrm>
-            <a:off x="2409838" y="2269132"/>
-            <a:ext cx="4927887" cy="3328155"/>
-          </a:xfrm>
-          <a:prstGeom prst="rect">
-            <a:avLst/>
-          </a:prstGeom>
-          <a:noFill/>
-        </p:spPr>
-        <p:txBody>
-          <a:bodyPr wrap="none" rtlCol="0">
-            <a:spAutoFit/>
-          </a:bodyPr>
-          <a:lstStyle/>
-          <a:p>
-            <a:pPr>
-              <a:lnSpc>
-                <a:spcPct val="200000"/>
-              </a:lnSpc>
-            </a:pPr>
-            <a:r>
-              <a:rPr lang="en-US" altLang="ko-KR" dirty="0"/>
-              <a:t>2. ______</a:t>
-            </a:r>
-            <a:r>
-              <a:rPr lang="ko-KR" altLang="en-US" dirty="0"/>
-              <a:t>기존 문제 질문 </a:t>
-            </a:r>
-            <a:r>
-              <a:rPr lang="en-US" altLang="ko-KR" dirty="0"/>
-              <a:t>Text__________________</a:t>
-            </a:r>
-          </a:p>
-          <a:p>
-            <a:pPr>
-              <a:lnSpc>
-                <a:spcPct val="200000"/>
-              </a:lnSpc>
-            </a:pPr>
-            <a:r>
-              <a:rPr lang="en-US" altLang="ko-KR" dirty="0"/>
-              <a:t>  1)</a:t>
-            </a:r>
-          </a:p>
-          <a:p>
-            <a:pPr>
-              <a:lnSpc>
-                <a:spcPct val="200000"/>
-              </a:lnSpc>
-            </a:pPr>
-            <a:r>
-              <a:rPr lang="en-US" altLang="ko-KR" dirty="0"/>
-              <a:t>  2)</a:t>
-            </a:r>
-          </a:p>
-          <a:p>
-            <a:pPr>
-              <a:lnSpc>
-                <a:spcPct val="200000"/>
-              </a:lnSpc>
-            </a:pPr>
-            <a:r>
-              <a:rPr lang="en-US" altLang="ko-KR" dirty="0"/>
-              <a:t>  3)</a:t>
-            </a:r>
-          </a:p>
-          <a:p>
-            <a:pPr>
-              <a:lnSpc>
-                <a:spcPct val="200000"/>
-              </a:lnSpc>
-            </a:pPr>
-            <a:r>
-              <a:rPr lang="en-US" altLang="ko-KR" dirty="0"/>
-              <a:t>  4)</a:t>
-            </a:r>
-          </a:p>
-          <a:p>
-            <a:pPr>
-              <a:lnSpc>
-                <a:spcPct val="200000"/>
-              </a:lnSpc>
-            </a:pPr>
-            <a:r>
-              <a:rPr lang="en-US" altLang="ko-KR" dirty="0"/>
-              <a:t>  5)</a:t>
-            </a:r>
-            <a:endParaRPr lang="ko-KR" altLang="en-US" dirty="0"/>
-          </a:p>
-        </p:txBody>
-      </p:sp>
-      <p:sp>
-        <p:nvSpPr>
-          <p:cNvPr id="18" name="이등변 삼각형 17">
-            <a:extLst>
-              <a:ext uri="{FF2B5EF4-FFF2-40B4-BE49-F238E27FC236}">
-                <a16:creationId xmlns:a16="http://schemas.microsoft.com/office/drawing/2014/main" id="{162AE67C-0C64-481B-A6F8-6A951EB4BA99}"/>
-              </a:ext>
-            </a:extLst>
-          </p:cNvPr>
-          <p:cNvSpPr/>
-          <p:nvPr/>
-        </p:nvSpPr>
-        <p:spPr>
-          <a:xfrm rot="16200000">
-            <a:off x="5514440" y="6225910"/>
-            <a:ext cx="235664" cy="254494"/>
-          </a:xfrm>
-          <a:prstGeom prst="triangle">
-            <a:avLst/>
-          </a:prstGeom>
-        </p:spPr>
-        <p:style>
-          <a:lnRef idx="2">
-            <a:schemeClr val="accent1">
-              <a:shade val="50000"/>
-            </a:schemeClr>
-          </a:lnRef>
-          <a:fillRef idx="1">
-            <a:schemeClr val="accent1"/>
-          </a:fillRef>
-          <a:effectRef idx="0">
-            <a:schemeClr val="accent1"/>
-          </a:effectRef>
-          <a:fontRef idx="minor">
-            <a:schemeClr val="lt1"/>
-          </a:fontRef>
-        </p:style>
-        <p:txBody>
-          <a:bodyPr rtlCol="0" anchor="ctr"/>
-          <a:lstStyle/>
-          <a:p>
-            <a:pPr algn="ctr"/>
-            <a:endParaRPr lang="ko-KR" altLang="en-US"/>
-          </a:p>
-        </p:txBody>
-      </p:sp>
-      <p:sp>
-        <p:nvSpPr>
-          <p:cNvPr id="19" name="이등변 삼각형 18">
-            <a:extLst>
-              <a:ext uri="{FF2B5EF4-FFF2-40B4-BE49-F238E27FC236}">
-                <a16:creationId xmlns:a16="http://schemas.microsoft.com/office/drawing/2014/main" id="{9AF0238B-BFDC-4410-BE30-C2643940A0FD}"/>
-              </a:ext>
-            </a:extLst>
-          </p:cNvPr>
-          <p:cNvSpPr/>
-          <p:nvPr/>
-        </p:nvSpPr>
-        <p:spPr>
-          <a:xfrm rot="5400000">
-            <a:off x="6072192" y="6225910"/>
-            <a:ext cx="235664" cy="254494"/>
-          </a:xfrm>
-          <a:prstGeom prst="triangle">
-            <a:avLst/>
-          </a:prstGeom>
-        </p:spPr>
-        <p:style>
-          <a:lnRef idx="2">
-            <a:schemeClr val="accent1">
-              <a:shade val="50000"/>
-            </a:schemeClr>
-          </a:lnRef>
-          <a:fillRef idx="1">
-            <a:schemeClr val="accent1"/>
-          </a:fillRef>
-          <a:effectRef idx="0">
-            <a:schemeClr val="accent1"/>
-          </a:effectRef>
-          <a:fontRef idx="minor">
-            <a:schemeClr val="lt1"/>
-          </a:fontRef>
-        </p:style>
-        <p:txBody>
-          <a:bodyPr rtlCol="0" anchor="ctr"/>
-          <a:lstStyle/>
-          <a:p>
-            <a:pPr algn="ctr"/>
-            <a:endParaRPr lang="ko-KR" altLang="en-US"/>
-          </a:p>
-        </p:txBody>
-      </p:sp>
-      <p:sp>
-        <p:nvSpPr>
-          <p:cNvPr id="20" name="TextBox 19">
-            <a:extLst>
-              <a:ext uri="{FF2B5EF4-FFF2-40B4-BE49-F238E27FC236}">
-                <a16:creationId xmlns:a16="http://schemas.microsoft.com/office/drawing/2014/main" id="{65EEDE74-DECD-4921-9D9C-6863D18A47E6}"/>
-              </a:ext>
-            </a:extLst>
-          </p:cNvPr>
-          <p:cNvSpPr txBox="1"/>
-          <p:nvPr/>
-        </p:nvSpPr>
-        <p:spPr>
-          <a:xfrm>
-            <a:off x="2530278" y="1979630"/>
-            <a:ext cx="877163" cy="369332"/>
-          </a:xfrm>
-          <a:prstGeom prst="rect">
-            <a:avLst/>
-          </a:prstGeom>
-          <a:solidFill>
-            <a:srgbClr val="CFD5EA"/>
-          </a:solidFill>
-          <a:ln>
-            <a:solidFill>
-              <a:schemeClr val="tx1"/>
-            </a:solidFill>
-          </a:ln>
-        </p:spPr>
-        <p:txBody>
-          <a:bodyPr wrap="none" rtlCol="0">
-            <a:spAutoFit/>
-          </a:bodyPr>
-          <a:lstStyle/>
-          <a:p>
-            <a:r>
-              <a:rPr lang="ko-KR" altLang="en-US" dirty="0"/>
-              <a:t>객관식</a:t>
-            </a:r>
-          </a:p>
-        </p:txBody>
-      </p:sp>
-      <p:sp>
-        <p:nvSpPr>
-          <p:cNvPr id="21" name="TextBox 20">
-            <a:extLst>
-              <a:ext uri="{FF2B5EF4-FFF2-40B4-BE49-F238E27FC236}">
-                <a16:creationId xmlns:a16="http://schemas.microsoft.com/office/drawing/2014/main" id="{2A53BF96-49DE-44CF-8797-2877BEEBE2D5}"/>
-              </a:ext>
-            </a:extLst>
-          </p:cNvPr>
-          <p:cNvSpPr txBox="1"/>
-          <p:nvPr/>
-        </p:nvSpPr>
-        <p:spPr>
-          <a:xfrm>
-            <a:off x="3527881" y="1975866"/>
-            <a:ext cx="877163" cy="369332"/>
-          </a:xfrm>
-          <a:prstGeom prst="rect">
-            <a:avLst/>
-          </a:prstGeom>
-          <a:noFill/>
-          <a:ln>
-            <a:solidFill>
-              <a:schemeClr val="tx1"/>
-            </a:solidFill>
-          </a:ln>
-        </p:spPr>
-        <p:txBody>
-          <a:bodyPr wrap="none" rtlCol="0">
-            <a:spAutoFit/>
-          </a:bodyPr>
-          <a:lstStyle/>
-          <a:p>
-            <a:r>
-              <a:rPr lang="ko-KR" altLang="en-US" dirty="0"/>
-              <a:t>주관식</a:t>
-            </a:r>
-          </a:p>
-        </p:txBody>
-      </p:sp>
-      <p:sp>
-        <p:nvSpPr>
-          <p:cNvPr id="22" name="TextBox 21">
-            <a:extLst>
-              <a:ext uri="{FF2B5EF4-FFF2-40B4-BE49-F238E27FC236}">
-                <a16:creationId xmlns:a16="http://schemas.microsoft.com/office/drawing/2014/main" id="{C9E2C1A6-8AAE-48AD-82D6-66C45B885FF1}"/>
-              </a:ext>
-            </a:extLst>
-          </p:cNvPr>
-          <p:cNvSpPr txBox="1"/>
-          <p:nvPr/>
-        </p:nvSpPr>
-        <p:spPr>
-          <a:xfrm>
-            <a:off x="7144342" y="1963944"/>
-            <a:ext cx="1107996" cy="369332"/>
-          </a:xfrm>
-          <a:prstGeom prst="rect">
-            <a:avLst/>
-          </a:prstGeom>
-          <a:solidFill>
-            <a:schemeClr val="accent2">
-              <a:lumMod val="75000"/>
-            </a:schemeClr>
-          </a:solidFill>
-          <a:ln>
-            <a:solidFill>
-              <a:schemeClr val="tx1"/>
-            </a:solidFill>
-          </a:ln>
-        </p:spPr>
-        <p:txBody>
-          <a:bodyPr wrap="none" rtlCol="0">
-            <a:spAutoFit/>
-          </a:bodyPr>
-          <a:lstStyle/>
-          <a:p>
-            <a:r>
-              <a:rPr lang="ko-KR" altLang="en-US" dirty="0"/>
-              <a:t>문제삭제</a:t>
-            </a:r>
-          </a:p>
-        </p:txBody>
-      </p:sp>
-      <p:graphicFrame>
-        <p:nvGraphicFramePr>
-          <p:cNvPr id="15" name="표 13">
-            <a:extLst>
-              <a:ext uri="{FF2B5EF4-FFF2-40B4-BE49-F238E27FC236}">
-                <a16:creationId xmlns:a16="http://schemas.microsoft.com/office/drawing/2014/main" id="{0C7DBF5D-0EA8-4461-AACD-A5A8AFD22C3C}"/>
-              </a:ext>
-            </a:extLst>
-          </p:cNvPr>
-          <p:cNvGraphicFramePr>
-            <a:graphicFrameLocks noGrp="1"/>
-          </p:cNvGraphicFramePr>
-          <p:nvPr/>
-        </p:nvGraphicFramePr>
-        <p:xfrm>
-          <a:off x="8418454" y="2269132"/>
-          <a:ext cx="1333858" cy="2966720"/>
-        </p:xfrm>
-        <a:graphic>
-          <a:graphicData uri="http://schemas.openxmlformats.org/drawingml/2006/table">
-            <a:tbl>
-              <a:tblPr firstRow="1" bandRow="1">
-                <a:tableStyleId>{5C22544A-7EE6-4342-B048-85BDC9FD1C3A}</a:tableStyleId>
-              </a:tblPr>
-              <a:tblGrid>
-                <a:gridCol w="666929">
-                  <a:extLst>
-                    <a:ext uri="{9D8B030D-6E8A-4147-A177-3AD203B41FA5}">
-                      <a16:colId xmlns:a16="http://schemas.microsoft.com/office/drawing/2014/main" val="3650683110"/>
-                    </a:ext>
-                  </a:extLst>
-                </a:gridCol>
-                <a:gridCol w="666929">
-                  <a:extLst>
-                    <a:ext uri="{9D8B030D-6E8A-4147-A177-3AD203B41FA5}">
-                      <a16:colId xmlns:a16="http://schemas.microsoft.com/office/drawing/2014/main" val="2644936658"/>
-                    </a:ext>
-                  </a:extLst>
-                </a:gridCol>
-              </a:tblGrid>
-              <a:tr h="370840">
-                <a:tc gridSpan="2">
-                  <a:txBody>
-                    <a:bodyPr/>
-                    <a:lstStyle/>
-                    <a:p>
-                      <a:pPr algn="ctr" latinLnBrk="1"/>
-                      <a:r>
-                        <a:rPr lang="ko-KR" altLang="en-US" dirty="0"/>
-                        <a:t>문제</a:t>
-                      </a:r>
-                    </a:p>
-                  </a:txBody>
-                  <a:tcPr/>
-                </a:tc>
-                <a:tc hMerge="1">
-                  <a:txBody>
-                    <a:bodyPr/>
-                    <a:lstStyle/>
-                    <a:p>
-                      <a:pPr latinLnBrk="1"/>
-                      <a:endParaRPr lang="ko-KR" altLang="en-US" dirty="0"/>
-                    </a:p>
-                  </a:txBody>
-                  <a:tcPr/>
-                </a:tc>
-                <a:extLst>
-                  <a:ext uri="{0D108BD9-81ED-4DB2-BD59-A6C34878D82A}">
-                    <a16:rowId xmlns:a16="http://schemas.microsoft.com/office/drawing/2014/main" val="2897868973"/>
-                  </a:ext>
-                </a:extLst>
-              </a:tr>
-              <a:tr h="370840">
-                <a:tc>
-                  <a:txBody>
-                    <a:bodyPr/>
-                    <a:lstStyle/>
-                    <a:p>
-                      <a:pPr algn="ctr" latinLnBrk="1"/>
-                      <a:r>
-                        <a:rPr lang="en-US" altLang="ko-KR" dirty="0"/>
-                        <a:t>1</a:t>
-                      </a:r>
-                      <a:endParaRPr lang="ko-KR" altLang="en-US" dirty="0"/>
-                    </a:p>
-                  </a:txBody>
-                  <a:tcPr/>
-                </a:tc>
-                <a:tc>
-                  <a:txBody>
-                    <a:bodyPr/>
-                    <a:lstStyle/>
-                    <a:p>
-                      <a:pPr algn="ctr" latinLnBrk="1"/>
-                      <a:endParaRPr lang="ko-KR" altLang="en-US" dirty="0"/>
-                    </a:p>
-                  </a:txBody>
-                  <a:tcPr/>
-                </a:tc>
-                <a:extLst>
-                  <a:ext uri="{0D108BD9-81ED-4DB2-BD59-A6C34878D82A}">
-                    <a16:rowId xmlns:a16="http://schemas.microsoft.com/office/drawing/2014/main" val="670033681"/>
-                  </a:ext>
-                </a:extLst>
-              </a:tr>
-              <a:tr h="370840">
-                <a:tc>
-                  <a:txBody>
-                    <a:bodyPr/>
-                    <a:lstStyle/>
-                    <a:p>
-                      <a:pPr algn="ctr" latinLnBrk="1"/>
-                      <a:r>
-                        <a:rPr lang="en-US" altLang="ko-KR" dirty="0"/>
-                        <a:t>2</a:t>
-                      </a:r>
-                      <a:endParaRPr lang="ko-KR" altLang="en-US" dirty="0"/>
-                    </a:p>
-                  </a:txBody>
-                  <a:tcPr/>
-                </a:tc>
-                <a:tc>
-                  <a:txBody>
-                    <a:bodyPr/>
-                    <a:lstStyle/>
-                    <a:p>
-                      <a:pPr algn="ctr" latinLnBrk="1"/>
-                      <a:endParaRPr lang="ko-KR" altLang="en-US" dirty="0"/>
-                    </a:p>
-                  </a:txBody>
-                  <a:tcPr/>
-                </a:tc>
-                <a:extLst>
-                  <a:ext uri="{0D108BD9-81ED-4DB2-BD59-A6C34878D82A}">
-                    <a16:rowId xmlns:a16="http://schemas.microsoft.com/office/drawing/2014/main" val="1607936203"/>
-                  </a:ext>
-                </a:extLst>
-              </a:tr>
-              <a:tr h="370840">
-                <a:tc>
-                  <a:txBody>
-                    <a:bodyPr/>
-                    <a:lstStyle/>
-                    <a:p>
-                      <a:pPr algn="ctr" latinLnBrk="1"/>
-                      <a:r>
-                        <a:rPr lang="en-US" altLang="ko-KR" dirty="0"/>
-                        <a:t>+</a:t>
-                      </a:r>
-                      <a:endParaRPr lang="ko-KR" altLang="en-US" dirty="0"/>
-                    </a:p>
-                  </a:txBody>
-                  <a:tcPr/>
-                </a:tc>
-                <a:tc>
-                  <a:txBody>
-                    <a:bodyPr/>
-                    <a:lstStyle/>
-                    <a:p>
-                      <a:pPr algn="ctr" latinLnBrk="1"/>
-                      <a:endParaRPr lang="ko-KR" altLang="en-US" dirty="0"/>
-                    </a:p>
-                  </a:txBody>
-                  <a:tcPr/>
-                </a:tc>
-                <a:extLst>
-                  <a:ext uri="{0D108BD9-81ED-4DB2-BD59-A6C34878D82A}">
-                    <a16:rowId xmlns:a16="http://schemas.microsoft.com/office/drawing/2014/main" val="2200904659"/>
-                  </a:ext>
-                </a:extLst>
-              </a:tr>
-              <a:tr h="370840">
-                <a:tc>
-                  <a:txBody>
-                    <a:bodyPr/>
-                    <a:lstStyle/>
-                    <a:p>
-                      <a:pPr marL="0" marR="0" lvl="0" indent="0" algn="ctr" defTabSz="914400" rtl="0" eaLnBrk="1" fontAlgn="auto" latinLnBrk="1" hangingPunct="1">
-                        <a:lnSpc>
-                          <a:spcPct val="100000"/>
-                        </a:lnSpc>
-                        <a:spcBef>
-                          <a:spcPts val="0"/>
-                        </a:spcBef>
-                        <a:spcAft>
-                          <a:spcPts val="0"/>
-                        </a:spcAft>
-                        <a:buClrTx/>
-                        <a:buSzTx/>
-                        <a:buFontTx/>
-                        <a:buNone/>
-                        <a:tabLst/>
-                        <a:defRPr/>
-                      </a:pPr>
-                      <a:endParaRPr lang="ko-KR" altLang="en-US" dirty="0"/>
-                    </a:p>
-                  </a:txBody>
-                  <a:tcPr/>
-                </a:tc>
-                <a:tc>
-                  <a:txBody>
-                    <a:bodyPr/>
-                    <a:lstStyle/>
-                    <a:p>
-                      <a:pPr algn="ctr" latinLnBrk="1"/>
-                      <a:endParaRPr lang="ko-KR" altLang="en-US" dirty="0"/>
-                    </a:p>
-                  </a:txBody>
-                  <a:tcPr/>
-                </a:tc>
-                <a:extLst>
-                  <a:ext uri="{0D108BD9-81ED-4DB2-BD59-A6C34878D82A}">
-                    <a16:rowId xmlns:a16="http://schemas.microsoft.com/office/drawing/2014/main" val="1979353222"/>
-                  </a:ext>
-                </a:extLst>
-              </a:tr>
-              <a:tr h="370840">
-                <a:tc>
-                  <a:txBody>
-                    <a:bodyPr/>
-                    <a:lstStyle/>
-                    <a:p>
-                      <a:pPr algn="ctr" latinLnBrk="1"/>
-                      <a:endParaRPr lang="ko-KR" altLang="en-US" dirty="0"/>
-                    </a:p>
-                  </a:txBody>
-                  <a:tcPr/>
-                </a:tc>
-                <a:tc>
-                  <a:txBody>
-                    <a:bodyPr/>
-                    <a:lstStyle/>
-                    <a:p>
-                      <a:pPr algn="ctr" latinLnBrk="1"/>
-                      <a:endParaRPr lang="ko-KR" altLang="en-US" dirty="0"/>
-                    </a:p>
-                  </a:txBody>
-                  <a:tcPr/>
-                </a:tc>
-                <a:extLst>
-                  <a:ext uri="{0D108BD9-81ED-4DB2-BD59-A6C34878D82A}">
-                    <a16:rowId xmlns:a16="http://schemas.microsoft.com/office/drawing/2014/main" val="964566636"/>
-                  </a:ext>
-                </a:extLst>
-              </a:tr>
-              <a:tr h="370840">
-                <a:tc>
-                  <a:txBody>
-                    <a:bodyPr/>
-                    <a:lstStyle/>
-                    <a:p>
-                      <a:pPr algn="ctr" latinLnBrk="1"/>
-                      <a:endParaRPr lang="ko-KR" altLang="en-US" dirty="0"/>
-                    </a:p>
-                  </a:txBody>
-                  <a:tcPr/>
-                </a:tc>
-                <a:tc>
-                  <a:txBody>
-                    <a:bodyPr/>
-                    <a:lstStyle/>
-                    <a:p>
-                      <a:pPr algn="ctr" latinLnBrk="1"/>
-                      <a:endParaRPr lang="ko-KR" altLang="en-US" dirty="0"/>
-                    </a:p>
-                  </a:txBody>
-                  <a:tcPr/>
-                </a:tc>
-                <a:extLst>
-                  <a:ext uri="{0D108BD9-81ED-4DB2-BD59-A6C34878D82A}">
-                    <a16:rowId xmlns:a16="http://schemas.microsoft.com/office/drawing/2014/main" val="312299393"/>
-                  </a:ext>
-                </a:extLst>
-              </a:tr>
-              <a:tr h="370840">
-                <a:tc>
-                  <a:txBody>
-                    <a:bodyPr/>
-                    <a:lstStyle/>
-                    <a:p>
-                      <a:pPr algn="ctr" latinLnBrk="1"/>
-                      <a:endParaRPr lang="ko-KR" altLang="en-US" dirty="0"/>
-                    </a:p>
-                  </a:txBody>
-                  <a:tcPr/>
-                </a:tc>
-                <a:tc>
-                  <a:txBody>
-                    <a:bodyPr/>
-                    <a:lstStyle/>
-                    <a:p>
-                      <a:pPr algn="ctr" latinLnBrk="1"/>
-                      <a:endParaRPr lang="ko-KR" altLang="en-US" dirty="0"/>
-                    </a:p>
-                  </a:txBody>
-                  <a:tcPr/>
-                </a:tc>
-                <a:extLst>
-                  <a:ext uri="{0D108BD9-81ED-4DB2-BD59-A6C34878D82A}">
-                    <a16:rowId xmlns:a16="http://schemas.microsoft.com/office/drawing/2014/main" val="435839789"/>
-                  </a:ext>
-                </a:extLst>
-              </a:tr>
-            </a:tbl>
-          </a:graphicData>
-        </a:graphic>
-      </p:graphicFrame>
-      <p:sp>
-        <p:nvSpPr>
-          <p:cNvPr id="23" name="TextBox 22">
-            <a:extLst>
-              <a:ext uri="{FF2B5EF4-FFF2-40B4-BE49-F238E27FC236}">
-                <a16:creationId xmlns:a16="http://schemas.microsoft.com/office/drawing/2014/main" id="{4332EB4F-3763-4D94-A38D-BB2BC71C0204}"/>
-              </a:ext>
-            </a:extLst>
-          </p:cNvPr>
-          <p:cNvSpPr txBox="1"/>
-          <p:nvPr/>
-        </p:nvSpPr>
-        <p:spPr>
-          <a:xfrm>
-            <a:off x="7192678" y="5443406"/>
-            <a:ext cx="1107996" cy="369332"/>
-          </a:xfrm>
-          <a:prstGeom prst="rect">
-            <a:avLst/>
-          </a:prstGeom>
-          <a:solidFill>
-            <a:srgbClr val="CFD5EA"/>
-          </a:solidFill>
-          <a:ln>
-            <a:solidFill>
-              <a:schemeClr val="tx1"/>
-            </a:solidFill>
-          </a:ln>
-        </p:spPr>
-        <p:txBody>
-          <a:bodyPr wrap="none" rtlCol="0">
-            <a:spAutoFit/>
-          </a:bodyPr>
-          <a:lstStyle/>
-          <a:p>
-            <a:r>
-              <a:rPr lang="ko-KR" altLang="en-US" dirty="0"/>
-              <a:t>문제수정</a:t>
-            </a:r>
-          </a:p>
-        </p:txBody>
-      </p:sp>
-      <p:sp>
-        <p:nvSpPr>
-          <p:cNvPr id="17" name="TextBox 16">
-            <a:extLst>
-              <a:ext uri="{FF2B5EF4-FFF2-40B4-BE49-F238E27FC236}">
-                <a16:creationId xmlns:a16="http://schemas.microsoft.com/office/drawing/2014/main" id="{8E44FDD4-B408-4C15-9AE4-9FE195DD0826}"/>
-              </a:ext>
-            </a:extLst>
-          </p:cNvPr>
-          <p:cNvSpPr txBox="1"/>
-          <p:nvPr/>
-        </p:nvSpPr>
-        <p:spPr>
-          <a:xfrm>
-            <a:off x="4525535" y="1979630"/>
-            <a:ext cx="877163" cy="369332"/>
-          </a:xfrm>
-          <a:prstGeom prst="rect">
-            <a:avLst/>
-          </a:prstGeom>
-          <a:noFill/>
-          <a:ln>
-            <a:solidFill>
-              <a:schemeClr val="tx1"/>
-            </a:solidFill>
-          </a:ln>
-        </p:spPr>
-        <p:txBody>
-          <a:bodyPr wrap="none" rtlCol="0">
-            <a:spAutoFit/>
-          </a:bodyPr>
-          <a:lstStyle/>
-          <a:p>
-            <a:r>
-              <a:rPr lang="ko-KR" altLang="en-US"/>
-              <a:t>서술형</a:t>
-            </a:r>
-            <a:endParaRPr lang="ko-KR" altLang="en-US" dirty="0"/>
-          </a:p>
-        </p:txBody>
-      </p:sp>
-      <p:sp>
-        <p:nvSpPr>
-          <p:cNvPr id="3" name="TextBox 2">
-            <a:extLst>
-              <a:ext uri="{FF2B5EF4-FFF2-40B4-BE49-F238E27FC236}">
-                <a16:creationId xmlns:a16="http://schemas.microsoft.com/office/drawing/2014/main" id="{7D4B2B84-777F-42C3-98D7-E69CD90484D4}"/>
-              </a:ext>
-            </a:extLst>
-          </p:cNvPr>
-          <p:cNvSpPr txBox="1"/>
-          <p:nvPr/>
-        </p:nvSpPr>
-        <p:spPr>
-          <a:xfrm>
-            <a:off x="2992377" y="4637899"/>
-            <a:ext cx="1733167" cy="276999"/>
-          </a:xfrm>
-          <a:prstGeom prst="rect">
-            <a:avLst/>
-          </a:prstGeom>
-          <a:noFill/>
-        </p:spPr>
-        <p:txBody>
-          <a:bodyPr wrap="none" rtlCol="0">
-            <a:spAutoFit/>
-          </a:bodyPr>
-          <a:lstStyle/>
-          <a:p>
-            <a:r>
-              <a:rPr lang="ko-KR" altLang="en-US" sz="1200" dirty="0"/>
-              <a:t>변경하는 답 색 다르게</a:t>
-            </a:r>
-          </a:p>
-        </p:txBody>
-      </p:sp>
-      <p:sp>
-        <p:nvSpPr>
-          <p:cNvPr id="24" name="이등변 삼각형 23">
-            <a:extLst>
-              <a:ext uri="{FF2B5EF4-FFF2-40B4-BE49-F238E27FC236}">
-                <a16:creationId xmlns:a16="http://schemas.microsoft.com/office/drawing/2014/main" id="{F93B1F8D-AF71-4059-ABDF-3CCBCD6110C7}"/>
-              </a:ext>
-            </a:extLst>
-          </p:cNvPr>
-          <p:cNvSpPr/>
-          <p:nvPr/>
-        </p:nvSpPr>
-        <p:spPr>
-          <a:xfrm rot="10800000">
-            <a:off x="6377555" y="1045261"/>
-            <a:ext cx="185392" cy="142515"/>
-          </a:xfrm>
-          <a:prstGeom prst="triangle">
-            <a:avLst/>
-          </a:prstGeom>
-          <a:solidFill>
-            <a:schemeClr val="tx1"/>
-          </a:solidFill>
-          <a:ln>
-            <a:solidFill>
-              <a:schemeClr val="tx1"/>
-            </a:solidFill>
-          </a:ln>
-        </p:spPr>
-        <p:style>
-          <a:lnRef idx="2">
-            <a:schemeClr val="accent1">
-              <a:shade val="50000"/>
-            </a:schemeClr>
-          </a:lnRef>
-          <a:fillRef idx="1">
-            <a:schemeClr val="accent1"/>
-          </a:fillRef>
-          <a:effectRef idx="0">
-            <a:schemeClr val="accent1"/>
-          </a:effectRef>
-          <a:fontRef idx="minor">
-            <a:schemeClr val="lt1"/>
-          </a:fontRef>
-        </p:style>
-        <p:txBody>
-          <a:bodyPr rtlCol="0" anchor="ctr"/>
-          <a:lstStyle/>
-          <a:p>
-            <a:pPr algn="ctr"/>
-            <a:endParaRPr lang="ko-KR" altLang="en-US"/>
-          </a:p>
-        </p:txBody>
-      </p:sp>
-      <p:sp>
-        <p:nvSpPr>
-          <p:cNvPr id="25" name="이등변 삼각형 24">
-            <a:extLst>
-              <a:ext uri="{FF2B5EF4-FFF2-40B4-BE49-F238E27FC236}">
-                <a16:creationId xmlns:a16="http://schemas.microsoft.com/office/drawing/2014/main" id="{E4A90959-C0DF-4101-8CB9-99D5C15A9513}"/>
-              </a:ext>
-            </a:extLst>
-          </p:cNvPr>
-          <p:cNvSpPr/>
-          <p:nvPr/>
-        </p:nvSpPr>
-        <p:spPr>
-          <a:xfrm rot="10800000">
-            <a:off x="7236422" y="1045260"/>
-            <a:ext cx="185392" cy="142515"/>
-          </a:xfrm>
-          <a:prstGeom prst="triangle">
-            <a:avLst/>
-          </a:prstGeom>
-          <a:solidFill>
-            <a:schemeClr val="tx1"/>
-          </a:solidFill>
-          <a:ln>
-            <a:solidFill>
-              <a:schemeClr val="tx1"/>
-            </a:solidFill>
-          </a:ln>
-        </p:spPr>
-        <p:style>
-          <a:lnRef idx="2">
-            <a:schemeClr val="accent1">
-              <a:shade val="50000"/>
-            </a:schemeClr>
-          </a:lnRef>
-          <a:fillRef idx="1">
-            <a:schemeClr val="accent1"/>
-          </a:fillRef>
-          <a:effectRef idx="0">
-            <a:schemeClr val="accent1"/>
-          </a:effectRef>
-          <a:fontRef idx="minor">
-            <a:schemeClr val="lt1"/>
-          </a:fontRef>
-        </p:style>
-        <p:txBody>
-          <a:bodyPr rtlCol="0" anchor="ctr"/>
-          <a:lstStyle/>
-          <a:p>
-            <a:pPr algn="ctr"/>
-            <a:endParaRPr lang="ko-KR" altLang="en-US"/>
-          </a:p>
-        </p:txBody>
-      </p:sp>
-      <p:sp>
-        <p:nvSpPr>
-          <p:cNvPr id="27" name="이등변 삼각형 26">
-            <a:extLst>
-              <a:ext uri="{FF2B5EF4-FFF2-40B4-BE49-F238E27FC236}">
-                <a16:creationId xmlns:a16="http://schemas.microsoft.com/office/drawing/2014/main" id="{FA32F15A-8CD8-4E0E-95DB-4AB31A110881}"/>
-              </a:ext>
-            </a:extLst>
-          </p:cNvPr>
-          <p:cNvSpPr/>
-          <p:nvPr/>
-        </p:nvSpPr>
-        <p:spPr>
-          <a:xfrm rot="16200000">
-            <a:off x="8741194" y="5316159"/>
-            <a:ext cx="235664" cy="254494"/>
-          </a:xfrm>
-          <a:prstGeom prst="triangle">
-            <a:avLst/>
-          </a:prstGeom>
-        </p:spPr>
-        <p:style>
-          <a:lnRef idx="2">
-            <a:schemeClr val="accent1">
-              <a:shade val="50000"/>
-            </a:schemeClr>
-          </a:lnRef>
-          <a:fillRef idx="1">
-            <a:schemeClr val="accent1"/>
-          </a:fillRef>
-          <a:effectRef idx="0">
-            <a:schemeClr val="accent1"/>
-          </a:effectRef>
-          <a:fontRef idx="minor">
-            <a:schemeClr val="lt1"/>
-          </a:fontRef>
-        </p:style>
-        <p:txBody>
-          <a:bodyPr rtlCol="0" anchor="ctr"/>
-          <a:lstStyle/>
-          <a:p>
-            <a:pPr algn="ctr"/>
-            <a:endParaRPr lang="ko-KR" altLang="en-US"/>
-          </a:p>
-        </p:txBody>
-      </p:sp>
-      <p:sp>
-        <p:nvSpPr>
-          <p:cNvPr id="28" name="이등변 삼각형 27">
-            <a:extLst>
-              <a:ext uri="{FF2B5EF4-FFF2-40B4-BE49-F238E27FC236}">
-                <a16:creationId xmlns:a16="http://schemas.microsoft.com/office/drawing/2014/main" id="{6DBCE348-E25F-4952-8030-3B1BBF9B3E82}"/>
-              </a:ext>
-            </a:extLst>
-          </p:cNvPr>
-          <p:cNvSpPr/>
-          <p:nvPr/>
-        </p:nvSpPr>
-        <p:spPr>
-          <a:xfrm rot="5400000">
-            <a:off x="9298946" y="5316159"/>
-            <a:ext cx="235664" cy="254494"/>
-          </a:xfrm>
-          <a:prstGeom prst="triangle">
-            <a:avLst/>
-          </a:prstGeom>
-        </p:spPr>
-        <p:style>
-          <a:lnRef idx="2">
-            <a:schemeClr val="accent1">
-              <a:shade val="50000"/>
-            </a:schemeClr>
-          </a:lnRef>
-          <a:fillRef idx="1">
-            <a:schemeClr val="accent1"/>
-          </a:fillRef>
-          <a:effectRef idx="0">
-            <a:schemeClr val="accent1"/>
-          </a:effectRef>
-          <a:fontRef idx="minor">
-            <a:schemeClr val="lt1"/>
-          </a:fontRef>
-        </p:style>
-        <p:txBody>
-          <a:bodyPr rtlCol="0" anchor="ctr"/>
-          <a:lstStyle/>
-          <a:p>
-            <a:pPr algn="ctr"/>
-            <a:endParaRPr lang="ko-KR" altLang="en-US"/>
-          </a:p>
-        </p:txBody>
-      </p:sp>
-      <p:sp>
-        <p:nvSpPr>
-          <p:cNvPr id="31" name="직사각형 30">
-            <a:extLst>
-              <a:ext uri="{FF2B5EF4-FFF2-40B4-BE49-F238E27FC236}">
-                <a16:creationId xmlns:a16="http://schemas.microsoft.com/office/drawing/2014/main" id="{A81F89D6-983A-423A-BD11-274FCF8B857F}"/>
-              </a:ext>
-            </a:extLst>
-          </p:cNvPr>
-          <p:cNvSpPr/>
-          <p:nvPr/>
-        </p:nvSpPr>
-        <p:spPr>
-          <a:xfrm>
-            <a:off x="9002824" y="-741859"/>
-            <a:ext cx="5345856" cy="2719607"/>
-          </a:xfrm>
-          <a:prstGeom prst="rect">
-            <a:avLst/>
-          </a:prstGeom>
-          <a:solidFill>
-            <a:schemeClr val="accent5">
-              <a:lumMod val="40000"/>
-              <a:lumOff val="60000"/>
-            </a:schemeClr>
-          </a:solidFill>
-        </p:spPr>
-        <p:style>
-          <a:lnRef idx="2">
-            <a:schemeClr val="accent1">
-              <a:shade val="50000"/>
-            </a:schemeClr>
-          </a:lnRef>
-          <a:fillRef idx="1">
-            <a:schemeClr val="accent1"/>
-          </a:fillRef>
-          <a:effectRef idx="0">
-            <a:schemeClr val="accent1"/>
-          </a:effectRef>
-          <a:fontRef idx="minor">
-            <a:schemeClr val="lt1"/>
-          </a:fontRef>
-        </p:style>
-        <p:txBody>
-          <a:bodyPr rtlCol="0" anchor="ctr"/>
-          <a:lstStyle/>
-          <a:p>
-            <a:pPr algn="ctr"/>
-            <a:r>
-              <a:rPr lang="en-US" altLang="ko-KR" dirty="0"/>
-              <a:t>Alert!</a:t>
-            </a:r>
-          </a:p>
-          <a:p>
-            <a:pPr algn="ctr"/>
-            <a:r>
-              <a:rPr lang="ko-KR" altLang="en-US" sz="1600" dirty="0"/>
-              <a:t>문제를 삭제하시겠습니까</a:t>
-            </a:r>
-            <a:r>
-              <a:rPr lang="en-US" altLang="ko-KR" sz="1600" dirty="0"/>
-              <a:t>?</a:t>
-            </a:r>
-            <a:endParaRPr lang="ko-KR" altLang="en-US" sz="1600" dirty="0"/>
-          </a:p>
-        </p:txBody>
-      </p:sp>
-      <p:sp>
-        <p:nvSpPr>
-          <p:cNvPr id="32" name="TextBox 31">
-            <a:extLst>
-              <a:ext uri="{FF2B5EF4-FFF2-40B4-BE49-F238E27FC236}">
-                <a16:creationId xmlns:a16="http://schemas.microsoft.com/office/drawing/2014/main" id="{5285AC80-444C-42BE-BD27-8506FE4F0384}"/>
-              </a:ext>
-            </a:extLst>
-          </p:cNvPr>
-          <p:cNvSpPr txBox="1"/>
-          <p:nvPr/>
-        </p:nvSpPr>
-        <p:spPr>
-          <a:xfrm>
-            <a:off x="10754945" y="1248760"/>
-            <a:ext cx="415498" cy="369332"/>
-          </a:xfrm>
-          <a:prstGeom prst="rect">
-            <a:avLst/>
-          </a:prstGeom>
-          <a:solidFill>
-            <a:srgbClr val="CFD5EA"/>
-          </a:solidFill>
-          <a:ln>
-            <a:solidFill>
-              <a:schemeClr val="tx1"/>
-            </a:solidFill>
-          </a:ln>
-        </p:spPr>
-        <p:txBody>
-          <a:bodyPr wrap="none" rtlCol="0">
-            <a:spAutoFit/>
-          </a:bodyPr>
-          <a:lstStyle/>
-          <a:p>
-            <a:r>
-              <a:rPr lang="ko-KR" altLang="en-US" dirty="0"/>
-              <a:t>예</a:t>
-            </a:r>
-          </a:p>
-        </p:txBody>
-      </p:sp>
-      <p:sp>
-        <p:nvSpPr>
-          <p:cNvPr id="33" name="TextBox 32">
-            <a:extLst>
-              <a:ext uri="{FF2B5EF4-FFF2-40B4-BE49-F238E27FC236}">
-                <a16:creationId xmlns:a16="http://schemas.microsoft.com/office/drawing/2014/main" id="{A3AE18FD-4118-4E2A-9350-6DD4A138AB86}"/>
-              </a:ext>
-            </a:extLst>
-          </p:cNvPr>
-          <p:cNvSpPr txBox="1"/>
-          <p:nvPr/>
-        </p:nvSpPr>
-        <p:spPr>
-          <a:xfrm>
-            <a:off x="11841645" y="1239521"/>
-            <a:ext cx="877163" cy="369332"/>
-          </a:xfrm>
-          <a:prstGeom prst="rect">
-            <a:avLst/>
-          </a:prstGeom>
-          <a:solidFill>
-            <a:srgbClr val="CFD5EA"/>
-          </a:solidFill>
-          <a:ln>
-            <a:solidFill>
-              <a:schemeClr val="tx1"/>
-            </a:solidFill>
-          </a:ln>
-        </p:spPr>
-        <p:txBody>
-          <a:bodyPr wrap="none" rtlCol="0">
-            <a:spAutoFit/>
-          </a:bodyPr>
-          <a:lstStyle/>
-          <a:p>
-            <a:r>
-              <a:rPr lang="ko-KR" altLang="en-US"/>
-              <a:t>아니오</a:t>
-            </a:r>
-            <a:endParaRPr lang="ko-KR" altLang="en-US" dirty="0"/>
-          </a:p>
-        </p:txBody>
-      </p:sp>
-    </p:spTree>
-    <p:extLst>
-      <p:ext uri="{BB962C8B-B14F-4D97-AF65-F5344CB8AC3E}">
-        <p14:creationId xmlns:p14="http://schemas.microsoft.com/office/powerpoint/2010/main" val="197699932"/>
       </p:ext>
     </p:extLst>
   </p:cSld>
